--- a/Image/MontageBuild.pptx
+++ b/Image/MontageBuild.pptx
@@ -8,6 +8,7 @@
     <p:sldId id="256" r:id="rId2"/>
     <p:sldId id="257" r:id="rId3"/>
     <p:sldId id="258" r:id="rId4"/>
+    <p:sldId id="259" r:id="rId5"/>
   </p:sldIdLst>
   <p:sldSz cx="12192000" cy="6858000"/>
   <p:notesSz cx="6858000" cy="9144000"/>
@@ -106,6 +107,11 @@
       </a:defRPr>
     </a:lvl9pPr>
   </p:defaultTextStyle>
+  <p:extLst>
+    <p:ext uri="{EFAFB233-063F-42B5-8137-9DF3F51BA10A}">
+      <p15:sldGuideLst xmlns:p15="http://schemas.microsoft.com/office/powerpoint/2012/main"/>
+    </p:ext>
+  </p:extLst>
 </p:presentation>
 </file>
 
@@ -14413,10 +14419,1337 @@
           </a:p>
         </p:txBody>
       </p:sp>
+      <p:cxnSp>
+        <p:nvCxnSpPr>
+          <p:cNvPr id="41" name="Connecteur droit 40">
+            <a:extLst>
+              <a:ext uri="{FF2B5EF4-FFF2-40B4-BE49-F238E27FC236}">
+                <a16:creationId xmlns:a16="http://schemas.microsoft.com/office/drawing/2014/main" id="{1EB09CD3-DE59-425D-ADC4-4B58D885CFB0}"/>
+              </a:ext>
+            </a:extLst>
+          </p:cNvPr>
+          <p:cNvCxnSpPr/>
+          <p:nvPr/>
+        </p:nvCxnSpPr>
+        <p:spPr>
+          <a:xfrm flipV="1">
+            <a:off x="5642037" y="4777406"/>
+            <a:ext cx="1062430" cy="14149"/>
+          </a:xfrm>
+          <a:prstGeom prst="line">
+            <a:avLst/>
+          </a:prstGeom>
+        </p:spPr>
+        <p:style>
+          <a:lnRef idx="1">
+            <a:schemeClr val="accent2"/>
+          </a:lnRef>
+          <a:fillRef idx="0">
+            <a:schemeClr val="accent2"/>
+          </a:fillRef>
+          <a:effectRef idx="0">
+            <a:schemeClr val="accent2"/>
+          </a:effectRef>
+          <a:fontRef idx="minor">
+            <a:schemeClr val="tx1"/>
+          </a:fontRef>
+        </p:style>
+      </p:cxnSp>
+      <p:sp>
+        <p:nvSpPr>
+          <p:cNvPr id="19" name="Rectangle 18">
+            <a:extLst>
+              <a:ext uri="{FF2B5EF4-FFF2-40B4-BE49-F238E27FC236}">
+                <a16:creationId xmlns:a16="http://schemas.microsoft.com/office/drawing/2014/main" id="{CABE186B-FE47-4CDA-A7B7-A799A0D993F5}"/>
+              </a:ext>
+            </a:extLst>
+          </p:cNvPr>
+          <p:cNvSpPr/>
+          <p:nvPr/>
+        </p:nvSpPr>
+        <p:spPr>
+          <a:xfrm>
+            <a:off x="4912614" y="4120896"/>
+            <a:ext cx="743712" cy="1161288"/>
+          </a:xfrm>
+          <a:prstGeom prst="rect">
+            <a:avLst/>
+          </a:prstGeom>
+        </p:spPr>
+        <p:style>
+          <a:lnRef idx="1">
+            <a:schemeClr val="accent5"/>
+          </a:lnRef>
+          <a:fillRef idx="2">
+            <a:schemeClr val="accent5"/>
+          </a:fillRef>
+          <a:effectRef idx="1">
+            <a:schemeClr val="accent5"/>
+          </a:effectRef>
+          <a:fontRef idx="minor">
+            <a:schemeClr val="dk1"/>
+          </a:fontRef>
+        </p:style>
+        <p:txBody>
+          <a:bodyPr rtlCol="0" anchor="ctr"/>
+          <a:lstStyle/>
+          <a:p>
+            <a:pPr algn="ctr"/>
+            <a:endParaRPr lang="fr-FR"/>
+          </a:p>
+        </p:txBody>
+      </p:sp>
+      <p:pic>
+        <p:nvPicPr>
+          <p:cNvPr id="20" name="Graphique 19" descr="Marcher">
+            <a:extLst>
+              <a:ext uri="{FF2B5EF4-FFF2-40B4-BE49-F238E27FC236}">
+                <a16:creationId xmlns:a16="http://schemas.microsoft.com/office/drawing/2014/main" id="{6D565849-5602-4E44-9689-C0A5F7BF63DD}"/>
+              </a:ext>
+            </a:extLst>
+          </p:cNvPr>
+          <p:cNvPicPr>
+            <a:picLocks noChangeAspect="1"/>
+          </p:cNvPicPr>
+          <p:nvPr/>
+        </p:nvPicPr>
+        <p:blipFill>
+          <a:blip r:embed="rId2">
+            <a:extLst>
+              <a:ext uri="{28A0092B-C50C-407E-A947-70E740481C1C}">
+                <a14:useLocalDpi xmlns:a14="http://schemas.microsoft.com/office/drawing/2010/main" val="0"/>
+              </a:ext>
+              <a:ext uri="{96DAC541-7B7A-43D3-8B79-37D633B846F1}">
+                <asvg:svgBlip xmlns:asvg="http://schemas.microsoft.com/office/drawing/2016/SVG/main" r:embed="rId3"/>
+              </a:ext>
+            </a:extLst>
+          </a:blip>
+          <a:stretch>
+            <a:fillRect/>
+          </a:stretch>
+        </p:blipFill>
+        <p:spPr>
+          <a:xfrm>
+            <a:off x="4912614" y="4864222"/>
+            <a:ext cx="914400" cy="914400"/>
+          </a:xfrm>
+          <a:prstGeom prst="rect">
+            <a:avLst/>
+          </a:prstGeom>
+        </p:spPr>
+      </p:pic>
+      <p:sp>
+        <p:nvSpPr>
+          <p:cNvPr id="21" name="Rectangle 20">
+            <a:extLst>
+              <a:ext uri="{FF2B5EF4-FFF2-40B4-BE49-F238E27FC236}">
+                <a16:creationId xmlns:a16="http://schemas.microsoft.com/office/drawing/2014/main" id="{DF540303-C77B-42E9-B2C8-4E1EF5752886}"/>
+              </a:ext>
+            </a:extLst>
+          </p:cNvPr>
+          <p:cNvSpPr/>
+          <p:nvPr/>
+        </p:nvSpPr>
+        <p:spPr>
+          <a:xfrm>
+            <a:off x="6668643" y="4120896"/>
+            <a:ext cx="743712" cy="1161288"/>
+          </a:xfrm>
+          <a:prstGeom prst="rect">
+            <a:avLst/>
+          </a:prstGeom>
+        </p:spPr>
+        <p:style>
+          <a:lnRef idx="1">
+            <a:schemeClr val="accent5"/>
+          </a:lnRef>
+          <a:fillRef idx="2">
+            <a:schemeClr val="accent5"/>
+          </a:fillRef>
+          <a:effectRef idx="1">
+            <a:schemeClr val="accent5"/>
+          </a:effectRef>
+          <a:fontRef idx="minor">
+            <a:schemeClr val="dk1"/>
+          </a:fontRef>
+        </p:style>
+        <p:txBody>
+          <a:bodyPr rtlCol="0" anchor="ctr"/>
+          <a:lstStyle/>
+          <a:p>
+            <a:pPr algn="ctr"/>
+            <a:endParaRPr lang="fr-FR"/>
+          </a:p>
+        </p:txBody>
+      </p:sp>
+      <p:sp>
+        <p:nvSpPr>
+          <p:cNvPr id="22" name="Rectangle : coins arrondis 21">
+            <a:extLst>
+              <a:ext uri="{FF2B5EF4-FFF2-40B4-BE49-F238E27FC236}">
+                <a16:creationId xmlns:a16="http://schemas.microsoft.com/office/drawing/2014/main" id="{8A553C21-BA7E-4DE6-AA34-CB06A2F2514B}"/>
+              </a:ext>
+            </a:extLst>
+          </p:cNvPr>
+          <p:cNvSpPr/>
+          <p:nvPr/>
+        </p:nvSpPr>
+        <p:spPr>
+          <a:xfrm>
+            <a:off x="9168384" y="4376928"/>
+            <a:ext cx="231648" cy="231648"/>
+          </a:xfrm>
+          <a:prstGeom prst="roundRect">
+            <a:avLst/>
+          </a:prstGeom>
+        </p:spPr>
+        <p:style>
+          <a:lnRef idx="2">
+            <a:schemeClr val="accent1">
+              <a:shade val="50000"/>
+            </a:schemeClr>
+          </a:lnRef>
+          <a:fillRef idx="1">
+            <a:schemeClr val="accent1"/>
+          </a:fillRef>
+          <a:effectRef idx="0">
+            <a:schemeClr val="accent1"/>
+          </a:effectRef>
+          <a:fontRef idx="minor">
+            <a:schemeClr val="lt1"/>
+          </a:fontRef>
+        </p:style>
+        <p:txBody>
+          <a:bodyPr rtlCol="0" anchor="ctr"/>
+          <a:lstStyle/>
+          <a:p>
+            <a:pPr algn="ctr"/>
+            <a:endParaRPr lang="fr-FR"/>
+          </a:p>
+        </p:txBody>
+      </p:sp>
+      <p:grpSp>
+        <p:nvGrpSpPr>
+          <p:cNvPr id="2" name="Groupe 1">
+            <a:extLst>
+              <a:ext uri="{FF2B5EF4-FFF2-40B4-BE49-F238E27FC236}">
+                <a16:creationId xmlns:a16="http://schemas.microsoft.com/office/drawing/2014/main" id="{996FBBA4-D879-4561-9D44-3D4032335728}"/>
+              </a:ext>
+            </a:extLst>
+          </p:cNvPr>
+          <p:cNvGrpSpPr>
+            <a:grpSpLocks noChangeAspect="1"/>
+          </p:cNvGrpSpPr>
+          <p:nvPr/>
+        </p:nvGrpSpPr>
+        <p:grpSpPr>
+          <a:xfrm>
+            <a:off x="5420571" y="4701540"/>
+            <a:ext cx="194024" cy="170593"/>
+            <a:chOff x="5656326" y="-59748"/>
+            <a:chExt cx="3600000" cy="3600000"/>
+          </a:xfrm>
+        </p:grpSpPr>
+        <p:grpSp>
+          <p:nvGrpSpPr>
+            <p:cNvPr id="23" name="Groupe 22">
+              <a:extLst>
+                <a:ext uri="{FF2B5EF4-FFF2-40B4-BE49-F238E27FC236}">
+                  <a16:creationId xmlns:a16="http://schemas.microsoft.com/office/drawing/2014/main" id="{BD2253D2-9E83-4EBB-8AA4-25FB0C2F68C9}"/>
+                </a:ext>
+              </a:extLst>
+            </p:cNvPr>
+            <p:cNvGrpSpPr/>
+            <p:nvPr/>
+          </p:nvGrpSpPr>
+          <p:grpSpPr>
+            <a:xfrm>
+              <a:off x="5656326" y="-59748"/>
+              <a:ext cx="3600000" cy="3600000"/>
+              <a:chOff x="1996751" y="1091682"/>
+              <a:chExt cx="3600000" cy="3600000"/>
+            </a:xfrm>
+          </p:grpSpPr>
+          <p:grpSp>
+            <p:nvGrpSpPr>
+              <p:cNvPr id="24" name="Groupe 23">
+                <a:extLst>
+                  <a:ext uri="{FF2B5EF4-FFF2-40B4-BE49-F238E27FC236}">
+                    <a16:creationId xmlns:a16="http://schemas.microsoft.com/office/drawing/2014/main" id="{701B378F-2C65-42AD-971B-A80C94DA7EA9}"/>
+                  </a:ext>
+                </a:extLst>
+              </p:cNvPr>
+              <p:cNvGrpSpPr/>
+              <p:nvPr/>
+            </p:nvGrpSpPr>
+            <p:grpSpPr>
+              <a:xfrm>
+                <a:off x="1996751" y="1091682"/>
+                <a:ext cx="3600000" cy="3600000"/>
+                <a:chOff x="1996751" y="1091682"/>
+                <a:chExt cx="3600000" cy="3600000"/>
+              </a:xfrm>
+            </p:grpSpPr>
+            <p:sp>
+              <p:nvSpPr>
+                <p:cNvPr id="29" name="Rectangle : coins arrondis 28">
+                  <a:extLst>
+                    <a:ext uri="{FF2B5EF4-FFF2-40B4-BE49-F238E27FC236}">
+                      <a16:creationId xmlns:a16="http://schemas.microsoft.com/office/drawing/2014/main" id="{F9D11FBF-6A6F-4B41-BC89-437D7F522CCD}"/>
+                    </a:ext>
+                  </a:extLst>
+                </p:cNvPr>
+                <p:cNvSpPr/>
+                <p:nvPr/>
+              </p:nvSpPr>
+              <p:spPr>
+                <a:xfrm>
+                  <a:off x="1996751" y="1091682"/>
+                  <a:ext cx="3600000" cy="3600000"/>
+                </a:xfrm>
+                <a:prstGeom prst="roundRect">
+                  <a:avLst/>
+                </a:prstGeom>
+                <a:ln>
+                  <a:noFill/>
+                </a:ln>
+              </p:spPr>
+              <p:style>
+                <a:lnRef idx="3">
+                  <a:schemeClr val="lt1"/>
+                </a:lnRef>
+                <a:fillRef idx="1">
+                  <a:schemeClr val="accent3"/>
+                </a:fillRef>
+                <a:effectRef idx="1">
+                  <a:schemeClr val="accent3"/>
+                </a:effectRef>
+                <a:fontRef idx="minor">
+                  <a:schemeClr val="lt1"/>
+                </a:fontRef>
+              </p:style>
+              <p:txBody>
+                <a:bodyPr rtlCol="0" anchor="ctr"/>
+                <a:lstStyle/>
+                <a:p>
+                  <a:pPr algn="ctr"/>
+                  <a:endParaRPr lang="fr-FR"/>
+                </a:p>
+              </p:txBody>
+            </p:sp>
+            <p:sp>
+              <p:nvSpPr>
+                <p:cNvPr id="30" name="Rectangle : coins arrondis 29">
+                  <a:extLst>
+                    <a:ext uri="{FF2B5EF4-FFF2-40B4-BE49-F238E27FC236}">
+                      <a16:creationId xmlns:a16="http://schemas.microsoft.com/office/drawing/2014/main" id="{90656C39-BE25-4721-891E-BFEAC128ADEF}"/>
+                    </a:ext>
+                  </a:extLst>
+                </p:cNvPr>
+                <p:cNvSpPr/>
+                <p:nvPr/>
+              </p:nvSpPr>
+              <p:spPr>
+                <a:xfrm>
+                  <a:off x="2086751" y="1181682"/>
+                  <a:ext cx="3420000" cy="3420000"/>
+                </a:xfrm>
+                <a:prstGeom prst="roundRect">
+                  <a:avLst/>
+                </a:prstGeom>
+                <a:solidFill>
+                  <a:schemeClr val="tx1"/>
+                </a:solidFill>
+                <a:ln>
+                  <a:noFill/>
+                </a:ln>
+              </p:spPr>
+              <p:style>
+                <a:lnRef idx="3">
+                  <a:schemeClr val="lt1"/>
+                </a:lnRef>
+                <a:fillRef idx="1">
+                  <a:schemeClr val="accent3"/>
+                </a:fillRef>
+                <a:effectRef idx="1">
+                  <a:schemeClr val="accent3"/>
+                </a:effectRef>
+                <a:fontRef idx="minor">
+                  <a:schemeClr val="lt1"/>
+                </a:fontRef>
+              </p:style>
+              <p:txBody>
+                <a:bodyPr rtlCol="0" anchor="ctr"/>
+                <a:lstStyle/>
+                <a:p>
+                  <a:pPr algn="ctr"/>
+                  <a:endParaRPr lang="fr-FR"/>
+                </a:p>
+              </p:txBody>
+            </p:sp>
+          </p:grpSp>
+          <p:sp>
+            <p:nvSpPr>
+              <p:cNvPr id="25" name="Rectangle : coins arrondis 24">
+                <a:extLst>
+                  <a:ext uri="{FF2B5EF4-FFF2-40B4-BE49-F238E27FC236}">
+                    <a16:creationId xmlns:a16="http://schemas.microsoft.com/office/drawing/2014/main" id="{914CCF4F-E3ED-4D8F-9150-F1986502C554}"/>
+                  </a:ext>
+                </a:extLst>
+              </p:cNvPr>
+              <p:cNvSpPr/>
+              <p:nvPr/>
+            </p:nvSpPr>
+            <p:spPr>
+              <a:xfrm>
+                <a:off x="4260012" y="4086808"/>
+                <a:ext cx="522318" cy="298580"/>
+              </a:xfrm>
+              <a:prstGeom prst="roundRect">
+                <a:avLst/>
+              </a:prstGeom>
+              <a:ln>
+                <a:noFill/>
+              </a:ln>
+            </p:spPr>
+            <p:style>
+              <a:lnRef idx="1">
+                <a:schemeClr val="accent3"/>
+              </a:lnRef>
+              <a:fillRef idx="2">
+                <a:schemeClr val="accent3"/>
+              </a:fillRef>
+              <a:effectRef idx="1">
+                <a:schemeClr val="accent3"/>
+              </a:effectRef>
+              <a:fontRef idx="minor">
+                <a:schemeClr val="dk1"/>
+              </a:fontRef>
+            </p:style>
+            <p:txBody>
+              <a:bodyPr rtlCol="0" anchor="ctr"/>
+              <a:lstStyle/>
+              <a:p>
+                <a:pPr algn="ctr"/>
+                <a:endParaRPr lang="fr-FR"/>
+              </a:p>
+            </p:txBody>
+          </p:sp>
+          <p:sp>
+            <p:nvSpPr>
+              <p:cNvPr id="26" name="Rectangle : coins arrondis 25">
+                <a:extLst>
+                  <a:ext uri="{FF2B5EF4-FFF2-40B4-BE49-F238E27FC236}">
+                    <a16:creationId xmlns:a16="http://schemas.microsoft.com/office/drawing/2014/main" id="{8E297039-4727-4D54-AF7A-CF4D33CA1F05}"/>
+                  </a:ext>
+                </a:extLst>
+              </p:cNvPr>
+              <p:cNvSpPr/>
+              <p:nvPr/>
+            </p:nvSpPr>
+            <p:spPr>
+              <a:xfrm>
+                <a:off x="3535592" y="4086808"/>
+                <a:ext cx="522318" cy="298580"/>
+              </a:xfrm>
+              <a:prstGeom prst="roundRect">
+                <a:avLst/>
+              </a:prstGeom>
+              <a:ln>
+                <a:noFill/>
+              </a:ln>
+            </p:spPr>
+            <p:style>
+              <a:lnRef idx="1">
+                <a:schemeClr val="accent3"/>
+              </a:lnRef>
+              <a:fillRef idx="2">
+                <a:schemeClr val="accent3"/>
+              </a:fillRef>
+              <a:effectRef idx="1">
+                <a:schemeClr val="accent3"/>
+              </a:effectRef>
+              <a:fontRef idx="minor">
+                <a:schemeClr val="dk1"/>
+              </a:fontRef>
+            </p:style>
+            <p:txBody>
+              <a:bodyPr rtlCol="0" anchor="ctr"/>
+              <a:lstStyle/>
+              <a:p>
+                <a:pPr algn="ctr"/>
+                <a:endParaRPr lang="fr-FR"/>
+              </a:p>
+            </p:txBody>
+          </p:sp>
+          <p:sp>
+            <p:nvSpPr>
+              <p:cNvPr id="27" name="Rectangle : coins arrondis 26">
+                <a:extLst>
+                  <a:ext uri="{FF2B5EF4-FFF2-40B4-BE49-F238E27FC236}">
+                    <a16:creationId xmlns:a16="http://schemas.microsoft.com/office/drawing/2014/main" id="{D55EC7EF-14BF-4369-BF2A-8ABAC218748F}"/>
+                  </a:ext>
+                </a:extLst>
+              </p:cNvPr>
+              <p:cNvSpPr/>
+              <p:nvPr/>
+            </p:nvSpPr>
+            <p:spPr>
+              <a:xfrm>
+                <a:off x="2811171" y="4086808"/>
+                <a:ext cx="522318" cy="298580"/>
+              </a:xfrm>
+              <a:prstGeom prst="roundRect">
+                <a:avLst/>
+              </a:prstGeom>
+              <a:ln>
+                <a:noFill/>
+              </a:ln>
+            </p:spPr>
+            <p:style>
+              <a:lnRef idx="1">
+                <a:schemeClr val="accent3"/>
+              </a:lnRef>
+              <a:fillRef idx="2">
+                <a:schemeClr val="accent3"/>
+              </a:fillRef>
+              <a:effectRef idx="1">
+                <a:schemeClr val="accent3"/>
+              </a:effectRef>
+              <a:fontRef idx="minor">
+                <a:schemeClr val="dk1"/>
+              </a:fontRef>
+            </p:style>
+            <p:txBody>
+              <a:bodyPr rtlCol="0" anchor="ctr"/>
+              <a:lstStyle/>
+              <a:p>
+                <a:pPr algn="ctr"/>
+                <a:endParaRPr lang="fr-FR"/>
+              </a:p>
+            </p:txBody>
+          </p:sp>
+          <p:sp>
+            <p:nvSpPr>
+              <p:cNvPr id="28" name="Rectangle 27">
+                <a:extLst>
+                  <a:ext uri="{FF2B5EF4-FFF2-40B4-BE49-F238E27FC236}">
+                    <a16:creationId xmlns:a16="http://schemas.microsoft.com/office/drawing/2014/main" id="{7F9C1AB8-DF65-439D-B742-2FBE838D2710}"/>
+                  </a:ext>
+                </a:extLst>
+              </p:cNvPr>
+              <p:cNvSpPr/>
+              <p:nvPr/>
+            </p:nvSpPr>
+            <p:spPr>
+              <a:xfrm>
+                <a:off x="2286000" y="1772817"/>
+                <a:ext cx="3013788" cy="2097697"/>
+              </a:xfrm>
+              <a:prstGeom prst="rect">
+                <a:avLst/>
+              </a:prstGeom>
+              <a:solidFill>
+                <a:schemeClr val="tx1">
+                  <a:lumMod val="85000"/>
+                  <a:lumOff val="15000"/>
+                </a:schemeClr>
+              </a:solidFill>
+              <a:ln>
+                <a:noFill/>
+              </a:ln>
+            </p:spPr>
+            <p:style>
+              <a:lnRef idx="2">
+                <a:schemeClr val="accent1">
+                  <a:shade val="50000"/>
+                </a:schemeClr>
+              </a:lnRef>
+              <a:fillRef idx="1">
+                <a:schemeClr val="accent1"/>
+              </a:fillRef>
+              <a:effectRef idx="0">
+                <a:schemeClr val="accent1"/>
+              </a:effectRef>
+              <a:fontRef idx="minor">
+                <a:schemeClr val="lt1"/>
+              </a:fontRef>
+            </p:style>
+            <p:txBody>
+              <a:bodyPr rtlCol="0" anchor="ctr"/>
+              <a:lstStyle/>
+              <a:p>
+                <a:pPr algn="ctr"/>
+                <a:endParaRPr lang="fr-FR"/>
+              </a:p>
+            </p:txBody>
+          </p:sp>
+        </p:grpSp>
+        <p:sp>
+          <p:nvSpPr>
+            <p:cNvPr id="31" name="Rectangle 30">
+              <a:extLst>
+                <a:ext uri="{FF2B5EF4-FFF2-40B4-BE49-F238E27FC236}">
+                  <a16:creationId xmlns:a16="http://schemas.microsoft.com/office/drawing/2014/main" id="{BAF5DF98-C1B7-4BE7-86C4-E0E5991EB87E}"/>
+                </a:ext>
+              </a:extLst>
+            </p:cNvPr>
+            <p:cNvSpPr/>
+            <p:nvPr/>
+          </p:nvSpPr>
+          <p:spPr>
+            <a:xfrm>
+              <a:off x="5945575" y="621387"/>
+              <a:ext cx="3013788" cy="340529"/>
+            </a:xfrm>
+            <a:prstGeom prst="rect">
+              <a:avLst/>
+            </a:prstGeom>
+            <a:solidFill>
+              <a:schemeClr val="tx1">
+                <a:lumMod val="85000"/>
+                <a:lumOff val="15000"/>
+              </a:schemeClr>
+            </a:solidFill>
+            <a:ln>
+              <a:noFill/>
+            </a:ln>
+          </p:spPr>
+          <p:style>
+            <a:lnRef idx="2">
+              <a:schemeClr val="accent1">
+                <a:shade val="50000"/>
+              </a:schemeClr>
+            </a:lnRef>
+            <a:fillRef idx="1">
+              <a:schemeClr val="accent1"/>
+            </a:fillRef>
+            <a:effectRef idx="0">
+              <a:schemeClr val="accent1"/>
+            </a:effectRef>
+            <a:fontRef idx="minor">
+              <a:schemeClr val="lt1"/>
+            </a:fontRef>
+          </p:style>
+          <p:txBody>
+            <a:bodyPr rtlCol="0" anchor="ctr"/>
+            <a:lstStyle/>
+            <a:p>
+              <a:pPr algn="ctr"/>
+              <a:endParaRPr lang="fr-FR" dirty="0"/>
+            </a:p>
+          </p:txBody>
+        </p:sp>
+        <p:sp>
+          <p:nvSpPr>
+            <p:cNvPr id="32" name="Rectangle : coins arrondis 31">
+              <a:extLst>
+                <a:ext uri="{FF2B5EF4-FFF2-40B4-BE49-F238E27FC236}">
+                  <a16:creationId xmlns:a16="http://schemas.microsoft.com/office/drawing/2014/main" id="{359939ED-8C4A-4BFB-9228-A105A2E7B16E}"/>
+                </a:ext>
+              </a:extLst>
+            </p:cNvPr>
+            <p:cNvSpPr/>
+            <p:nvPr/>
+          </p:nvSpPr>
+          <p:spPr>
+            <a:xfrm>
+              <a:off x="6085305" y="902427"/>
+              <a:ext cx="2333430" cy="340529"/>
+            </a:xfrm>
+            <a:prstGeom prst="roundRect">
+              <a:avLst/>
+            </a:prstGeom>
+            <a:ln>
+              <a:noFill/>
+            </a:ln>
+          </p:spPr>
+          <p:style>
+            <a:lnRef idx="1">
+              <a:schemeClr val="accent3"/>
+            </a:lnRef>
+            <a:fillRef idx="2">
+              <a:schemeClr val="accent3"/>
+            </a:fillRef>
+            <a:effectRef idx="1">
+              <a:schemeClr val="accent3"/>
+            </a:effectRef>
+            <a:fontRef idx="minor">
+              <a:schemeClr val="dk1"/>
+            </a:fontRef>
+          </p:style>
+          <p:txBody>
+            <a:bodyPr rtlCol="0" anchor="ctr"/>
+            <a:lstStyle/>
+            <a:p>
+              <a:pPr algn="ctr"/>
+              <a:endParaRPr lang="fr-FR"/>
+            </a:p>
+          </p:txBody>
+        </p:sp>
+        <p:sp>
+          <p:nvSpPr>
+            <p:cNvPr id="33" name="Rectangle : coins arrondis 32">
+              <a:extLst>
+                <a:ext uri="{FF2B5EF4-FFF2-40B4-BE49-F238E27FC236}">
+                  <a16:creationId xmlns:a16="http://schemas.microsoft.com/office/drawing/2014/main" id="{F5379BBD-AE01-4877-A7A6-1097BEE68BFA}"/>
+                </a:ext>
+              </a:extLst>
+            </p:cNvPr>
+            <p:cNvSpPr/>
+            <p:nvPr/>
+          </p:nvSpPr>
+          <p:spPr>
+            <a:xfrm>
+              <a:off x="6108473" y="1239463"/>
+              <a:ext cx="2287099" cy="301777"/>
+            </a:xfrm>
+            <a:prstGeom prst="roundRect">
+              <a:avLst/>
+            </a:prstGeom>
+            <a:solidFill>
+              <a:schemeClr val="tx1">
+                <a:lumMod val="75000"/>
+                <a:lumOff val="25000"/>
+              </a:schemeClr>
+            </a:solidFill>
+            <a:ln>
+              <a:noFill/>
+            </a:ln>
+          </p:spPr>
+          <p:style>
+            <a:lnRef idx="1">
+              <a:schemeClr val="accent3"/>
+            </a:lnRef>
+            <a:fillRef idx="2">
+              <a:schemeClr val="accent3"/>
+            </a:fillRef>
+            <a:effectRef idx="1">
+              <a:schemeClr val="accent3"/>
+            </a:effectRef>
+            <a:fontRef idx="minor">
+              <a:schemeClr val="dk1"/>
+            </a:fontRef>
+          </p:style>
+          <p:txBody>
+            <a:bodyPr rtlCol="0" anchor="ctr"/>
+            <a:lstStyle/>
+            <a:p>
+              <a:endParaRPr lang="fr-FR" dirty="0">
+                <a:solidFill>
+                  <a:schemeClr val="bg1">
+                    <a:lumMod val="95000"/>
+                  </a:schemeClr>
+                </a:solidFill>
+              </a:endParaRPr>
+            </a:p>
+          </p:txBody>
+        </p:sp>
+        <p:sp>
+          <p:nvSpPr>
+            <p:cNvPr id="34" name="Rectangle : coins arrondis 33">
+              <a:extLst>
+                <a:ext uri="{FF2B5EF4-FFF2-40B4-BE49-F238E27FC236}">
+                  <a16:creationId xmlns:a16="http://schemas.microsoft.com/office/drawing/2014/main" id="{9561BBC7-C4BF-4C7E-9A41-FB2B5F6E5600}"/>
+                </a:ext>
+              </a:extLst>
+            </p:cNvPr>
+            <p:cNvSpPr/>
+            <p:nvPr/>
+          </p:nvSpPr>
+          <p:spPr>
+            <a:xfrm>
+              <a:off x="6108473" y="921089"/>
+              <a:ext cx="2287099" cy="301777"/>
+            </a:xfrm>
+            <a:prstGeom prst="roundRect">
+              <a:avLst/>
+            </a:prstGeom>
+            <a:solidFill>
+              <a:schemeClr val="tx1">
+                <a:lumMod val="75000"/>
+                <a:lumOff val="25000"/>
+              </a:schemeClr>
+            </a:solidFill>
+            <a:ln>
+              <a:noFill/>
+            </a:ln>
+          </p:spPr>
+          <p:style>
+            <a:lnRef idx="1">
+              <a:schemeClr val="accent3"/>
+            </a:lnRef>
+            <a:fillRef idx="2">
+              <a:schemeClr val="accent3"/>
+            </a:fillRef>
+            <a:effectRef idx="1">
+              <a:schemeClr val="accent3"/>
+            </a:effectRef>
+            <a:fontRef idx="minor">
+              <a:schemeClr val="dk1"/>
+            </a:fontRef>
+          </p:style>
+          <p:txBody>
+            <a:bodyPr rtlCol="0" anchor="ctr"/>
+            <a:lstStyle/>
+            <a:p>
+              <a:endParaRPr lang="fr-FR" dirty="0">
+                <a:solidFill>
+                  <a:srgbClr val="FF0000"/>
+                </a:solidFill>
+              </a:endParaRPr>
+            </a:p>
+          </p:txBody>
+        </p:sp>
+        <p:sp>
+          <p:nvSpPr>
+            <p:cNvPr id="35" name="Rectangle : coins arrondis 34">
+              <a:extLst>
+                <a:ext uri="{FF2B5EF4-FFF2-40B4-BE49-F238E27FC236}">
+                  <a16:creationId xmlns:a16="http://schemas.microsoft.com/office/drawing/2014/main" id="{4348AC87-1230-4E45-B693-A086A73B304C}"/>
+                </a:ext>
+              </a:extLst>
+            </p:cNvPr>
+            <p:cNvSpPr/>
+            <p:nvPr/>
+          </p:nvSpPr>
+          <p:spPr>
+            <a:xfrm>
+              <a:off x="6108472" y="1562023"/>
+              <a:ext cx="2287099" cy="301777"/>
+            </a:xfrm>
+            <a:prstGeom prst="roundRect">
+              <a:avLst/>
+            </a:prstGeom>
+            <a:solidFill>
+              <a:schemeClr val="tx1">
+                <a:lumMod val="75000"/>
+                <a:lumOff val="25000"/>
+              </a:schemeClr>
+            </a:solidFill>
+            <a:ln>
+              <a:noFill/>
+            </a:ln>
+          </p:spPr>
+          <p:style>
+            <a:lnRef idx="1">
+              <a:schemeClr val="accent3"/>
+            </a:lnRef>
+            <a:fillRef idx="2">
+              <a:schemeClr val="accent3"/>
+            </a:fillRef>
+            <a:effectRef idx="1">
+              <a:schemeClr val="accent3"/>
+            </a:effectRef>
+            <a:fontRef idx="minor">
+              <a:schemeClr val="dk1"/>
+            </a:fontRef>
+          </p:style>
+          <p:txBody>
+            <a:bodyPr rtlCol="0" anchor="ctr"/>
+            <a:lstStyle/>
+            <a:p>
+              <a:endParaRPr lang="fr-FR" dirty="0">
+                <a:solidFill>
+                  <a:schemeClr val="bg1">
+                    <a:lumMod val="95000"/>
+                  </a:schemeClr>
+                </a:solidFill>
+              </a:endParaRPr>
+            </a:p>
+          </p:txBody>
+        </p:sp>
+        <p:sp>
+          <p:nvSpPr>
+            <p:cNvPr id="36" name="Rectangle : coins arrondis 35">
+              <a:extLst>
+                <a:ext uri="{FF2B5EF4-FFF2-40B4-BE49-F238E27FC236}">
+                  <a16:creationId xmlns:a16="http://schemas.microsoft.com/office/drawing/2014/main" id="{0857FA30-8CEE-4F99-96F8-F82B9A76FC2A}"/>
+                </a:ext>
+              </a:extLst>
+            </p:cNvPr>
+            <p:cNvSpPr/>
+            <p:nvPr/>
+          </p:nvSpPr>
+          <p:spPr>
+            <a:xfrm>
+              <a:off x="6108471" y="1880397"/>
+              <a:ext cx="2287099" cy="301777"/>
+            </a:xfrm>
+            <a:prstGeom prst="roundRect">
+              <a:avLst/>
+            </a:prstGeom>
+            <a:solidFill>
+              <a:schemeClr val="tx1">
+                <a:lumMod val="75000"/>
+                <a:lumOff val="25000"/>
+              </a:schemeClr>
+            </a:solidFill>
+            <a:ln>
+              <a:noFill/>
+            </a:ln>
+          </p:spPr>
+          <p:style>
+            <a:lnRef idx="1">
+              <a:schemeClr val="accent3"/>
+            </a:lnRef>
+            <a:fillRef idx="2">
+              <a:schemeClr val="accent3"/>
+            </a:fillRef>
+            <a:effectRef idx="1">
+              <a:schemeClr val="accent3"/>
+            </a:effectRef>
+            <a:fontRef idx="minor">
+              <a:schemeClr val="dk1"/>
+            </a:fontRef>
+          </p:style>
+          <p:txBody>
+            <a:bodyPr rtlCol="0" anchor="ctr"/>
+            <a:lstStyle/>
+            <a:p>
+              <a:endParaRPr lang="fr-FR" dirty="0">
+                <a:solidFill>
+                  <a:schemeClr val="bg1">
+                    <a:lumMod val="95000"/>
+                  </a:schemeClr>
+                </a:solidFill>
+              </a:endParaRPr>
+            </a:p>
+          </p:txBody>
+        </p:sp>
+        <p:sp>
+          <p:nvSpPr>
+            <p:cNvPr id="37" name="Rectangle : coins arrondis 36">
+              <a:extLst>
+                <a:ext uri="{FF2B5EF4-FFF2-40B4-BE49-F238E27FC236}">
+                  <a16:creationId xmlns:a16="http://schemas.microsoft.com/office/drawing/2014/main" id="{978447E2-B740-4373-8451-BEFDF78A19D3}"/>
+                </a:ext>
+              </a:extLst>
+            </p:cNvPr>
+            <p:cNvSpPr/>
+            <p:nvPr/>
+          </p:nvSpPr>
+          <p:spPr>
+            <a:xfrm>
+              <a:off x="6470746" y="2369277"/>
+              <a:ext cx="515128" cy="301777"/>
+            </a:xfrm>
+            <a:prstGeom prst="roundRect">
+              <a:avLst/>
+            </a:prstGeom>
+            <a:solidFill>
+              <a:schemeClr val="tx1">
+                <a:lumMod val="75000"/>
+                <a:lumOff val="25000"/>
+              </a:schemeClr>
+            </a:solidFill>
+            <a:ln>
+              <a:noFill/>
+            </a:ln>
+          </p:spPr>
+          <p:style>
+            <a:lnRef idx="1">
+              <a:schemeClr val="accent3"/>
+            </a:lnRef>
+            <a:fillRef idx="2">
+              <a:schemeClr val="accent3"/>
+            </a:fillRef>
+            <a:effectRef idx="1">
+              <a:schemeClr val="accent3"/>
+            </a:effectRef>
+            <a:fontRef idx="minor">
+              <a:schemeClr val="dk1"/>
+            </a:fontRef>
+          </p:style>
+          <p:txBody>
+            <a:bodyPr rtlCol="0" anchor="ctr"/>
+            <a:lstStyle/>
+            <a:p>
+              <a:pPr algn="ctr"/>
+              <a:endParaRPr lang="fr-FR" sz="1200" dirty="0">
+                <a:solidFill>
+                  <a:schemeClr val="bg1">
+                    <a:lumMod val="95000"/>
+                  </a:schemeClr>
+                </a:solidFill>
+              </a:endParaRPr>
+            </a:p>
+          </p:txBody>
+        </p:sp>
+        <p:sp>
+          <p:nvSpPr>
+            <p:cNvPr id="38" name="Rectangle : coins arrondis 37">
+              <a:extLst>
+                <a:ext uri="{FF2B5EF4-FFF2-40B4-BE49-F238E27FC236}">
+                  <a16:creationId xmlns:a16="http://schemas.microsoft.com/office/drawing/2014/main" id="{9713D81E-22E8-422A-9C42-04BDE317387B}"/>
+                </a:ext>
+              </a:extLst>
+            </p:cNvPr>
+            <p:cNvSpPr/>
+            <p:nvPr/>
+          </p:nvSpPr>
+          <p:spPr>
+            <a:xfrm>
+              <a:off x="7209099" y="2369277"/>
+              <a:ext cx="515128" cy="301777"/>
+            </a:xfrm>
+            <a:prstGeom prst="roundRect">
+              <a:avLst/>
+            </a:prstGeom>
+            <a:solidFill>
+              <a:schemeClr val="tx1">
+                <a:lumMod val="75000"/>
+                <a:lumOff val="25000"/>
+              </a:schemeClr>
+            </a:solidFill>
+            <a:ln>
+              <a:noFill/>
+            </a:ln>
+          </p:spPr>
+          <p:style>
+            <a:lnRef idx="1">
+              <a:schemeClr val="accent3"/>
+            </a:lnRef>
+            <a:fillRef idx="2">
+              <a:schemeClr val="accent3"/>
+            </a:fillRef>
+            <a:effectRef idx="1">
+              <a:schemeClr val="accent3"/>
+            </a:effectRef>
+            <a:fontRef idx="minor">
+              <a:schemeClr val="dk1"/>
+            </a:fontRef>
+          </p:style>
+          <p:txBody>
+            <a:bodyPr rtlCol="0" anchor="ctr"/>
+            <a:lstStyle/>
+            <a:p>
+              <a:pPr algn="ctr"/>
+              <a:endParaRPr lang="fr-FR" sz="1200" dirty="0">
+                <a:solidFill>
+                  <a:schemeClr val="bg1">
+                    <a:lumMod val="95000"/>
+                  </a:schemeClr>
+                </a:solidFill>
+              </a:endParaRPr>
+            </a:p>
+          </p:txBody>
+        </p:sp>
+        <p:sp>
+          <p:nvSpPr>
+            <p:cNvPr id="39" name="Rectangle : coins arrondis 38">
+              <a:extLst>
+                <a:ext uri="{FF2B5EF4-FFF2-40B4-BE49-F238E27FC236}">
+                  <a16:creationId xmlns:a16="http://schemas.microsoft.com/office/drawing/2014/main" id="{AE98A5DB-3FC6-4E9F-826D-52E217D17882}"/>
+                </a:ext>
+              </a:extLst>
+            </p:cNvPr>
+            <p:cNvSpPr/>
+            <p:nvPr/>
+          </p:nvSpPr>
+          <p:spPr>
+            <a:xfrm>
+              <a:off x="7926777" y="2369277"/>
+              <a:ext cx="515128" cy="301777"/>
+            </a:xfrm>
+            <a:prstGeom prst="roundRect">
+              <a:avLst/>
+            </a:prstGeom>
+            <a:solidFill>
+              <a:schemeClr val="tx1">
+                <a:lumMod val="75000"/>
+                <a:lumOff val="25000"/>
+              </a:schemeClr>
+            </a:solidFill>
+            <a:ln>
+              <a:noFill/>
+            </a:ln>
+          </p:spPr>
+          <p:style>
+            <a:lnRef idx="1">
+              <a:schemeClr val="accent3"/>
+            </a:lnRef>
+            <a:fillRef idx="2">
+              <a:schemeClr val="accent3"/>
+            </a:fillRef>
+            <a:effectRef idx="1">
+              <a:schemeClr val="accent3"/>
+            </a:effectRef>
+            <a:fontRef idx="minor">
+              <a:schemeClr val="dk1"/>
+            </a:fontRef>
+          </p:style>
+          <p:txBody>
+            <a:bodyPr rtlCol="0" anchor="ctr"/>
+            <a:lstStyle/>
+            <a:p>
+              <a:pPr algn="ctr"/>
+              <a:endParaRPr lang="fr-FR"/>
+            </a:p>
+          </p:txBody>
+        </p:sp>
+      </p:grpSp>
+      <p:cxnSp>
+        <p:nvCxnSpPr>
+          <p:cNvPr id="40" name="Connecteur droit 39">
+            <a:extLst>
+              <a:ext uri="{FF2B5EF4-FFF2-40B4-BE49-F238E27FC236}">
+                <a16:creationId xmlns:a16="http://schemas.microsoft.com/office/drawing/2014/main" id="{D23C51FF-3DB3-4EE3-9721-B4E10CFB6CAE}"/>
+              </a:ext>
+            </a:extLst>
+          </p:cNvPr>
+          <p:cNvCxnSpPr/>
+          <p:nvPr/>
+        </p:nvCxnSpPr>
+        <p:spPr>
+          <a:xfrm flipV="1">
+            <a:off x="5614595" y="4843470"/>
+            <a:ext cx="1062430" cy="14149"/>
+          </a:xfrm>
+          <a:prstGeom prst="line">
+            <a:avLst/>
+          </a:prstGeom>
+        </p:spPr>
+        <p:style>
+          <a:lnRef idx="1">
+            <a:schemeClr val="accent2"/>
+          </a:lnRef>
+          <a:fillRef idx="0">
+            <a:schemeClr val="accent2"/>
+          </a:fillRef>
+          <a:effectRef idx="0">
+            <a:schemeClr val="accent2"/>
+          </a:effectRef>
+          <a:fontRef idx="minor">
+            <a:schemeClr val="tx1"/>
+          </a:fontRef>
+        </p:style>
+      </p:cxnSp>
     </p:spTree>
     <p:extLst>
       <p:ext uri="{BB962C8B-B14F-4D97-AF65-F5344CB8AC3E}">
         <p14:creationId xmlns:p14="http://schemas.microsoft.com/office/powerpoint/2010/main" val="2239331030"/>
+      </p:ext>
+    </p:extLst>
+  </p:cSld>
+  <p:clrMapOvr>
+    <a:masterClrMapping/>
+  </p:clrMapOvr>
+</p:sld>
+</file>
+
+<file path=ppt/slides/slide4.xml><?xml version="1.0" encoding="utf-8"?>
+<p:sld xmlns:a="http://schemas.openxmlformats.org/drawingml/2006/main" xmlns:r="http://schemas.openxmlformats.org/officeDocument/2006/relationships" xmlns:p="http://schemas.openxmlformats.org/presentationml/2006/main">
+  <p:cSld>
+    <p:spTree>
+      <p:nvGrpSpPr>
+        <p:cNvPr id="1" name=""/>
+        <p:cNvGrpSpPr/>
+        <p:nvPr/>
+      </p:nvGrpSpPr>
+      <p:grpSpPr>
+        <a:xfrm>
+          <a:off x="0" y="0"/>
+          <a:ext cx="0" cy="0"/>
+          <a:chOff x="0" y="0"/>
+          <a:chExt cx="0" cy="0"/>
+        </a:xfrm>
+      </p:grpSpPr>
+      <p:grpSp>
+        <p:nvGrpSpPr>
+          <p:cNvPr id="11" name="Groupe 10">
+            <a:extLst>
+              <a:ext uri="{FF2B5EF4-FFF2-40B4-BE49-F238E27FC236}">
+                <a16:creationId xmlns:a16="http://schemas.microsoft.com/office/drawing/2014/main" id="{DFA51277-6430-48BF-BFAB-4D1AFE87CEE3}"/>
+              </a:ext>
+            </a:extLst>
+          </p:cNvPr>
+          <p:cNvGrpSpPr/>
+          <p:nvPr/>
+        </p:nvGrpSpPr>
+        <p:grpSpPr>
+          <a:xfrm rot="5400000">
+            <a:off x="-129540" y="3253740"/>
+            <a:ext cx="5643880" cy="350520"/>
+            <a:chOff x="2654300" y="3078480"/>
+            <a:chExt cx="5643880" cy="350520"/>
+          </a:xfrm>
+        </p:grpSpPr>
+        <p:sp>
+          <p:nvSpPr>
+            <p:cNvPr id="4" name="Rectangle 3">
+              <a:extLst>
+                <a:ext uri="{FF2B5EF4-FFF2-40B4-BE49-F238E27FC236}">
+                  <a16:creationId xmlns:a16="http://schemas.microsoft.com/office/drawing/2014/main" id="{6DE9F8B3-ED83-488A-8D49-23CB489F0489}"/>
+                </a:ext>
+              </a:extLst>
+            </p:cNvPr>
+            <p:cNvSpPr/>
+            <p:nvPr/>
+          </p:nvSpPr>
+          <p:spPr>
+            <a:xfrm>
+              <a:off x="2654300" y="3078480"/>
+              <a:ext cx="1460500" cy="350520"/>
+            </a:xfrm>
+            <a:prstGeom prst="rect">
+              <a:avLst/>
+            </a:prstGeom>
+          </p:spPr>
+          <p:style>
+            <a:lnRef idx="2">
+              <a:schemeClr val="accent1">
+                <a:shade val="50000"/>
+              </a:schemeClr>
+            </a:lnRef>
+            <a:fillRef idx="1">
+              <a:schemeClr val="accent1"/>
+            </a:fillRef>
+            <a:effectRef idx="0">
+              <a:schemeClr val="accent1"/>
+            </a:effectRef>
+            <a:fontRef idx="minor">
+              <a:schemeClr val="lt1"/>
+            </a:fontRef>
+          </p:style>
+          <p:txBody>
+            <a:bodyPr rtlCol="0" anchor="ctr"/>
+            <a:lstStyle/>
+            <a:p>
+              <a:pPr algn="ctr"/>
+              <a:endParaRPr lang="fr-FR"/>
+            </a:p>
+          </p:txBody>
+        </p:sp>
+        <p:sp>
+          <p:nvSpPr>
+            <p:cNvPr id="5" name="Rectangle 4">
+              <a:extLst>
+                <a:ext uri="{FF2B5EF4-FFF2-40B4-BE49-F238E27FC236}">
+                  <a16:creationId xmlns:a16="http://schemas.microsoft.com/office/drawing/2014/main" id="{AF9AD61B-C0BB-4A8F-9A62-27FDC20DD274}"/>
+                </a:ext>
+              </a:extLst>
+            </p:cNvPr>
+            <p:cNvSpPr/>
+            <p:nvPr/>
+          </p:nvSpPr>
+          <p:spPr>
+            <a:xfrm>
+              <a:off x="6837680" y="3078480"/>
+              <a:ext cx="1460500" cy="350520"/>
+            </a:xfrm>
+            <a:prstGeom prst="rect">
+              <a:avLst/>
+            </a:prstGeom>
+          </p:spPr>
+          <p:style>
+            <a:lnRef idx="2">
+              <a:schemeClr val="accent1">
+                <a:shade val="50000"/>
+              </a:schemeClr>
+            </a:lnRef>
+            <a:fillRef idx="1">
+              <a:schemeClr val="accent1"/>
+            </a:fillRef>
+            <a:effectRef idx="0">
+              <a:schemeClr val="accent1"/>
+            </a:effectRef>
+            <a:fontRef idx="minor">
+              <a:schemeClr val="lt1"/>
+            </a:fontRef>
+          </p:style>
+          <p:txBody>
+            <a:bodyPr rtlCol="0" anchor="ctr"/>
+            <a:lstStyle/>
+            <a:p>
+              <a:pPr algn="ctr"/>
+              <a:endParaRPr lang="fr-FR"/>
+            </a:p>
+          </p:txBody>
+        </p:sp>
+        <p:cxnSp>
+          <p:nvCxnSpPr>
+            <p:cNvPr id="7" name="Connecteur droit 6">
+              <a:extLst>
+                <a:ext uri="{FF2B5EF4-FFF2-40B4-BE49-F238E27FC236}">
+                  <a16:creationId xmlns:a16="http://schemas.microsoft.com/office/drawing/2014/main" id="{652EA2F6-D6DE-42E2-A4F1-C34A036074D4}"/>
+                </a:ext>
+              </a:extLst>
+            </p:cNvPr>
+            <p:cNvCxnSpPr>
+              <a:cxnSpLocks/>
+            </p:cNvCxnSpPr>
+            <p:nvPr/>
+          </p:nvCxnSpPr>
+          <p:spPr>
+            <a:xfrm>
+              <a:off x="4114800" y="3078480"/>
+              <a:ext cx="2733040" cy="0"/>
+            </a:xfrm>
+            <a:prstGeom prst="line">
+              <a:avLst/>
+            </a:prstGeom>
+            <a:ln w="28575"/>
+          </p:spPr>
+          <p:style>
+            <a:lnRef idx="1">
+              <a:schemeClr val="accent2"/>
+            </a:lnRef>
+            <a:fillRef idx="0">
+              <a:schemeClr val="accent2"/>
+            </a:fillRef>
+            <a:effectRef idx="0">
+              <a:schemeClr val="accent2"/>
+            </a:effectRef>
+            <a:fontRef idx="minor">
+              <a:schemeClr val="tx1"/>
+            </a:fontRef>
+          </p:style>
+        </p:cxnSp>
+        <p:cxnSp>
+          <p:nvCxnSpPr>
+            <p:cNvPr id="8" name="Connecteur droit 7">
+              <a:extLst>
+                <a:ext uri="{FF2B5EF4-FFF2-40B4-BE49-F238E27FC236}">
+                  <a16:creationId xmlns:a16="http://schemas.microsoft.com/office/drawing/2014/main" id="{340629AD-26C7-439D-BF24-388A6E9B9F27}"/>
+                </a:ext>
+              </a:extLst>
+            </p:cNvPr>
+            <p:cNvCxnSpPr>
+              <a:cxnSpLocks/>
+            </p:cNvCxnSpPr>
+            <p:nvPr/>
+          </p:nvCxnSpPr>
+          <p:spPr>
+            <a:xfrm>
+              <a:off x="4114800" y="3429000"/>
+              <a:ext cx="2733040" cy="0"/>
+            </a:xfrm>
+            <a:prstGeom prst="line">
+              <a:avLst/>
+            </a:prstGeom>
+            <a:ln w="28575"/>
+          </p:spPr>
+          <p:style>
+            <a:lnRef idx="1">
+              <a:schemeClr val="accent2"/>
+            </a:lnRef>
+            <a:fillRef idx="0">
+              <a:schemeClr val="accent2"/>
+            </a:fillRef>
+            <a:effectRef idx="0">
+              <a:schemeClr val="accent2"/>
+            </a:effectRef>
+            <a:fontRef idx="minor">
+              <a:schemeClr val="tx1"/>
+            </a:fontRef>
+          </p:style>
+        </p:cxnSp>
+      </p:grpSp>
+    </p:spTree>
+    <p:extLst>
+      <p:ext uri="{BB962C8B-B14F-4D97-AF65-F5344CB8AC3E}">
+        <p14:creationId xmlns:p14="http://schemas.microsoft.com/office/powerpoint/2010/main" val="2296476391"/>
       </p:ext>
     </p:extLst>
   </p:cSld>

--- a/Image/MontageBuild.pptx
+++ b/Image/MontageBuild.pptx
@@ -7,8 +7,10 @@
   <p:sldIdLst>
     <p:sldId id="256" r:id="rId2"/>
     <p:sldId id="257" r:id="rId3"/>
-    <p:sldId id="258" r:id="rId4"/>
-    <p:sldId id="259" r:id="rId5"/>
+    <p:sldId id="261" r:id="rId4"/>
+    <p:sldId id="258" r:id="rId5"/>
+    <p:sldId id="259" r:id="rId6"/>
+    <p:sldId id="260" r:id="rId7"/>
   </p:sldIdLst>
   <p:sldSz cx="12192000" cy="6858000"/>
   <p:notesSz cx="6858000" cy="9144000"/>
@@ -262,7 +264,7 @@
           <a:p>
             <a:fld id="{96AECAF4-16A4-4A2F-8581-37CDA4A00600}" type="datetimeFigureOut">
               <a:rPr lang="fr-FR" smtClean="0"/>
-              <a:t>03/06/2020</a:t>
+              <a:t>04/06/2020</a:t>
             </a:fld>
             <a:endParaRPr lang="fr-FR"/>
           </a:p>
@@ -460,7 +462,7 @@
           <a:p>
             <a:fld id="{96AECAF4-16A4-4A2F-8581-37CDA4A00600}" type="datetimeFigureOut">
               <a:rPr lang="fr-FR" smtClean="0"/>
-              <a:t>03/06/2020</a:t>
+              <a:t>04/06/2020</a:t>
             </a:fld>
             <a:endParaRPr lang="fr-FR"/>
           </a:p>
@@ -668,7 +670,7 @@
           <a:p>
             <a:fld id="{96AECAF4-16A4-4A2F-8581-37CDA4A00600}" type="datetimeFigureOut">
               <a:rPr lang="fr-FR" smtClean="0"/>
-              <a:t>03/06/2020</a:t>
+              <a:t>04/06/2020</a:t>
             </a:fld>
             <a:endParaRPr lang="fr-FR"/>
           </a:p>
@@ -866,7 +868,7 @@
           <a:p>
             <a:fld id="{96AECAF4-16A4-4A2F-8581-37CDA4A00600}" type="datetimeFigureOut">
               <a:rPr lang="fr-FR" smtClean="0"/>
-              <a:t>03/06/2020</a:t>
+              <a:t>04/06/2020</a:t>
             </a:fld>
             <a:endParaRPr lang="fr-FR"/>
           </a:p>
@@ -1141,7 +1143,7 @@
           <a:p>
             <a:fld id="{96AECAF4-16A4-4A2F-8581-37CDA4A00600}" type="datetimeFigureOut">
               <a:rPr lang="fr-FR" smtClean="0"/>
-              <a:t>03/06/2020</a:t>
+              <a:t>04/06/2020</a:t>
             </a:fld>
             <a:endParaRPr lang="fr-FR"/>
           </a:p>
@@ -1406,7 +1408,7 @@
           <a:p>
             <a:fld id="{96AECAF4-16A4-4A2F-8581-37CDA4A00600}" type="datetimeFigureOut">
               <a:rPr lang="fr-FR" smtClean="0"/>
-              <a:t>03/06/2020</a:t>
+              <a:t>04/06/2020</a:t>
             </a:fld>
             <a:endParaRPr lang="fr-FR"/>
           </a:p>
@@ -1818,7 +1820,7 @@
           <a:p>
             <a:fld id="{96AECAF4-16A4-4A2F-8581-37CDA4A00600}" type="datetimeFigureOut">
               <a:rPr lang="fr-FR" smtClean="0"/>
-              <a:t>03/06/2020</a:t>
+              <a:t>04/06/2020</a:t>
             </a:fld>
             <a:endParaRPr lang="fr-FR"/>
           </a:p>
@@ -1959,7 +1961,7 @@
           <a:p>
             <a:fld id="{96AECAF4-16A4-4A2F-8581-37CDA4A00600}" type="datetimeFigureOut">
               <a:rPr lang="fr-FR" smtClean="0"/>
-              <a:t>03/06/2020</a:t>
+              <a:t>04/06/2020</a:t>
             </a:fld>
             <a:endParaRPr lang="fr-FR"/>
           </a:p>
@@ -2072,7 +2074,7 @@
           <a:p>
             <a:fld id="{96AECAF4-16A4-4A2F-8581-37CDA4A00600}" type="datetimeFigureOut">
               <a:rPr lang="fr-FR" smtClean="0"/>
-              <a:t>03/06/2020</a:t>
+              <a:t>04/06/2020</a:t>
             </a:fld>
             <a:endParaRPr lang="fr-FR"/>
           </a:p>
@@ -2383,7 +2385,7 @@
           <a:p>
             <a:fld id="{96AECAF4-16A4-4A2F-8581-37CDA4A00600}" type="datetimeFigureOut">
               <a:rPr lang="fr-FR" smtClean="0"/>
-              <a:t>03/06/2020</a:t>
+              <a:t>04/06/2020</a:t>
             </a:fld>
             <a:endParaRPr lang="fr-FR"/>
           </a:p>
@@ -2671,7 +2673,7 @@
           <a:p>
             <a:fld id="{96AECAF4-16A4-4A2F-8581-37CDA4A00600}" type="datetimeFigureOut">
               <a:rPr lang="fr-FR" smtClean="0"/>
-              <a:t>03/06/2020</a:t>
+              <a:t>04/06/2020</a:t>
             </a:fld>
             <a:endParaRPr lang="fr-FR"/>
           </a:p>
@@ -2912,7 +2914,7 @@
           <a:p>
             <a:fld id="{96AECAF4-16A4-4A2F-8581-37CDA4A00600}" type="datetimeFigureOut">
               <a:rPr lang="fr-FR" smtClean="0"/>
-              <a:t>03/06/2020</a:t>
+              <a:t>04/06/2020</a:t>
             </a:fld>
             <a:endParaRPr lang="fr-FR"/>
           </a:p>
@@ -13659,6 +13661,2332 @@
 </file>
 
 <file path=ppt/slides/slide3.xml><?xml version="1.0" encoding="utf-8"?>
+<p:sld xmlns:a="http://schemas.openxmlformats.org/drawingml/2006/main" xmlns:r="http://schemas.openxmlformats.org/officeDocument/2006/relationships" xmlns:p="http://schemas.openxmlformats.org/presentationml/2006/main">
+  <p:cSld>
+    <p:spTree>
+      <p:nvGrpSpPr>
+        <p:cNvPr id="1" name=""/>
+        <p:cNvGrpSpPr/>
+        <p:nvPr/>
+      </p:nvGrpSpPr>
+      <p:grpSpPr>
+        <a:xfrm>
+          <a:off x="0" y="0"/>
+          <a:ext cx="0" cy="0"/>
+          <a:chOff x="0" y="0"/>
+          <a:chExt cx="0" cy="0"/>
+        </a:xfrm>
+      </p:grpSpPr>
+      <p:grpSp>
+        <p:nvGrpSpPr>
+          <p:cNvPr id="4" name="Groupe 3">
+            <a:extLst>
+              <a:ext uri="{FF2B5EF4-FFF2-40B4-BE49-F238E27FC236}">
+                <a16:creationId xmlns:a16="http://schemas.microsoft.com/office/drawing/2014/main" id="{F3B0FF60-23FB-44F2-A822-3EBE8C94A078}"/>
+              </a:ext>
+            </a:extLst>
+          </p:cNvPr>
+          <p:cNvGrpSpPr/>
+          <p:nvPr/>
+        </p:nvGrpSpPr>
+        <p:grpSpPr>
+          <a:xfrm>
+            <a:off x="0" y="0"/>
+            <a:ext cx="3600000" cy="3600000"/>
+            <a:chOff x="1996751" y="1091682"/>
+            <a:chExt cx="3600000" cy="3600000"/>
+          </a:xfrm>
+        </p:grpSpPr>
+        <p:grpSp>
+          <p:nvGrpSpPr>
+            <p:cNvPr id="5" name="Groupe 4">
+              <a:extLst>
+                <a:ext uri="{FF2B5EF4-FFF2-40B4-BE49-F238E27FC236}">
+                  <a16:creationId xmlns:a16="http://schemas.microsoft.com/office/drawing/2014/main" id="{50A57D83-59DB-4DF0-A366-44F07CF29DEB}"/>
+                </a:ext>
+              </a:extLst>
+            </p:cNvPr>
+            <p:cNvGrpSpPr/>
+            <p:nvPr/>
+          </p:nvGrpSpPr>
+          <p:grpSpPr>
+            <a:xfrm>
+              <a:off x="1996751" y="1091682"/>
+              <a:ext cx="3600000" cy="3600000"/>
+              <a:chOff x="1996751" y="1091682"/>
+              <a:chExt cx="3600000" cy="3600000"/>
+            </a:xfrm>
+          </p:grpSpPr>
+          <p:sp>
+            <p:nvSpPr>
+              <p:cNvPr id="10" name="Rectangle : coins arrondis 9">
+                <a:extLst>
+                  <a:ext uri="{FF2B5EF4-FFF2-40B4-BE49-F238E27FC236}">
+                    <a16:creationId xmlns:a16="http://schemas.microsoft.com/office/drawing/2014/main" id="{13FBD4B5-5E84-4562-B79F-1F86CDEECD27}"/>
+                  </a:ext>
+                </a:extLst>
+              </p:cNvPr>
+              <p:cNvSpPr/>
+              <p:nvPr/>
+            </p:nvSpPr>
+            <p:spPr>
+              <a:xfrm>
+                <a:off x="1996751" y="1091682"/>
+                <a:ext cx="3600000" cy="3600000"/>
+              </a:xfrm>
+              <a:prstGeom prst="roundRect">
+                <a:avLst/>
+              </a:prstGeom>
+            </p:spPr>
+            <p:style>
+              <a:lnRef idx="3">
+                <a:schemeClr val="lt1"/>
+              </a:lnRef>
+              <a:fillRef idx="1">
+                <a:schemeClr val="accent3"/>
+              </a:fillRef>
+              <a:effectRef idx="1">
+                <a:schemeClr val="accent3"/>
+              </a:effectRef>
+              <a:fontRef idx="minor">
+                <a:schemeClr val="lt1"/>
+              </a:fontRef>
+            </p:style>
+            <p:txBody>
+              <a:bodyPr rtlCol="0" anchor="ctr"/>
+              <a:lstStyle/>
+              <a:p>
+                <a:pPr algn="ctr"/>
+                <a:endParaRPr lang="fr-FR"/>
+              </a:p>
+            </p:txBody>
+          </p:sp>
+          <p:sp>
+            <p:nvSpPr>
+              <p:cNvPr id="11" name="Rectangle : coins arrondis 10">
+                <a:extLst>
+                  <a:ext uri="{FF2B5EF4-FFF2-40B4-BE49-F238E27FC236}">
+                    <a16:creationId xmlns:a16="http://schemas.microsoft.com/office/drawing/2014/main" id="{EDEAEEAF-E319-4B10-9CBA-ECF33FADF06A}"/>
+                  </a:ext>
+                </a:extLst>
+              </p:cNvPr>
+              <p:cNvSpPr/>
+              <p:nvPr/>
+            </p:nvSpPr>
+            <p:spPr>
+              <a:xfrm>
+                <a:off x="2086751" y="1181682"/>
+                <a:ext cx="3420000" cy="3420000"/>
+              </a:xfrm>
+              <a:prstGeom prst="roundRect">
+                <a:avLst/>
+              </a:prstGeom>
+              <a:solidFill>
+                <a:schemeClr val="tx1"/>
+              </a:solidFill>
+              <a:ln>
+                <a:noFill/>
+              </a:ln>
+            </p:spPr>
+            <p:style>
+              <a:lnRef idx="3">
+                <a:schemeClr val="lt1"/>
+              </a:lnRef>
+              <a:fillRef idx="1">
+                <a:schemeClr val="accent3"/>
+              </a:fillRef>
+              <a:effectRef idx="1">
+                <a:schemeClr val="accent3"/>
+              </a:effectRef>
+              <a:fontRef idx="minor">
+                <a:schemeClr val="lt1"/>
+              </a:fontRef>
+            </p:style>
+            <p:txBody>
+              <a:bodyPr rtlCol="0" anchor="ctr"/>
+              <a:lstStyle/>
+              <a:p>
+                <a:pPr algn="ctr"/>
+                <a:endParaRPr lang="fr-FR"/>
+              </a:p>
+            </p:txBody>
+          </p:sp>
+        </p:grpSp>
+        <p:sp>
+          <p:nvSpPr>
+            <p:cNvPr id="6" name="Rectangle : coins arrondis 5">
+              <a:extLst>
+                <a:ext uri="{FF2B5EF4-FFF2-40B4-BE49-F238E27FC236}">
+                  <a16:creationId xmlns:a16="http://schemas.microsoft.com/office/drawing/2014/main" id="{C6BAE6FF-D903-415D-87F2-96ECD67C0261}"/>
+                </a:ext>
+              </a:extLst>
+            </p:cNvPr>
+            <p:cNvSpPr/>
+            <p:nvPr/>
+          </p:nvSpPr>
+          <p:spPr>
+            <a:xfrm>
+              <a:off x="4260012" y="4086808"/>
+              <a:ext cx="522318" cy="298580"/>
+            </a:xfrm>
+            <a:prstGeom prst="roundRect">
+              <a:avLst/>
+            </a:prstGeom>
+            <a:ln/>
+          </p:spPr>
+          <p:style>
+            <a:lnRef idx="1">
+              <a:schemeClr val="accent3"/>
+            </a:lnRef>
+            <a:fillRef idx="2">
+              <a:schemeClr val="accent3"/>
+            </a:fillRef>
+            <a:effectRef idx="1">
+              <a:schemeClr val="accent3"/>
+            </a:effectRef>
+            <a:fontRef idx="minor">
+              <a:schemeClr val="dk1"/>
+            </a:fontRef>
+          </p:style>
+          <p:txBody>
+            <a:bodyPr rtlCol="0" anchor="ctr"/>
+            <a:lstStyle/>
+            <a:p>
+              <a:pPr algn="ctr"/>
+              <a:endParaRPr lang="fr-FR"/>
+            </a:p>
+          </p:txBody>
+        </p:sp>
+        <p:sp>
+          <p:nvSpPr>
+            <p:cNvPr id="7" name="Rectangle : coins arrondis 6">
+              <a:extLst>
+                <a:ext uri="{FF2B5EF4-FFF2-40B4-BE49-F238E27FC236}">
+                  <a16:creationId xmlns:a16="http://schemas.microsoft.com/office/drawing/2014/main" id="{271A30E8-3405-4C77-8D60-45BA6992FBF5}"/>
+                </a:ext>
+              </a:extLst>
+            </p:cNvPr>
+            <p:cNvSpPr/>
+            <p:nvPr/>
+          </p:nvSpPr>
+          <p:spPr>
+            <a:xfrm>
+              <a:off x="3535592" y="4086808"/>
+              <a:ext cx="522318" cy="298580"/>
+            </a:xfrm>
+            <a:prstGeom prst="roundRect">
+              <a:avLst/>
+            </a:prstGeom>
+            <a:ln/>
+          </p:spPr>
+          <p:style>
+            <a:lnRef idx="1">
+              <a:schemeClr val="accent3"/>
+            </a:lnRef>
+            <a:fillRef idx="2">
+              <a:schemeClr val="accent3"/>
+            </a:fillRef>
+            <a:effectRef idx="1">
+              <a:schemeClr val="accent3"/>
+            </a:effectRef>
+            <a:fontRef idx="minor">
+              <a:schemeClr val="dk1"/>
+            </a:fontRef>
+          </p:style>
+          <p:txBody>
+            <a:bodyPr rtlCol="0" anchor="ctr"/>
+            <a:lstStyle/>
+            <a:p>
+              <a:pPr algn="ctr"/>
+              <a:endParaRPr lang="fr-FR"/>
+            </a:p>
+          </p:txBody>
+        </p:sp>
+        <p:sp>
+          <p:nvSpPr>
+            <p:cNvPr id="8" name="Rectangle : coins arrondis 7">
+              <a:extLst>
+                <a:ext uri="{FF2B5EF4-FFF2-40B4-BE49-F238E27FC236}">
+                  <a16:creationId xmlns:a16="http://schemas.microsoft.com/office/drawing/2014/main" id="{C083451A-F30C-4926-B9C2-6E1AB603FD0A}"/>
+                </a:ext>
+              </a:extLst>
+            </p:cNvPr>
+            <p:cNvSpPr/>
+            <p:nvPr/>
+          </p:nvSpPr>
+          <p:spPr>
+            <a:xfrm>
+              <a:off x="2811171" y="4086808"/>
+              <a:ext cx="522318" cy="298580"/>
+            </a:xfrm>
+            <a:prstGeom prst="roundRect">
+              <a:avLst/>
+            </a:prstGeom>
+            <a:ln/>
+          </p:spPr>
+          <p:style>
+            <a:lnRef idx="1">
+              <a:schemeClr val="accent3"/>
+            </a:lnRef>
+            <a:fillRef idx="2">
+              <a:schemeClr val="accent3"/>
+            </a:fillRef>
+            <a:effectRef idx="1">
+              <a:schemeClr val="accent3"/>
+            </a:effectRef>
+            <a:fontRef idx="minor">
+              <a:schemeClr val="dk1"/>
+            </a:fontRef>
+          </p:style>
+          <p:txBody>
+            <a:bodyPr rtlCol="0" anchor="ctr"/>
+            <a:lstStyle/>
+            <a:p>
+              <a:pPr algn="ctr"/>
+              <a:endParaRPr lang="fr-FR"/>
+            </a:p>
+          </p:txBody>
+        </p:sp>
+        <p:sp>
+          <p:nvSpPr>
+            <p:cNvPr id="9" name="Rectangle 8">
+              <a:extLst>
+                <a:ext uri="{FF2B5EF4-FFF2-40B4-BE49-F238E27FC236}">
+                  <a16:creationId xmlns:a16="http://schemas.microsoft.com/office/drawing/2014/main" id="{14DDB3A5-A3F7-4799-8A63-C5E8725F35DB}"/>
+                </a:ext>
+              </a:extLst>
+            </p:cNvPr>
+            <p:cNvSpPr/>
+            <p:nvPr/>
+          </p:nvSpPr>
+          <p:spPr>
+            <a:xfrm>
+              <a:off x="2286000" y="1772817"/>
+              <a:ext cx="3013788" cy="2097697"/>
+            </a:xfrm>
+            <a:prstGeom prst="rect">
+              <a:avLst/>
+            </a:prstGeom>
+            <a:solidFill>
+              <a:schemeClr val="tx1">
+                <a:lumMod val="85000"/>
+                <a:lumOff val="15000"/>
+              </a:schemeClr>
+            </a:solidFill>
+            <a:ln>
+              <a:noFill/>
+            </a:ln>
+          </p:spPr>
+          <p:style>
+            <a:lnRef idx="2">
+              <a:schemeClr val="accent1">
+                <a:shade val="50000"/>
+              </a:schemeClr>
+            </a:lnRef>
+            <a:fillRef idx="1">
+              <a:schemeClr val="accent1"/>
+            </a:fillRef>
+            <a:effectRef idx="0">
+              <a:schemeClr val="accent1"/>
+            </a:effectRef>
+            <a:fontRef idx="minor">
+              <a:schemeClr val="lt1"/>
+            </a:fontRef>
+          </p:style>
+          <p:txBody>
+            <a:bodyPr rtlCol="0" anchor="ctr"/>
+            <a:lstStyle/>
+            <a:p>
+              <a:pPr algn="ctr"/>
+              <a:endParaRPr lang="fr-FR"/>
+            </a:p>
+          </p:txBody>
+        </p:sp>
+      </p:grpSp>
+      <p:sp>
+        <p:nvSpPr>
+          <p:cNvPr id="12" name="Rectangle 11">
+            <a:extLst>
+              <a:ext uri="{FF2B5EF4-FFF2-40B4-BE49-F238E27FC236}">
+                <a16:creationId xmlns:a16="http://schemas.microsoft.com/office/drawing/2014/main" id="{9DC72E85-7AD6-4FC7-869F-C550D8641412}"/>
+              </a:ext>
+            </a:extLst>
+          </p:cNvPr>
+          <p:cNvSpPr/>
+          <p:nvPr/>
+        </p:nvSpPr>
+        <p:spPr>
+          <a:xfrm>
+            <a:off x="289249" y="681135"/>
+            <a:ext cx="3013788" cy="340529"/>
+          </a:xfrm>
+          <a:prstGeom prst="rect">
+            <a:avLst/>
+          </a:prstGeom>
+          <a:solidFill>
+            <a:schemeClr val="tx1">
+              <a:lumMod val="85000"/>
+              <a:lumOff val="15000"/>
+            </a:schemeClr>
+          </a:solidFill>
+          <a:ln>
+            <a:noFill/>
+          </a:ln>
+        </p:spPr>
+        <p:style>
+          <a:lnRef idx="2">
+            <a:schemeClr val="accent1">
+              <a:shade val="50000"/>
+            </a:schemeClr>
+          </a:lnRef>
+          <a:fillRef idx="1">
+            <a:schemeClr val="accent1"/>
+          </a:fillRef>
+          <a:effectRef idx="0">
+            <a:schemeClr val="accent1"/>
+          </a:effectRef>
+          <a:fontRef idx="minor">
+            <a:schemeClr val="lt1"/>
+          </a:fontRef>
+        </p:style>
+        <p:txBody>
+          <a:bodyPr rtlCol="0" anchor="ctr"/>
+          <a:lstStyle/>
+          <a:p>
+            <a:pPr algn="ctr"/>
+            <a:r>
+              <a:rPr lang="fr-FR" dirty="0"/>
+              <a:t>COMPTEUR :</a:t>
+            </a:r>
+          </a:p>
+        </p:txBody>
+      </p:sp>
+      <p:sp>
+        <p:nvSpPr>
+          <p:cNvPr id="13" name="Rectangle : coins arrondis 12">
+            <a:extLst>
+              <a:ext uri="{FF2B5EF4-FFF2-40B4-BE49-F238E27FC236}">
+                <a16:creationId xmlns:a16="http://schemas.microsoft.com/office/drawing/2014/main" id="{F08C578C-2F5B-46AE-98B5-E1870E2C30B6}"/>
+              </a:ext>
+            </a:extLst>
+          </p:cNvPr>
+          <p:cNvSpPr/>
+          <p:nvPr/>
+        </p:nvSpPr>
+        <p:spPr>
+          <a:xfrm>
+            <a:off x="767764" y="2429025"/>
+            <a:ext cx="611011" cy="301777"/>
+          </a:xfrm>
+          <a:prstGeom prst="roundRect">
+            <a:avLst/>
+          </a:prstGeom>
+          <a:solidFill>
+            <a:schemeClr val="tx1">
+              <a:lumMod val="75000"/>
+              <a:lumOff val="25000"/>
+            </a:schemeClr>
+          </a:solidFill>
+          <a:ln>
+            <a:noFill/>
+          </a:ln>
+        </p:spPr>
+        <p:style>
+          <a:lnRef idx="1">
+            <a:schemeClr val="accent3"/>
+          </a:lnRef>
+          <a:fillRef idx="2">
+            <a:schemeClr val="accent3"/>
+          </a:fillRef>
+          <a:effectRef idx="1">
+            <a:schemeClr val="accent3"/>
+          </a:effectRef>
+          <a:fontRef idx="minor">
+            <a:schemeClr val="dk1"/>
+          </a:fontRef>
+        </p:style>
+        <p:txBody>
+          <a:bodyPr rtlCol="0" anchor="ctr"/>
+          <a:lstStyle/>
+          <a:p>
+            <a:pPr algn="ctr"/>
+            <a:r>
+              <a:rPr lang="fr-FR" sz="1200" dirty="0">
+                <a:solidFill>
+                  <a:schemeClr val="bg1">
+                    <a:lumMod val="95000"/>
+                  </a:schemeClr>
+                </a:solidFill>
+              </a:rPr>
+              <a:t>Reset</a:t>
+            </a:r>
+          </a:p>
+        </p:txBody>
+      </p:sp>
+      <p:sp>
+        <p:nvSpPr>
+          <p:cNvPr id="14" name="Rectangle : coins arrondis 13">
+            <a:extLst>
+              <a:ext uri="{FF2B5EF4-FFF2-40B4-BE49-F238E27FC236}">
+                <a16:creationId xmlns:a16="http://schemas.microsoft.com/office/drawing/2014/main" id="{B4E0460B-0A28-4C41-8F17-CA3F53A768FA}"/>
+              </a:ext>
+            </a:extLst>
+          </p:cNvPr>
+          <p:cNvSpPr/>
+          <p:nvPr/>
+        </p:nvSpPr>
+        <p:spPr>
+          <a:xfrm>
+            <a:off x="1552773" y="2429025"/>
+            <a:ext cx="515128" cy="301777"/>
+          </a:xfrm>
+          <a:prstGeom prst="roundRect">
+            <a:avLst/>
+          </a:prstGeom>
+          <a:solidFill>
+            <a:schemeClr val="tx1">
+              <a:lumMod val="75000"/>
+              <a:lumOff val="25000"/>
+            </a:schemeClr>
+          </a:solidFill>
+          <a:ln>
+            <a:noFill/>
+          </a:ln>
+        </p:spPr>
+        <p:style>
+          <a:lnRef idx="1">
+            <a:schemeClr val="accent3"/>
+          </a:lnRef>
+          <a:fillRef idx="2">
+            <a:schemeClr val="accent3"/>
+          </a:fillRef>
+          <a:effectRef idx="1">
+            <a:schemeClr val="accent3"/>
+          </a:effectRef>
+          <a:fontRef idx="minor">
+            <a:schemeClr val="dk1"/>
+          </a:fontRef>
+        </p:style>
+        <p:txBody>
+          <a:bodyPr rtlCol="0" anchor="ctr"/>
+          <a:lstStyle/>
+          <a:p>
+            <a:pPr algn="ctr"/>
+            <a:endParaRPr lang="fr-FR" sz="1200" dirty="0">
+              <a:solidFill>
+                <a:schemeClr val="bg1">
+                  <a:lumMod val="95000"/>
+                </a:schemeClr>
+              </a:solidFill>
+            </a:endParaRPr>
+          </a:p>
+        </p:txBody>
+      </p:sp>
+      <p:sp>
+        <p:nvSpPr>
+          <p:cNvPr id="15" name="Rectangle : coins arrondis 14">
+            <a:extLst>
+              <a:ext uri="{FF2B5EF4-FFF2-40B4-BE49-F238E27FC236}">
+                <a16:creationId xmlns:a16="http://schemas.microsoft.com/office/drawing/2014/main" id="{30C3CFE1-464C-4F62-A4CF-8865740C4E12}"/>
+              </a:ext>
+            </a:extLst>
+          </p:cNvPr>
+          <p:cNvSpPr/>
+          <p:nvPr/>
+        </p:nvSpPr>
+        <p:spPr>
+          <a:xfrm>
+            <a:off x="2270451" y="2429025"/>
+            <a:ext cx="515128" cy="301777"/>
+          </a:xfrm>
+          <a:prstGeom prst="roundRect">
+            <a:avLst/>
+          </a:prstGeom>
+          <a:solidFill>
+            <a:schemeClr val="tx1">
+              <a:lumMod val="75000"/>
+              <a:lumOff val="25000"/>
+            </a:schemeClr>
+          </a:solidFill>
+          <a:ln>
+            <a:noFill/>
+          </a:ln>
+        </p:spPr>
+        <p:style>
+          <a:lnRef idx="1">
+            <a:schemeClr val="accent3"/>
+          </a:lnRef>
+          <a:fillRef idx="2">
+            <a:schemeClr val="accent3"/>
+          </a:fillRef>
+          <a:effectRef idx="1">
+            <a:schemeClr val="accent3"/>
+          </a:effectRef>
+          <a:fontRef idx="minor">
+            <a:schemeClr val="dk1"/>
+          </a:fontRef>
+        </p:style>
+        <p:txBody>
+          <a:bodyPr rtlCol="0" anchor="ctr"/>
+          <a:lstStyle/>
+          <a:p>
+            <a:pPr algn="ctr"/>
+            <a:r>
+              <a:rPr lang="fr-FR" sz="1200" dirty="0" err="1">
+                <a:solidFill>
+                  <a:schemeClr val="bg1"/>
+                </a:solidFill>
+              </a:rPr>
+              <a:t>Ret</a:t>
+            </a:r>
+            <a:r>
+              <a:rPr lang="fr-FR" sz="1200" dirty="0">
+                <a:solidFill>
+                  <a:schemeClr val="bg1"/>
+                </a:solidFill>
+              </a:rPr>
+              <a:t>.</a:t>
+            </a:r>
+          </a:p>
+        </p:txBody>
+      </p:sp>
+      <p:sp>
+        <p:nvSpPr>
+          <p:cNvPr id="16" name="Rectangle : coins arrondis 15">
+            <a:extLst>
+              <a:ext uri="{FF2B5EF4-FFF2-40B4-BE49-F238E27FC236}">
+                <a16:creationId xmlns:a16="http://schemas.microsoft.com/office/drawing/2014/main" id="{842B82E1-6A27-4C3A-97B0-F1424B1B1C99}"/>
+              </a:ext>
+            </a:extLst>
+          </p:cNvPr>
+          <p:cNvSpPr/>
+          <p:nvPr/>
+        </p:nvSpPr>
+        <p:spPr>
+          <a:xfrm>
+            <a:off x="428979" y="1022450"/>
+            <a:ext cx="2287099" cy="301777"/>
+          </a:xfrm>
+          <a:prstGeom prst="roundRect">
+            <a:avLst/>
+          </a:prstGeom>
+          <a:solidFill>
+            <a:srgbClr val="262626"/>
+          </a:solidFill>
+          <a:ln>
+            <a:noFill/>
+          </a:ln>
+        </p:spPr>
+        <p:style>
+          <a:lnRef idx="1">
+            <a:schemeClr val="accent3"/>
+          </a:lnRef>
+          <a:fillRef idx="2">
+            <a:schemeClr val="accent3"/>
+          </a:fillRef>
+          <a:effectRef idx="1">
+            <a:schemeClr val="accent3"/>
+          </a:effectRef>
+          <a:fontRef idx="minor">
+            <a:schemeClr val="dk1"/>
+          </a:fontRef>
+        </p:style>
+        <p:txBody>
+          <a:bodyPr rtlCol="0" anchor="ctr"/>
+          <a:lstStyle/>
+          <a:p>
+            <a:r>
+              <a:rPr lang="fr-FR" sz="1200" dirty="0">
+                <a:solidFill>
+                  <a:schemeClr val="bg1">
+                    <a:lumMod val="95000"/>
+                  </a:schemeClr>
+                </a:solidFill>
+              </a:rPr>
+              <a:t>Personnes dans le magasin</a:t>
+            </a:r>
+          </a:p>
+        </p:txBody>
+      </p:sp>
+      <p:sp>
+        <p:nvSpPr>
+          <p:cNvPr id="17" name="Rectangle : coins arrondis 16">
+            <a:extLst>
+              <a:ext uri="{FF2B5EF4-FFF2-40B4-BE49-F238E27FC236}">
+                <a16:creationId xmlns:a16="http://schemas.microsoft.com/office/drawing/2014/main" id="{87BA1256-1DF3-4AAD-A9A3-8FD7DAA48EA5}"/>
+              </a:ext>
+            </a:extLst>
+          </p:cNvPr>
+          <p:cNvSpPr/>
+          <p:nvPr/>
+        </p:nvSpPr>
+        <p:spPr>
+          <a:xfrm>
+            <a:off x="510687" y="1359699"/>
+            <a:ext cx="354563" cy="428728"/>
+          </a:xfrm>
+          <a:prstGeom prst="roundRect">
+            <a:avLst/>
+          </a:prstGeom>
+          <a:solidFill>
+            <a:srgbClr val="262626"/>
+          </a:solidFill>
+          <a:ln>
+            <a:noFill/>
+          </a:ln>
+        </p:spPr>
+        <p:style>
+          <a:lnRef idx="1">
+            <a:schemeClr val="accent3"/>
+          </a:lnRef>
+          <a:fillRef idx="2">
+            <a:schemeClr val="accent3"/>
+          </a:fillRef>
+          <a:effectRef idx="1">
+            <a:schemeClr val="accent3"/>
+          </a:effectRef>
+          <a:fontRef idx="minor">
+            <a:schemeClr val="dk1"/>
+          </a:fontRef>
+        </p:style>
+        <p:txBody>
+          <a:bodyPr rtlCol="0" anchor="ctr"/>
+          <a:lstStyle/>
+          <a:p>
+            <a:r>
+              <a:rPr lang="fr-FR" sz="2400" dirty="0">
+                <a:solidFill>
+                  <a:schemeClr val="bg1">
+                    <a:lumMod val="95000"/>
+                  </a:schemeClr>
+                </a:solidFill>
+              </a:rPr>
+              <a:t>0</a:t>
+            </a:r>
+          </a:p>
+        </p:txBody>
+      </p:sp>
+      <p:sp>
+        <p:nvSpPr>
+          <p:cNvPr id="18" name="Rectangle : coins arrondis 17">
+            <a:extLst>
+              <a:ext uri="{FF2B5EF4-FFF2-40B4-BE49-F238E27FC236}">
+                <a16:creationId xmlns:a16="http://schemas.microsoft.com/office/drawing/2014/main" id="{B51AAD2A-9EDE-4271-9330-778427A45CBC}"/>
+              </a:ext>
+            </a:extLst>
+          </p:cNvPr>
+          <p:cNvSpPr/>
+          <p:nvPr/>
+        </p:nvSpPr>
+        <p:spPr>
+          <a:xfrm>
+            <a:off x="1450148" y="1343931"/>
+            <a:ext cx="611011" cy="428728"/>
+          </a:xfrm>
+          <a:prstGeom prst="roundRect">
+            <a:avLst/>
+          </a:prstGeom>
+          <a:solidFill>
+            <a:srgbClr val="262626"/>
+          </a:solidFill>
+          <a:ln>
+            <a:noFill/>
+          </a:ln>
+        </p:spPr>
+        <p:style>
+          <a:lnRef idx="1">
+            <a:schemeClr val="accent3"/>
+          </a:lnRef>
+          <a:fillRef idx="2">
+            <a:schemeClr val="accent3"/>
+          </a:fillRef>
+          <a:effectRef idx="1">
+            <a:schemeClr val="accent3"/>
+          </a:effectRef>
+          <a:fontRef idx="minor">
+            <a:schemeClr val="dk1"/>
+          </a:fontRef>
+        </p:style>
+        <p:txBody>
+          <a:bodyPr rtlCol="0" anchor="ctr"/>
+          <a:lstStyle/>
+          <a:p>
+            <a:r>
+              <a:rPr lang="fr-FR" sz="2400" dirty="0">
+                <a:solidFill>
+                  <a:schemeClr val="bg1">
+                    <a:lumMod val="95000"/>
+                  </a:schemeClr>
+                </a:solidFill>
+              </a:rPr>
+              <a:t>/3</a:t>
+            </a:r>
+          </a:p>
+        </p:txBody>
+      </p:sp>
+      <p:grpSp>
+        <p:nvGrpSpPr>
+          <p:cNvPr id="19" name="Groupe 18">
+            <a:extLst>
+              <a:ext uri="{FF2B5EF4-FFF2-40B4-BE49-F238E27FC236}">
+                <a16:creationId xmlns:a16="http://schemas.microsoft.com/office/drawing/2014/main" id="{BE7C7EC2-EA7F-4341-ADFF-DE388EC32978}"/>
+              </a:ext>
+            </a:extLst>
+          </p:cNvPr>
+          <p:cNvGrpSpPr/>
+          <p:nvPr/>
+        </p:nvGrpSpPr>
+        <p:grpSpPr>
+          <a:xfrm>
+            <a:off x="7598498" y="90000"/>
+            <a:ext cx="3600000" cy="3600000"/>
+            <a:chOff x="1996751" y="1091682"/>
+            <a:chExt cx="3600000" cy="3600000"/>
+          </a:xfrm>
+        </p:grpSpPr>
+        <p:grpSp>
+          <p:nvGrpSpPr>
+            <p:cNvPr id="20" name="Groupe 19">
+              <a:extLst>
+                <a:ext uri="{FF2B5EF4-FFF2-40B4-BE49-F238E27FC236}">
+                  <a16:creationId xmlns:a16="http://schemas.microsoft.com/office/drawing/2014/main" id="{D7A2D1C5-02FB-434C-AC14-E6A0E0087B4B}"/>
+                </a:ext>
+              </a:extLst>
+            </p:cNvPr>
+            <p:cNvGrpSpPr/>
+            <p:nvPr/>
+          </p:nvGrpSpPr>
+          <p:grpSpPr>
+            <a:xfrm>
+              <a:off x="1996751" y="1091682"/>
+              <a:ext cx="3600000" cy="3600000"/>
+              <a:chOff x="1996751" y="1091682"/>
+              <a:chExt cx="3600000" cy="3600000"/>
+            </a:xfrm>
+          </p:grpSpPr>
+          <p:sp>
+            <p:nvSpPr>
+              <p:cNvPr id="25" name="Rectangle : coins arrondis 24">
+                <a:extLst>
+                  <a:ext uri="{FF2B5EF4-FFF2-40B4-BE49-F238E27FC236}">
+                    <a16:creationId xmlns:a16="http://schemas.microsoft.com/office/drawing/2014/main" id="{AD2E9D6A-5E3C-4714-93C0-9FBCAE256964}"/>
+                  </a:ext>
+                </a:extLst>
+              </p:cNvPr>
+              <p:cNvSpPr/>
+              <p:nvPr/>
+            </p:nvSpPr>
+            <p:spPr>
+              <a:xfrm>
+                <a:off x="1996751" y="1091682"/>
+                <a:ext cx="3600000" cy="3600000"/>
+              </a:xfrm>
+              <a:prstGeom prst="roundRect">
+                <a:avLst/>
+              </a:prstGeom>
+            </p:spPr>
+            <p:style>
+              <a:lnRef idx="3">
+                <a:schemeClr val="lt1"/>
+              </a:lnRef>
+              <a:fillRef idx="1">
+                <a:schemeClr val="accent3"/>
+              </a:fillRef>
+              <a:effectRef idx="1">
+                <a:schemeClr val="accent3"/>
+              </a:effectRef>
+              <a:fontRef idx="minor">
+                <a:schemeClr val="lt1"/>
+              </a:fontRef>
+            </p:style>
+            <p:txBody>
+              <a:bodyPr rtlCol="0" anchor="ctr"/>
+              <a:lstStyle/>
+              <a:p>
+                <a:pPr algn="ctr"/>
+                <a:endParaRPr lang="fr-FR"/>
+              </a:p>
+            </p:txBody>
+          </p:sp>
+          <p:sp>
+            <p:nvSpPr>
+              <p:cNvPr id="26" name="Rectangle : coins arrondis 25">
+                <a:extLst>
+                  <a:ext uri="{FF2B5EF4-FFF2-40B4-BE49-F238E27FC236}">
+                    <a16:creationId xmlns:a16="http://schemas.microsoft.com/office/drawing/2014/main" id="{EFB8CC76-C0E2-4C16-8F18-CB730B81CAF2}"/>
+                  </a:ext>
+                </a:extLst>
+              </p:cNvPr>
+              <p:cNvSpPr/>
+              <p:nvPr/>
+            </p:nvSpPr>
+            <p:spPr>
+              <a:xfrm>
+                <a:off x="2086751" y="1181682"/>
+                <a:ext cx="3420000" cy="3420000"/>
+              </a:xfrm>
+              <a:prstGeom prst="roundRect">
+                <a:avLst/>
+              </a:prstGeom>
+              <a:solidFill>
+                <a:schemeClr val="tx1"/>
+              </a:solidFill>
+              <a:ln>
+                <a:noFill/>
+              </a:ln>
+            </p:spPr>
+            <p:style>
+              <a:lnRef idx="3">
+                <a:schemeClr val="lt1"/>
+              </a:lnRef>
+              <a:fillRef idx="1">
+                <a:schemeClr val="accent3"/>
+              </a:fillRef>
+              <a:effectRef idx="1">
+                <a:schemeClr val="accent3"/>
+              </a:effectRef>
+              <a:fontRef idx="minor">
+                <a:schemeClr val="lt1"/>
+              </a:fontRef>
+            </p:style>
+            <p:txBody>
+              <a:bodyPr rtlCol="0" anchor="ctr"/>
+              <a:lstStyle/>
+              <a:p>
+                <a:pPr algn="ctr"/>
+                <a:endParaRPr lang="fr-FR"/>
+              </a:p>
+            </p:txBody>
+          </p:sp>
+        </p:grpSp>
+        <p:sp>
+          <p:nvSpPr>
+            <p:cNvPr id="21" name="Rectangle : coins arrondis 20">
+              <a:extLst>
+                <a:ext uri="{FF2B5EF4-FFF2-40B4-BE49-F238E27FC236}">
+                  <a16:creationId xmlns:a16="http://schemas.microsoft.com/office/drawing/2014/main" id="{A7481901-A530-4A82-A6DD-1E2B2F146C54}"/>
+                </a:ext>
+              </a:extLst>
+            </p:cNvPr>
+            <p:cNvSpPr/>
+            <p:nvPr/>
+          </p:nvSpPr>
+          <p:spPr>
+            <a:xfrm>
+              <a:off x="4260012" y="4086808"/>
+              <a:ext cx="522318" cy="298580"/>
+            </a:xfrm>
+            <a:prstGeom prst="roundRect">
+              <a:avLst/>
+            </a:prstGeom>
+            <a:ln/>
+          </p:spPr>
+          <p:style>
+            <a:lnRef idx="1">
+              <a:schemeClr val="accent3"/>
+            </a:lnRef>
+            <a:fillRef idx="2">
+              <a:schemeClr val="accent3"/>
+            </a:fillRef>
+            <a:effectRef idx="1">
+              <a:schemeClr val="accent3"/>
+            </a:effectRef>
+            <a:fontRef idx="minor">
+              <a:schemeClr val="dk1"/>
+            </a:fontRef>
+          </p:style>
+          <p:txBody>
+            <a:bodyPr rtlCol="0" anchor="ctr"/>
+            <a:lstStyle/>
+            <a:p>
+              <a:pPr algn="ctr"/>
+              <a:endParaRPr lang="fr-FR"/>
+            </a:p>
+          </p:txBody>
+        </p:sp>
+        <p:sp>
+          <p:nvSpPr>
+            <p:cNvPr id="22" name="Rectangle : coins arrondis 21">
+              <a:extLst>
+                <a:ext uri="{FF2B5EF4-FFF2-40B4-BE49-F238E27FC236}">
+                  <a16:creationId xmlns:a16="http://schemas.microsoft.com/office/drawing/2014/main" id="{CAEFBF3A-A0E0-41E3-BBE7-C13198610F8E}"/>
+                </a:ext>
+              </a:extLst>
+            </p:cNvPr>
+            <p:cNvSpPr/>
+            <p:nvPr/>
+          </p:nvSpPr>
+          <p:spPr>
+            <a:xfrm>
+              <a:off x="3535592" y="4086808"/>
+              <a:ext cx="522318" cy="298580"/>
+            </a:xfrm>
+            <a:prstGeom prst="roundRect">
+              <a:avLst/>
+            </a:prstGeom>
+            <a:ln/>
+          </p:spPr>
+          <p:style>
+            <a:lnRef idx="1">
+              <a:schemeClr val="accent3"/>
+            </a:lnRef>
+            <a:fillRef idx="2">
+              <a:schemeClr val="accent3"/>
+            </a:fillRef>
+            <a:effectRef idx="1">
+              <a:schemeClr val="accent3"/>
+            </a:effectRef>
+            <a:fontRef idx="minor">
+              <a:schemeClr val="dk1"/>
+            </a:fontRef>
+          </p:style>
+          <p:txBody>
+            <a:bodyPr rtlCol="0" anchor="ctr"/>
+            <a:lstStyle/>
+            <a:p>
+              <a:pPr algn="ctr"/>
+              <a:endParaRPr lang="fr-FR"/>
+            </a:p>
+          </p:txBody>
+        </p:sp>
+        <p:sp>
+          <p:nvSpPr>
+            <p:cNvPr id="23" name="Rectangle : coins arrondis 22">
+              <a:extLst>
+                <a:ext uri="{FF2B5EF4-FFF2-40B4-BE49-F238E27FC236}">
+                  <a16:creationId xmlns:a16="http://schemas.microsoft.com/office/drawing/2014/main" id="{6AF1BF00-BCDE-4596-9837-8A3089C100AF}"/>
+                </a:ext>
+              </a:extLst>
+            </p:cNvPr>
+            <p:cNvSpPr/>
+            <p:nvPr/>
+          </p:nvSpPr>
+          <p:spPr>
+            <a:xfrm>
+              <a:off x="2811171" y="4086808"/>
+              <a:ext cx="522318" cy="298580"/>
+            </a:xfrm>
+            <a:prstGeom prst="roundRect">
+              <a:avLst/>
+            </a:prstGeom>
+            <a:ln/>
+          </p:spPr>
+          <p:style>
+            <a:lnRef idx="1">
+              <a:schemeClr val="accent3"/>
+            </a:lnRef>
+            <a:fillRef idx="2">
+              <a:schemeClr val="accent3"/>
+            </a:fillRef>
+            <a:effectRef idx="1">
+              <a:schemeClr val="accent3"/>
+            </a:effectRef>
+            <a:fontRef idx="minor">
+              <a:schemeClr val="dk1"/>
+            </a:fontRef>
+          </p:style>
+          <p:txBody>
+            <a:bodyPr rtlCol="0" anchor="ctr"/>
+            <a:lstStyle/>
+            <a:p>
+              <a:pPr algn="ctr"/>
+              <a:endParaRPr lang="fr-FR"/>
+            </a:p>
+          </p:txBody>
+        </p:sp>
+        <p:sp>
+          <p:nvSpPr>
+            <p:cNvPr id="24" name="Rectangle 23">
+              <a:extLst>
+                <a:ext uri="{FF2B5EF4-FFF2-40B4-BE49-F238E27FC236}">
+                  <a16:creationId xmlns:a16="http://schemas.microsoft.com/office/drawing/2014/main" id="{6B0DEFDE-18A3-4E42-86F3-FDEE4474833F}"/>
+                </a:ext>
+              </a:extLst>
+            </p:cNvPr>
+            <p:cNvSpPr/>
+            <p:nvPr/>
+          </p:nvSpPr>
+          <p:spPr>
+            <a:xfrm>
+              <a:off x="2286000" y="1772817"/>
+              <a:ext cx="3013788" cy="2097697"/>
+            </a:xfrm>
+            <a:prstGeom prst="rect">
+              <a:avLst/>
+            </a:prstGeom>
+            <a:solidFill>
+              <a:schemeClr val="tx1">
+                <a:lumMod val="85000"/>
+                <a:lumOff val="15000"/>
+              </a:schemeClr>
+            </a:solidFill>
+            <a:ln>
+              <a:noFill/>
+            </a:ln>
+          </p:spPr>
+          <p:style>
+            <a:lnRef idx="2">
+              <a:schemeClr val="accent1">
+                <a:shade val="50000"/>
+              </a:schemeClr>
+            </a:lnRef>
+            <a:fillRef idx="1">
+              <a:schemeClr val="accent1"/>
+            </a:fillRef>
+            <a:effectRef idx="0">
+              <a:schemeClr val="accent1"/>
+            </a:effectRef>
+            <a:fontRef idx="minor">
+              <a:schemeClr val="lt1"/>
+            </a:fontRef>
+          </p:style>
+          <p:txBody>
+            <a:bodyPr rtlCol="0" anchor="ctr"/>
+            <a:lstStyle/>
+            <a:p>
+              <a:pPr algn="ctr"/>
+              <a:endParaRPr lang="fr-FR"/>
+            </a:p>
+          </p:txBody>
+        </p:sp>
+      </p:grpSp>
+      <p:sp>
+        <p:nvSpPr>
+          <p:cNvPr id="27" name="Rectangle 26">
+            <a:extLst>
+              <a:ext uri="{FF2B5EF4-FFF2-40B4-BE49-F238E27FC236}">
+                <a16:creationId xmlns:a16="http://schemas.microsoft.com/office/drawing/2014/main" id="{6CAA2AA5-5058-4042-8E46-882B81B7FA25}"/>
+              </a:ext>
+            </a:extLst>
+          </p:cNvPr>
+          <p:cNvSpPr/>
+          <p:nvPr/>
+        </p:nvSpPr>
+        <p:spPr>
+          <a:xfrm>
+            <a:off x="7887747" y="771135"/>
+            <a:ext cx="3013788" cy="340529"/>
+          </a:xfrm>
+          <a:prstGeom prst="rect">
+            <a:avLst/>
+          </a:prstGeom>
+          <a:solidFill>
+            <a:schemeClr val="tx1">
+              <a:lumMod val="85000"/>
+              <a:lumOff val="15000"/>
+            </a:schemeClr>
+          </a:solidFill>
+          <a:ln>
+            <a:noFill/>
+          </a:ln>
+        </p:spPr>
+        <p:style>
+          <a:lnRef idx="2">
+            <a:schemeClr val="accent1">
+              <a:shade val="50000"/>
+            </a:schemeClr>
+          </a:lnRef>
+          <a:fillRef idx="1">
+            <a:schemeClr val="accent1"/>
+          </a:fillRef>
+          <a:effectRef idx="0">
+            <a:schemeClr val="accent1"/>
+          </a:effectRef>
+          <a:fontRef idx="minor">
+            <a:schemeClr val="lt1"/>
+          </a:fontRef>
+        </p:style>
+        <p:txBody>
+          <a:bodyPr rtlCol="0" anchor="ctr"/>
+          <a:lstStyle/>
+          <a:p>
+            <a:pPr algn="ctr"/>
+            <a:r>
+              <a:rPr lang="fr-FR" dirty="0"/>
+              <a:t>COMPTEUR :</a:t>
+            </a:r>
+          </a:p>
+        </p:txBody>
+      </p:sp>
+      <p:sp>
+        <p:nvSpPr>
+          <p:cNvPr id="28" name="Rectangle : coins arrondis 27">
+            <a:extLst>
+              <a:ext uri="{FF2B5EF4-FFF2-40B4-BE49-F238E27FC236}">
+                <a16:creationId xmlns:a16="http://schemas.microsoft.com/office/drawing/2014/main" id="{33C537EA-4E11-4511-92AD-BDEBB0A115D7}"/>
+              </a:ext>
+            </a:extLst>
+          </p:cNvPr>
+          <p:cNvSpPr/>
+          <p:nvPr/>
+        </p:nvSpPr>
+        <p:spPr>
+          <a:xfrm>
+            <a:off x="8366262" y="2519025"/>
+            <a:ext cx="611011" cy="301777"/>
+          </a:xfrm>
+          <a:prstGeom prst="roundRect">
+            <a:avLst/>
+          </a:prstGeom>
+          <a:solidFill>
+            <a:schemeClr val="tx1">
+              <a:lumMod val="75000"/>
+              <a:lumOff val="25000"/>
+            </a:schemeClr>
+          </a:solidFill>
+          <a:ln>
+            <a:noFill/>
+          </a:ln>
+        </p:spPr>
+        <p:style>
+          <a:lnRef idx="1">
+            <a:schemeClr val="accent3"/>
+          </a:lnRef>
+          <a:fillRef idx="2">
+            <a:schemeClr val="accent3"/>
+          </a:fillRef>
+          <a:effectRef idx="1">
+            <a:schemeClr val="accent3"/>
+          </a:effectRef>
+          <a:fontRef idx="minor">
+            <a:schemeClr val="dk1"/>
+          </a:fontRef>
+        </p:style>
+        <p:txBody>
+          <a:bodyPr rtlCol="0" anchor="ctr"/>
+          <a:lstStyle/>
+          <a:p>
+            <a:pPr algn="ctr"/>
+            <a:r>
+              <a:rPr lang="fr-FR" sz="1200" dirty="0">
+                <a:solidFill>
+                  <a:schemeClr val="bg1">
+                    <a:lumMod val="95000"/>
+                  </a:schemeClr>
+                </a:solidFill>
+              </a:rPr>
+              <a:t>Reset</a:t>
+            </a:r>
+          </a:p>
+        </p:txBody>
+      </p:sp>
+      <p:sp>
+        <p:nvSpPr>
+          <p:cNvPr id="29" name="Rectangle : coins arrondis 28">
+            <a:extLst>
+              <a:ext uri="{FF2B5EF4-FFF2-40B4-BE49-F238E27FC236}">
+                <a16:creationId xmlns:a16="http://schemas.microsoft.com/office/drawing/2014/main" id="{B4929CC7-A4BD-4A1B-A5E4-79BF9D2444CB}"/>
+              </a:ext>
+            </a:extLst>
+          </p:cNvPr>
+          <p:cNvSpPr/>
+          <p:nvPr/>
+        </p:nvSpPr>
+        <p:spPr>
+          <a:xfrm>
+            <a:off x="9151271" y="2519025"/>
+            <a:ext cx="515128" cy="301777"/>
+          </a:xfrm>
+          <a:prstGeom prst="roundRect">
+            <a:avLst/>
+          </a:prstGeom>
+          <a:solidFill>
+            <a:schemeClr val="tx1">
+              <a:lumMod val="75000"/>
+              <a:lumOff val="25000"/>
+            </a:schemeClr>
+          </a:solidFill>
+          <a:ln>
+            <a:noFill/>
+          </a:ln>
+        </p:spPr>
+        <p:style>
+          <a:lnRef idx="1">
+            <a:schemeClr val="accent3"/>
+          </a:lnRef>
+          <a:fillRef idx="2">
+            <a:schemeClr val="accent3"/>
+          </a:fillRef>
+          <a:effectRef idx="1">
+            <a:schemeClr val="accent3"/>
+          </a:effectRef>
+          <a:fontRef idx="minor">
+            <a:schemeClr val="dk1"/>
+          </a:fontRef>
+        </p:style>
+        <p:txBody>
+          <a:bodyPr rtlCol="0" anchor="ctr"/>
+          <a:lstStyle/>
+          <a:p>
+            <a:pPr algn="ctr"/>
+            <a:endParaRPr lang="fr-FR" sz="1200" dirty="0">
+              <a:solidFill>
+                <a:schemeClr val="bg1">
+                  <a:lumMod val="95000"/>
+                </a:schemeClr>
+              </a:solidFill>
+            </a:endParaRPr>
+          </a:p>
+        </p:txBody>
+      </p:sp>
+      <p:sp>
+        <p:nvSpPr>
+          <p:cNvPr id="30" name="Rectangle : coins arrondis 29">
+            <a:extLst>
+              <a:ext uri="{FF2B5EF4-FFF2-40B4-BE49-F238E27FC236}">
+                <a16:creationId xmlns:a16="http://schemas.microsoft.com/office/drawing/2014/main" id="{275F588D-B4B8-4884-A1CA-9EA29DD22517}"/>
+              </a:ext>
+            </a:extLst>
+          </p:cNvPr>
+          <p:cNvSpPr/>
+          <p:nvPr/>
+        </p:nvSpPr>
+        <p:spPr>
+          <a:xfrm>
+            <a:off x="9868949" y="2519025"/>
+            <a:ext cx="515128" cy="301777"/>
+          </a:xfrm>
+          <a:prstGeom prst="roundRect">
+            <a:avLst/>
+          </a:prstGeom>
+          <a:solidFill>
+            <a:schemeClr val="tx1">
+              <a:lumMod val="75000"/>
+              <a:lumOff val="25000"/>
+            </a:schemeClr>
+          </a:solidFill>
+          <a:ln>
+            <a:noFill/>
+          </a:ln>
+        </p:spPr>
+        <p:style>
+          <a:lnRef idx="1">
+            <a:schemeClr val="accent3"/>
+          </a:lnRef>
+          <a:fillRef idx="2">
+            <a:schemeClr val="accent3"/>
+          </a:fillRef>
+          <a:effectRef idx="1">
+            <a:schemeClr val="accent3"/>
+          </a:effectRef>
+          <a:fontRef idx="minor">
+            <a:schemeClr val="dk1"/>
+          </a:fontRef>
+        </p:style>
+        <p:txBody>
+          <a:bodyPr rtlCol="0" anchor="ctr"/>
+          <a:lstStyle/>
+          <a:p>
+            <a:pPr algn="ctr"/>
+            <a:r>
+              <a:rPr lang="fr-FR" sz="1200" dirty="0" err="1">
+                <a:solidFill>
+                  <a:schemeClr val="bg1"/>
+                </a:solidFill>
+              </a:rPr>
+              <a:t>Ret</a:t>
+            </a:r>
+            <a:r>
+              <a:rPr lang="fr-FR" sz="1200" dirty="0">
+                <a:solidFill>
+                  <a:schemeClr val="bg1"/>
+                </a:solidFill>
+              </a:rPr>
+              <a:t>.</a:t>
+            </a:r>
+          </a:p>
+        </p:txBody>
+      </p:sp>
+      <p:sp>
+        <p:nvSpPr>
+          <p:cNvPr id="31" name="Rectangle : coins arrondis 30">
+            <a:extLst>
+              <a:ext uri="{FF2B5EF4-FFF2-40B4-BE49-F238E27FC236}">
+                <a16:creationId xmlns:a16="http://schemas.microsoft.com/office/drawing/2014/main" id="{95BED036-F46A-4644-8BAE-9A003E2FBD7C}"/>
+              </a:ext>
+            </a:extLst>
+          </p:cNvPr>
+          <p:cNvSpPr/>
+          <p:nvPr/>
+        </p:nvSpPr>
+        <p:spPr>
+          <a:xfrm>
+            <a:off x="8027477" y="1112450"/>
+            <a:ext cx="2287099" cy="301777"/>
+          </a:xfrm>
+          <a:prstGeom prst="roundRect">
+            <a:avLst/>
+          </a:prstGeom>
+          <a:solidFill>
+            <a:srgbClr val="262626"/>
+          </a:solidFill>
+          <a:ln>
+            <a:noFill/>
+          </a:ln>
+        </p:spPr>
+        <p:style>
+          <a:lnRef idx="1">
+            <a:schemeClr val="accent3"/>
+          </a:lnRef>
+          <a:fillRef idx="2">
+            <a:schemeClr val="accent3"/>
+          </a:fillRef>
+          <a:effectRef idx="1">
+            <a:schemeClr val="accent3"/>
+          </a:effectRef>
+          <a:fontRef idx="minor">
+            <a:schemeClr val="dk1"/>
+          </a:fontRef>
+        </p:style>
+        <p:txBody>
+          <a:bodyPr rtlCol="0" anchor="ctr"/>
+          <a:lstStyle/>
+          <a:p>
+            <a:r>
+              <a:rPr lang="fr-FR" sz="1200" dirty="0">
+                <a:solidFill>
+                  <a:schemeClr val="bg1">
+                    <a:lumMod val="95000"/>
+                  </a:schemeClr>
+                </a:solidFill>
+              </a:rPr>
+              <a:t>Personnes dans le magasin</a:t>
+            </a:r>
+          </a:p>
+        </p:txBody>
+      </p:sp>
+      <p:sp>
+        <p:nvSpPr>
+          <p:cNvPr id="32" name="Rectangle : coins arrondis 31">
+            <a:extLst>
+              <a:ext uri="{FF2B5EF4-FFF2-40B4-BE49-F238E27FC236}">
+                <a16:creationId xmlns:a16="http://schemas.microsoft.com/office/drawing/2014/main" id="{87248A74-1809-4F19-AB00-40A8565D6664}"/>
+              </a:ext>
+            </a:extLst>
+          </p:cNvPr>
+          <p:cNvSpPr/>
+          <p:nvPr/>
+        </p:nvSpPr>
+        <p:spPr>
+          <a:xfrm>
+            <a:off x="8109185" y="1449699"/>
+            <a:ext cx="354563" cy="428728"/>
+          </a:xfrm>
+          <a:prstGeom prst="roundRect">
+            <a:avLst/>
+          </a:prstGeom>
+          <a:solidFill>
+            <a:srgbClr val="262626"/>
+          </a:solidFill>
+          <a:ln>
+            <a:noFill/>
+          </a:ln>
+        </p:spPr>
+        <p:style>
+          <a:lnRef idx="1">
+            <a:schemeClr val="accent3"/>
+          </a:lnRef>
+          <a:fillRef idx="2">
+            <a:schemeClr val="accent3"/>
+          </a:fillRef>
+          <a:effectRef idx="1">
+            <a:schemeClr val="accent3"/>
+          </a:effectRef>
+          <a:fontRef idx="minor">
+            <a:schemeClr val="dk1"/>
+          </a:fontRef>
+        </p:style>
+        <p:txBody>
+          <a:bodyPr rtlCol="0" anchor="ctr"/>
+          <a:lstStyle/>
+          <a:p>
+            <a:r>
+              <a:rPr lang="fr-FR" sz="2400" dirty="0">
+                <a:solidFill>
+                  <a:schemeClr val="bg1"/>
+                </a:solidFill>
+              </a:rPr>
+              <a:t>1</a:t>
+            </a:r>
+          </a:p>
+        </p:txBody>
+      </p:sp>
+      <p:sp>
+        <p:nvSpPr>
+          <p:cNvPr id="33" name="Rectangle : coins arrondis 32">
+            <a:extLst>
+              <a:ext uri="{FF2B5EF4-FFF2-40B4-BE49-F238E27FC236}">
+                <a16:creationId xmlns:a16="http://schemas.microsoft.com/office/drawing/2014/main" id="{DEBB0369-A87F-4901-BDCB-CEEA7B286188}"/>
+              </a:ext>
+            </a:extLst>
+          </p:cNvPr>
+          <p:cNvSpPr/>
+          <p:nvPr/>
+        </p:nvSpPr>
+        <p:spPr>
+          <a:xfrm>
+            <a:off x="9048646" y="1433931"/>
+            <a:ext cx="611011" cy="428728"/>
+          </a:xfrm>
+          <a:prstGeom prst="roundRect">
+            <a:avLst/>
+          </a:prstGeom>
+          <a:solidFill>
+            <a:srgbClr val="262626"/>
+          </a:solidFill>
+          <a:ln>
+            <a:noFill/>
+          </a:ln>
+        </p:spPr>
+        <p:style>
+          <a:lnRef idx="1">
+            <a:schemeClr val="accent3"/>
+          </a:lnRef>
+          <a:fillRef idx="2">
+            <a:schemeClr val="accent3"/>
+          </a:fillRef>
+          <a:effectRef idx="1">
+            <a:schemeClr val="accent3"/>
+          </a:effectRef>
+          <a:fontRef idx="minor">
+            <a:schemeClr val="dk1"/>
+          </a:fontRef>
+        </p:style>
+        <p:txBody>
+          <a:bodyPr rtlCol="0" anchor="ctr"/>
+          <a:lstStyle/>
+          <a:p>
+            <a:r>
+              <a:rPr lang="fr-FR" sz="2400" dirty="0">
+                <a:solidFill>
+                  <a:schemeClr val="bg1">
+                    <a:lumMod val="95000"/>
+                  </a:schemeClr>
+                </a:solidFill>
+              </a:rPr>
+              <a:t>/3</a:t>
+            </a:r>
+          </a:p>
+        </p:txBody>
+      </p:sp>
+      <p:grpSp>
+        <p:nvGrpSpPr>
+          <p:cNvPr id="34" name="Groupe 33">
+            <a:extLst>
+              <a:ext uri="{FF2B5EF4-FFF2-40B4-BE49-F238E27FC236}">
+                <a16:creationId xmlns:a16="http://schemas.microsoft.com/office/drawing/2014/main" id="{75485CA2-E38E-47E0-A3AA-ECCB32CD2C98}"/>
+              </a:ext>
+            </a:extLst>
+          </p:cNvPr>
+          <p:cNvGrpSpPr/>
+          <p:nvPr/>
+        </p:nvGrpSpPr>
+        <p:grpSpPr>
+          <a:xfrm>
+            <a:off x="3799249" y="90000"/>
+            <a:ext cx="3600000" cy="3600000"/>
+            <a:chOff x="1996751" y="1091682"/>
+            <a:chExt cx="3600000" cy="3600000"/>
+          </a:xfrm>
+        </p:grpSpPr>
+        <p:grpSp>
+          <p:nvGrpSpPr>
+            <p:cNvPr id="35" name="Groupe 34">
+              <a:extLst>
+                <a:ext uri="{FF2B5EF4-FFF2-40B4-BE49-F238E27FC236}">
+                  <a16:creationId xmlns:a16="http://schemas.microsoft.com/office/drawing/2014/main" id="{763B61C5-E55D-44A5-AC20-F1AB9AEB6904}"/>
+                </a:ext>
+              </a:extLst>
+            </p:cNvPr>
+            <p:cNvGrpSpPr/>
+            <p:nvPr/>
+          </p:nvGrpSpPr>
+          <p:grpSpPr>
+            <a:xfrm>
+              <a:off x="1996751" y="1091682"/>
+              <a:ext cx="3600000" cy="3600000"/>
+              <a:chOff x="1996751" y="1091682"/>
+              <a:chExt cx="3600000" cy="3600000"/>
+            </a:xfrm>
+          </p:grpSpPr>
+          <p:sp>
+            <p:nvSpPr>
+              <p:cNvPr id="40" name="Rectangle : coins arrondis 39">
+                <a:extLst>
+                  <a:ext uri="{FF2B5EF4-FFF2-40B4-BE49-F238E27FC236}">
+                    <a16:creationId xmlns:a16="http://schemas.microsoft.com/office/drawing/2014/main" id="{7C0B5EEB-835B-4645-8C1F-B798FC7C2079}"/>
+                  </a:ext>
+                </a:extLst>
+              </p:cNvPr>
+              <p:cNvSpPr/>
+              <p:nvPr/>
+            </p:nvSpPr>
+            <p:spPr>
+              <a:xfrm>
+                <a:off x="1996751" y="1091682"/>
+                <a:ext cx="3600000" cy="3600000"/>
+              </a:xfrm>
+              <a:prstGeom prst="roundRect">
+                <a:avLst/>
+              </a:prstGeom>
+            </p:spPr>
+            <p:style>
+              <a:lnRef idx="3">
+                <a:schemeClr val="lt1"/>
+              </a:lnRef>
+              <a:fillRef idx="1">
+                <a:schemeClr val="accent3"/>
+              </a:fillRef>
+              <a:effectRef idx="1">
+                <a:schemeClr val="accent3"/>
+              </a:effectRef>
+              <a:fontRef idx="minor">
+                <a:schemeClr val="lt1"/>
+              </a:fontRef>
+            </p:style>
+            <p:txBody>
+              <a:bodyPr rtlCol="0" anchor="ctr"/>
+              <a:lstStyle/>
+              <a:p>
+                <a:pPr algn="ctr"/>
+                <a:endParaRPr lang="fr-FR"/>
+              </a:p>
+            </p:txBody>
+          </p:sp>
+          <p:sp>
+            <p:nvSpPr>
+              <p:cNvPr id="41" name="Rectangle : coins arrondis 40">
+                <a:extLst>
+                  <a:ext uri="{FF2B5EF4-FFF2-40B4-BE49-F238E27FC236}">
+                    <a16:creationId xmlns:a16="http://schemas.microsoft.com/office/drawing/2014/main" id="{F287D517-A002-42E1-B949-69923C898CD9}"/>
+                  </a:ext>
+                </a:extLst>
+              </p:cNvPr>
+              <p:cNvSpPr/>
+              <p:nvPr/>
+            </p:nvSpPr>
+            <p:spPr>
+              <a:xfrm>
+                <a:off x="2086751" y="1181682"/>
+                <a:ext cx="3420000" cy="3420000"/>
+              </a:xfrm>
+              <a:prstGeom prst="roundRect">
+                <a:avLst/>
+              </a:prstGeom>
+              <a:solidFill>
+                <a:schemeClr val="tx1"/>
+              </a:solidFill>
+              <a:ln>
+                <a:noFill/>
+              </a:ln>
+            </p:spPr>
+            <p:style>
+              <a:lnRef idx="3">
+                <a:schemeClr val="lt1"/>
+              </a:lnRef>
+              <a:fillRef idx="1">
+                <a:schemeClr val="accent3"/>
+              </a:fillRef>
+              <a:effectRef idx="1">
+                <a:schemeClr val="accent3"/>
+              </a:effectRef>
+              <a:fontRef idx="minor">
+                <a:schemeClr val="lt1"/>
+              </a:fontRef>
+            </p:style>
+            <p:txBody>
+              <a:bodyPr rtlCol="0" anchor="ctr"/>
+              <a:lstStyle/>
+              <a:p>
+                <a:pPr algn="ctr"/>
+                <a:endParaRPr lang="fr-FR"/>
+              </a:p>
+            </p:txBody>
+          </p:sp>
+        </p:grpSp>
+        <p:sp>
+          <p:nvSpPr>
+            <p:cNvPr id="36" name="Rectangle : coins arrondis 35">
+              <a:extLst>
+                <a:ext uri="{FF2B5EF4-FFF2-40B4-BE49-F238E27FC236}">
+                  <a16:creationId xmlns:a16="http://schemas.microsoft.com/office/drawing/2014/main" id="{E1BBD9F3-B6E2-46EF-B4AF-421536EE37AC}"/>
+                </a:ext>
+              </a:extLst>
+            </p:cNvPr>
+            <p:cNvSpPr/>
+            <p:nvPr/>
+          </p:nvSpPr>
+          <p:spPr>
+            <a:xfrm>
+              <a:off x="4260012" y="4086808"/>
+              <a:ext cx="522318" cy="298580"/>
+            </a:xfrm>
+            <a:prstGeom prst="roundRect">
+              <a:avLst/>
+            </a:prstGeom>
+            <a:ln/>
+          </p:spPr>
+          <p:style>
+            <a:lnRef idx="1">
+              <a:schemeClr val="accent3"/>
+            </a:lnRef>
+            <a:fillRef idx="2">
+              <a:schemeClr val="accent3"/>
+            </a:fillRef>
+            <a:effectRef idx="1">
+              <a:schemeClr val="accent3"/>
+            </a:effectRef>
+            <a:fontRef idx="minor">
+              <a:schemeClr val="dk1"/>
+            </a:fontRef>
+          </p:style>
+          <p:txBody>
+            <a:bodyPr rtlCol="0" anchor="ctr"/>
+            <a:lstStyle/>
+            <a:p>
+              <a:pPr algn="ctr"/>
+              <a:endParaRPr lang="fr-FR"/>
+            </a:p>
+          </p:txBody>
+        </p:sp>
+        <p:sp>
+          <p:nvSpPr>
+            <p:cNvPr id="37" name="Rectangle : coins arrondis 36">
+              <a:extLst>
+                <a:ext uri="{FF2B5EF4-FFF2-40B4-BE49-F238E27FC236}">
+                  <a16:creationId xmlns:a16="http://schemas.microsoft.com/office/drawing/2014/main" id="{F5FB2EAD-F38E-4441-97EE-AD14E0A48160}"/>
+                </a:ext>
+              </a:extLst>
+            </p:cNvPr>
+            <p:cNvSpPr/>
+            <p:nvPr/>
+          </p:nvSpPr>
+          <p:spPr>
+            <a:xfrm>
+              <a:off x="3535592" y="4086808"/>
+              <a:ext cx="522318" cy="298580"/>
+            </a:xfrm>
+            <a:prstGeom prst="roundRect">
+              <a:avLst/>
+            </a:prstGeom>
+            <a:ln/>
+          </p:spPr>
+          <p:style>
+            <a:lnRef idx="1">
+              <a:schemeClr val="accent3"/>
+            </a:lnRef>
+            <a:fillRef idx="2">
+              <a:schemeClr val="accent3"/>
+            </a:fillRef>
+            <a:effectRef idx="1">
+              <a:schemeClr val="accent3"/>
+            </a:effectRef>
+            <a:fontRef idx="minor">
+              <a:schemeClr val="dk1"/>
+            </a:fontRef>
+          </p:style>
+          <p:txBody>
+            <a:bodyPr rtlCol="0" anchor="ctr"/>
+            <a:lstStyle/>
+            <a:p>
+              <a:pPr algn="ctr"/>
+              <a:endParaRPr lang="fr-FR"/>
+            </a:p>
+          </p:txBody>
+        </p:sp>
+        <p:sp>
+          <p:nvSpPr>
+            <p:cNvPr id="38" name="Rectangle : coins arrondis 37">
+              <a:extLst>
+                <a:ext uri="{FF2B5EF4-FFF2-40B4-BE49-F238E27FC236}">
+                  <a16:creationId xmlns:a16="http://schemas.microsoft.com/office/drawing/2014/main" id="{3E8AB9B7-404B-47D2-8178-D0D9AD8733BC}"/>
+                </a:ext>
+              </a:extLst>
+            </p:cNvPr>
+            <p:cNvSpPr/>
+            <p:nvPr/>
+          </p:nvSpPr>
+          <p:spPr>
+            <a:xfrm>
+              <a:off x="2811171" y="4086808"/>
+              <a:ext cx="522318" cy="298580"/>
+            </a:xfrm>
+            <a:prstGeom prst="roundRect">
+              <a:avLst/>
+            </a:prstGeom>
+            <a:ln/>
+          </p:spPr>
+          <p:style>
+            <a:lnRef idx="1">
+              <a:schemeClr val="accent3"/>
+            </a:lnRef>
+            <a:fillRef idx="2">
+              <a:schemeClr val="accent3"/>
+            </a:fillRef>
+            <a:effectRef idx="1">
+              <a:schemeClr val="accent3"/>
+            </a:effectRef>
+            <a:fontRef idx="minor">
+              <a:schemeClr val="dk1"/>
+            </a:fontRef>
+          </p:style>
+          <p:txBody>
+            <a:bodyPr rtlCol="0" anchor="ctr"/>
+            <a:lstStyle/>
+            <a:p>
+              <a:pPr algn="ctr"/>
+              <a:endParaRPr lang="fr-FR"/>
+            </a:p>
+          </p:txBody>
+        </p:sp>
+        <p:sp>
+          <p:nvSpPr>
+            <p:cNvPr id="39" name="Rectangle 38">
+              <a:extLst>
+                <a:ext uri="{FF2B5EF4-FFF2-40B4-BE49-F238E27FC236}">
+                  <a16:creationId xmlns:a16="http://schemas.microsoft.com/office/drawing/2014/main" id="{2DA5EBA9-AC25-45F0-98BE-1765E9D93BE5}"/>
+                </a:ext>
+              </a:extLst>
+            </p:cNvPr>
+            <p:cNvSpPr/>
+            <p:nvPr/>
+          </p:nvSpPr>
+          <p:spPr>
+            <a:xfrm>
+              <a:off x="2286000" y="1772817"/>
+              <a:ext cx="3013788" cy="2097697"/>
+            </a:xfrm>
+            <a:prstGeom prst="rect">
+              <a:avLst/>
+            </a:prstGeom>
+            <a:solidFill>
+              <a:schemeClr val="tx1">
+                <a:lumMod val="85000"/>
+                <a:lumOff val="15000"/>
+              </a:schemeClr>
+            </a:solidFill>
+            <a:ln>
+              <a:noFill/>
+            </a:ln>
+          </p:spPr>
+          <p:style>
+            <a:lnRef idx="2">
+              <a:schemeClr val="accent1">
+                <a:shade val="50000"/>
+              </a:schemeClr>
+            </a:lnRef>
+            <a:fillRef idx="1">
+              <a:schemeClr val="accent1"/>
+            </a:fillRef>
+            <a:effectRef idx="0">
+              <a:schemeClr val="accent1"/>
+            </a:effectRef>
+            <a:fontRef idx="minor">
+              <a:schemeClr val="lt1"/>
+            </a:fontRef>
+          </p:style>
+          <p:txBody>
+            <a:bodyPr rtlCol="0" anchor="ctr"/>
+            <a:lstStyle/>
+            <a:p>
+              <a:pPr algn="ctr"/>
+              <a:endParaRPr lang="fr-FR"/>
+            </a:p>
+          </p:txBody>
+        </p:sp>
+      </p:grpSp>
+      <p:sp>
+        <p:nvSpPr>
+          <p:cNvPr id="42" name="Rectangle 41">
+            <a:extLst>
+              <a:ext uri="{FF2B5EF4-FFF2-40B4-BE49-F238E27FC236}">
+                <a16:creationId xmlns:a16="http://schemas.microsoft.com/office/drawing/2014/main" id="{F9548945-A50B-4F17-94D2-012BA9B9C653}"/>
+              </a:ext>
+            </a:extLst>
+          </p:cNvPr>
+          <p:cNvSpPr/>
+          <p:nvPr/>
+        </p:nvSpPr>
+        <p:spPr>
+          <a:xfrm>
+            <a:off x="4088498" y="771135"/>
+            <a:ext cx="3013788" cy="340529"/>
+          </a:xfrm>
+          <a:prstGeom prst="rect">
+            <a:avLst/>
+          </a:prstGeom>
+          <a:solidFill>
+            <a:schemeClr val="tx1">
+              <a:lumMod val="85000"/>
+              <a:lumOff val="15000"/>
+            </a:schemeClr>
+          </a:solidFill>
+          <a:ln>
+            <a:noFill/>
+          </a:ln>
+        </p:spPr>
+        <p:style>
+          <a:lnRef idx="2">
+            <a:schemeClr val="accent1">
+              <a:shade val="50000"/>
+            </a:schemeClr>
+          </a:lnRef>
+          <a:fillRef idx="1">
+            <a:schemeClr val="accent1"/>
+          </a:fillRef>
+          <a:effectRef idx="0">
+            <a:schemeClr val="accent1"/>
+          </a:effectRef>
+          <a:fontRef idx="minor">
+            <a:schemeClr val="lt1"/>
+          </a:fontRef>
+        </p:style>
+        <p:txBody>
+          <a:bodyPr rtlCol="0" anchor="ctr"/>
+          <a:lstStyle/>
+          <a:p>
+            <a:pPr algn="ctr"/>
+            <a:r>
+              <a:rPr lang="fr-FR" dirty="0"/>
+              <a:t>COMPTEUR :</a:t>
+            </a:r>
+          </a:p>
+        </p:txBody>
+      </p:sp>
+      <p:sp>
+        <p:nvSpPr>
+          <p:cNvPr id="43" name="Rectangle : coins arrondis 42">
+            <a:extLst>
+              <a:ext uri="{FF2B5EF4-FFF2-40B4-BE49-F238E27FC236}">
+                <a16:creationId xmlns:a16="http://schemas.microsoft.com/office/drawing/2014/main" id="{150D0D7A-8260-4FFA-A581-F46F38B13323}"/>
+              </a:ext>
+            </a:extLst>
+          </p:cNvPr>
+          <p:cNvSpPr/>
+          <p:nvPr/>
+        </p:nvSpPr>
+        <p:spPr>
+          <a:xfrm>
+            <a:off x="4567013" y="2519025"/>
+            <a:ext cx="611011" cy="301777"/>
+          </a:xfrm>
+          <a:prstGeom prst="roundRect">
+            <a:avLst/>
+          </a:prstGeom>
+          <a:solidFill>
+            <a:schemeClr val="tx1">
+              <a:lumMod val="75000"/>
+              <a:lumOff val="25000"/>
+            </a:schemeClr>
+          </a:solidFill>
+          <a:ln>
+            <a:noFill/>
+          </a:ln>
+        </p:spPr>
+        <p:style>
+          <a:lnRef idx="1">
+            <a:schemeClr val="accent3"/>
+          </a:lnRef>
+          <a:fillRef idx="2">
+            <a:schemeClr val="accent3"/>
+          </a:fillRef>
+          <a:effectRef idx="1">
+            <a:schemeClr val="accent3"/>
+          </a:effectRef>
+          <a:fontRef idx="minor">
+            <a:schemeClr val="dk1"/>
+          </a:fontRef>
+        </p:style>
+        <p:txBody>
+          <a:bodyPr rtlCol="0" anchor="ctr"/>
+          <a:lstStyle/>
+          <a:p>
+            <a:pPr algn="ctr"/>
+            <a:r>
+              <a:rPr lang="fr-FR" sz="1200" dirty="0">
+                <a:solidFill>
+                  <a:schemeClr val="bg1">
+                    <a:lumMod val="95000"/>
+                  </a:schemeClr>
+                </a:solidFill>
+              </a:rPr>
+              <a:t>Reset</a:t>
+            </a:r>
+          </a:p>
+        </p:txBody>
+      </p:sp>
+      <p:sp>
+        <p:nvSpPr>
+          <p:cNvPr id="44" name="Rectangle : coins arrondis 43">
+            <a:extLst>
+              <a:ext uri="{FF2B5EF4-FFF2-40B4-BE49-F238E27FC236}">
+                <a16:creationId xmlns:a16="http://schemas.microsoft.com/office/drawing/2014/main" id="{4C22C056-7DDF-4849-91D9-02712719A26C}"/>
+              </a:ext>
+            </a:extLst>
+          </p:cNvPr>
+          <p:cNvSpPr/>
+          <p:nvPr/>
+        </p:nvSpPr>
+        <p:spPr>
+          <a:xfrm>
+            <a:off x="5352022" y="2519025"/>
+            <a:ext cx="515128" cy="301777"/>
+          </a:xfrm>
+          <a:prstGeom prst="roundRect">
+            <a:avLst/>
+          </a:prstGeom>
+          <a:solidFill>
+            <a:schemeClr val="tx1">
+              <a:lumMod val="75000"/>
+              <a:lumOff val="25000"/>
+            </a:schemeClr>
+          </a:solidFill>
+          <a:ln>
+            <a:noFill/>
+          </a:ln>
+        </p:spPr>
+        <p:style>
+          <a:lnRef idx="1">
+            <a:schemeClr val="accent3"/>
+          </a:lnRef>
+          <a:fillRef idx="2">
+            <a:schemeClr val="accent3"/>
+          </a:fillRef>
+          <a:effectRef idx="1">
+            <a:schemeClr val="accent3"/>
+          </a:effectRef>
+          <a:fontRef idx="minor">
+            <a:schemeClr val="dk1"/>
+          </a:fontRef>
+        </p:style>
+        <p:txBody>
+          <a:bodyPr rtlCol="0" anchor="ctr"/>
+          <a:lstStyle/>
+          <a:p>
+            <a:pPr algn="ctr"/>
+            <a:endParaRPr lang="fr-FR" sz="1200" dirty="0">
+              <a:solidFill>
+                <a:schemeClr val="bg1">
+                  <a:lumMod val="95000"/>
+                </a:schemeClr>
+              </a:solidFill>
+            </a:endParaRPr>
+          </a:p>
+        </p:txBody>
+      </p:sp>
+      <p:sp>
+        <p:nvSpPr>
+          <p:cNvPr id="45" name="Rectangle : coins arrondis 44">
+            <a:extLst>
+              <a:ext uri="{FF2B5EF4-FFF2-40B4-BE49-F238E27FC236}">
+                <a16:creationId xmlns:a16="http://schemas.microsoft.com/office/drawing/2014/main" id="{C995DD80-FEBC-427D-8CF9-C93C1A0D705B}"/>
+              </a:ext>
+            </a:extLst>
+          </p:cNvPr>
+          <p:cNvSpPr/>
+          <p:nvPr/>
+        </p:nvSpPr>
+        <p:spPr>
+          <a:xfrm>
+            <a:off x="6069700" y="2519025"/>
+            <a:ext cx="515128" cy="301777"/>
+          </a:xfrm>
+          <a:prstGeom prst="roundRect">
+            <a:avLst/>
+          </a:prstGeom>
+          <a:solidFill>
+            <a:schemeClr val="tx1">
+              <a:lumMod val="75000"/>
+              <a:lumOff val="25000"/>
+            </a:schemeClr>
+          </a:solidFill>
+          <a:ln>
+            <a:noFill/>
+          </a:ln>
+        </p:spPr>
+        <p:style>
+          <a:lnRef idx="1">
+            <a:schemeClr val="accent3"/>
+          </a:lnRef>
+          <a:fillRef idx="2">
+            <a:schemeClr val="accent3"/>
+          </a:fillRef>
+          <a:effectRef idx="1">
+            <a:schemeClr val="accent3"/>
+          </a:effectRef>
+          <a:fontRef idx="minor">
+            <a:schemeClr val="dk1"/>
+          </a:fontRef>
+        </p:style>
+        <p:txBody>
+          <a:bodyPr rtlCol="0" anchor="ctr"/>
+          <a:lstStyle/>
+          <a:p>
+            <a:pPr algn="ctr"/>
+            <a:r>
+              <a:rPr lang="fr-FR" sz="1200" dirty="0" err="1">
+                <a:solidFill>
+                  <a:schemeClr val="bg1"/>
+                </a:solidFill>
+              </a:rPr>
+              <a:t>Ret</a:t>
+            </a:r>
+            <a:r>
+              <a:rPr lang="fr-FR" sz="1200" dirty="0">
+                <a:solidFill>
+                  <a:schemeClr val="bg1"/>
+                </a:solidFill>
+              </a:rPr>
+              <a:t>.</a:t>
+            </a:r>
+          </a:p>
+        </p:txBody>
+      </p:sp>
+      <p:sp>
+        <p:nvSpPr>
+          <p:cNvPr id="46" name="Rectangle : coins arrondis 45">
+            <a:extLst>
+              <a:ext uri="{FF2B5EF4-FFF2-40B4-BE49-F238E27FC236}">
+                <a16:creationId xmlns:a16="http://schemas.microsoft.com/office/drawing/2014/main" id="{12E5AE58-81DE-4F0A-AB0B-C58886684648}"/>
+              </a:ext>
+            </a:extLst>
+          </p:cNvPr>
+          <p:cNvSpPr/>
+          <p:nvPr/>
+        </p:nvSpPr>
+        <p:spPr>
+          <a:xfrm>
+            <a:off x="4228228" y="1112450"/>
+            <a:ext cx="2287099" cy="301777"/>
+          </a:xfrm>
+          <a:prstGeom prst="roundRect">
+            <a:avLst/>
+          </a:prstGeom>
+          <a:solidFill>
+            <a:srgbClr val="262626"/>
+          </a:solidFill>
+          <a:ln>
+            <a:noFill/>
+          </a:ln>
+        </p:spPr>
+        <p:style>
+          <a:lnRef idx="1">
+            <a:schemeClr val="accent3"/>
+          </a:lnRef>
+          <a:fillRef idx="2">
+            <a:schemeClr val="accent3"/>
+          </a:fillRef>
+          <a:effectRef idx="1">
+            <a:schemeClr val="accent3"/>
+          </a:effectRef>
+          <a:fontRef idx="minor">
+            <a:schemeClr val="dk1"/>
+          </a:fontRef>
+        </p:style>
+        <p:txBody>
+          <a:bodyPr rtlCol="0" anchor="ctr"/>
+          <a:lstStyle/>
+          <a:p>
+            <a:r>
+              <a:rPr lang="fr-FR" sz="1200" dirty="0">
+                <a:solidFill>
+                  <a:schemeClr val="bg1">
+                    <a:lumMod val="95000"/>
+                  </a:schemeClr>
+                </a:solidFill>
+              </a:rPr>
+              <a:t>Personnes dans le magasin</a:t>
+            </a:r>
+          </a:p>
+        </p:txBody>
+      </p:sp>
+      <p:sp>
+        <p:nvSpPr>
+          <p:cNvPr id="47" name="Rectangle : coins arrondis 46">
+            <a:extLst>
+              <a:ext uri="{FF2B5EF4-FFF2-40B4-BE49-F238E27FC236}">
+                <a16:creationId xmlns:a16="http://schemas.microsoft.com/office/drawing/2014/main" id="{897C501D-EEB8-4C21-A75D-6BC5E521BE3B}"/>
+              </a:ext>
+            </a:extLst>
+          </p:cNvPr>
+          <p:cNvSpPr/>
+          <p:nvPr/>
+        </p:nvSpPr>
+        <p:spPr>
+          <a:xfrm>
+            <a:off x="4309936" y="1449699"/>
+            <a:ext cx="354563" cy="428728"/>
+          </a:xfrm>
+          <a:prstGeom prst="roundRect">
+            <a:avLst/>
+          </a:prstGeom>
+          <a:solidFill>
+            <a:srgbClr val="262626"/>
+          </a:solidFill>
+          <a:ln>
+            <a:noFill/>
+          </a:ln>
+        </p:spPr>
+        <p:style>
+          <a:lnRef idx="1">
+            <a:schemeClr val="accent3"/>
+          </a:lnRef>
+          <a:fillRef idx="2">
+            <a:schemeClr val="accent3"/>
+          </a:fillRef>
+          <a:effectRef idx="1">
+            <a:schemeClr val="accent3"/>
+          </a:effectRef>
+          <a:fontRef idx="minor">
+            <a:schemeClr val="dk1"/>
+          </a:fontRef>
+        </p:style>
+        <p:txBody>
+          <a:bodyPr rtlCol="0" anchor="ctr"/>
+          <a:lstStyle/>
+          <a:p>
+            <a:r>
+              <a:rPr lang="fr-FR" sz="2400" dirty="0">
+                <a:solidFill>
+                  <a:schemeClr val="bg1">
+                    <a:lumMod val="95000"/>
+                  </a:schemeClr>
+                </a:solidFill>
+              </a:rPr>
+              <a:t>0</a:t>
+            </a:r>
+          </a:p>
+        </p:txBody>
+      </p:sp>
+      <p:sp>
+        <p:nvSpPr>
+          <p:cNvPr id="48" name="Rectangle : coins arrondis 47">
+            <a:extLst>
+              <a:ext uri="{FF2B5EF4-FFF2-40B4-BE49-F238E27FC236}">
+                <a16:creationId xmlns:a16="http://schemas.microsoft.com/office/drawing/2014/main" id="{FEEE9014-BB30-4B0C-B26D-96CE7F70F02C}"/>
+              </a:ext>
+            </a:extLst>
+          </p:cNvPr>
+          <p:cNvSpPr/>
+          <p:nvPr/>
+        </p:nvSpPr>
+        <p:spPr>
+          <a:xfrm>
+            <a:off x="5249397" y="1433931"/>
+            <a:ext cx="611011" cy="428728"/>
+          </a:xfrm>
+          <a:prstGeom prst="roundRect">
+            <a:avLst/>
+          </a:prstGeom>
+          <a:solidFill>
+            <a:srgbClr val="262626"/>
+          </a:solidFill>
+          <a:ln>
+            <a:noFill/>
+          </a:ln>
+        </p:spPr>
+        <p:style>
+          <a:lnRef idx="1">
+            <a:schemeClr val="accent3"/>
+          </a:lnRef>
+          <a:fillRef idx="2">
+            <a:schemeClr val="accent3"/>
+          </a:fillRef>
+          <a:effectRef idx="1">
+            <a:schemeClr val="accent3"/>
+          </a:effectRef>
+          <a:fontRef idx="minor">
+            <a:schemeClr val="dk1"/>
+          </a:fontRef>
+        </p:style>
+        <p:txBody>
+          <a:bodyPr rtlCol="0" anchor="ctr"/>
+          <a:lstStyle/>
+          <a:p>
+            <a:r>
+              <a:rPr lang="fr-FR" sz="2400" dirty="0">
+                <a:solidFill>
+                  <a:schemeClr val="bg1">
+                    <a:lumMod val="95000"/>
+                  </a:schemeClr>
+                </a:solidFill>
+              </a:rPr>
+              <a:t>/3</a:t>
+            </a:r>
+          </a:p>
+        </p:txBody>
+      </p:sp>
+      <p:sp>
+        <p:nvSpPr>
+          <p:cNvPr id="49" name="Rectangle : coins arrondis 48">
+            <a:extLst>
+              <a:ext uri="{FF2B5EF4-FFF2-40B4-BE49-F238E27FC236}">
+                <a16:creationId xmlns:a16="http://schemas.microsoft.com/office/drawing/2014/main" id="{0D2E3A9D-3E6A-4270-9266-BC26970498D6}"/>
+              </a:ext>
+            </a:extLst>
+          </p:cNvPr>
+          <p:cNvSpPr/>
+          <p:nvPr/>
+        </p:nvSpPr>
+        <p:spPr>
+          <a:xfrm>
+            <a:off x="4309936" y="1449699"/>
+            <a:ext cx="939461" cy="412960"/>
+          </a:xfrm>
+          <a:prstGeom prst="roundRect">
+            <a:avLst/>
+          </a:prstGeom>
+          <a:solidFill>
+            <a:srgbClr val="262626"/>
+          </a:solidFill>
+          <a:ln>
+            <a:solidFill>
+              <a:schemeClr val="accent4">
+                <a:lumMod val="20000"/>
+                <a:lumOff val="80000"/>
+              </a:schemeClr>
+            </a:solidFill>
+          </a:ln>
+        </p:spPr>
+        <p:style>
+          <a:lnRef idx="2">
+            <a:schemeClr val="accent1">
+              <a:shade val="50000"/>
+            </a:schemeClr>
+          </a:lnRef>
+          <a:fillRef idx="1">
+            <a:schemeClr val="accent1"/>
+          </a:fillRef>
+          <a:effectRef idx="0">
+            <a:schemeClr val="accent1"/>
+          </a:effectRef>
+          <a:fontRef idx="minor">
+            <a:schemeClr val="lt1"/>
+          </a:fontRef>
+        </p:style>
+        <p:txBody>
+          <a:bodyPr rtlCol="0" anchor="ctr"/>
+          <a:lstStyle/>
+          <a:p>
+            <a:pPr algn="ctr"/>
+            <a:endParaRPr lang="fr-FR"/>
+          </a:p>
+        </p:txBody>
+      </p:sp>
+    </p:spTree>
+    <p:extLst>
+      <p:ext uri="{BB962C8B-B14F-4D97-AF65-F5344CB8AC3E}">
+        <p14:creationId xmlns:p14="http://schemas.microsoft.com/office/powerpoint/2010/main" val="239005113"/>
+      </p:ext>
+    </p:extLst>
+  </p:cSld>
+  <p:clrMapOvr>
+    <a:masterClrMapping/>
+  </p:clrMapOvr>
+</p:sld>
+</file>
+
+<file path=ppt/slides/slide4.xml><?xml version="1.0" encoding="utf-8"?>
 <p:sld xmlns:a="http://schemas.openxmlformats.org/drawingml/2006/main" xmlns:r="http://schemas.openxmlformats.org/officeDocument/2006/relationships" xmlns:p="http://schemas.openxmlformats.org/presentationml/2006/main">
   <p:cSld>
     <p:spTree>
@@ -15538,7 +17866,7 @@
 </p:sld>
 </file>
 
-<file path=ppt/slides/slide4.xml><?xml version="1.0" encoding="utf-8"?>
+<file path=ppt/slides/slide5.xml><?xml version="1.0" encoding="utf-8"?>
 <p:sld xmlns:a="http://schemas.openxmlformats.org/drawingml/2006/main" xmlns:r="http://schemas.openxmlformats.org/officeDocument/2006/relationships" xmlns:p="http://schemas.openxmlformats.org/presentationml/2006/main">
   <p:cSld>
     <p:spTree>
@@ -15750,6 +18078,2852 @@
     <p:extLst>
       <p:ext uri="{BB962C8B-B14F-4D97-AF65-F5344CB8AC3E}">
         <p14:creationId xmlns:p14="http://schemas.microsoft.com/office/powerpoint/2010/main" val="2296476391"/>
+      </p:ext>
+    </p:extLst>
+  </p:cSld>
+  <p:clrMapOvr>
+    <a:masterClrMapping/>
+  </p:clrMapOvr>
+</p:sld>
+</file>
+
+<file path=ppt/slides/slide6.xml><?xml version="1.0" encoding="utf-8"?>
+<p:sld xmlns:a="http://schemas.openxmlformats.org/drawingml/2006/main" xmlns:r="http://schemas.openxmlformats.org/officeDocument/2006/relationships" xmlns:p="http://schemas.openxmlformats.org/presentationml/2006/main">
+  <p:cSld>
+    <p:spTree>
+      <p:nvGrpSpPr>
+        <p:cNvPr id="1" name=""/>
+        <p:cNvGrpSpPr/>
+        <p:nvPr/>
+      </p:nvGrpSpPr>
+      <p:grpSpPr>
+        <a:xfrm>
+          <a:off x="0" y="0"/>
+          <a:ext cx="0" cy="0"/>
+          <a:chOff x="0" y="0"/>
+          <a:chExt cx="0" cy="0"/>
+        </a:xfrm>
+      </p:grpSpPr>
+      <p:grpSp>
+        <p:nvGrpSpPr>
+          <p:cNvPr id="4" name="Groupe 3">
+            <a:extLst>
+              <a:ext uri="{FF2B5EF4-FFF2-40B4-BE49-F238E27FC236}">
+                <a16:creationId xmlns:a16="http://schemas.microsoft.com/office/drawing/2014/main" id="{FBDF9ECD-34EB-4D7C-BD7F-0E0FF0989AA9}"/>
+              </a:ext>
+            </a:extLst>
+          </p:cNvPr>
+          <p:cNvGrpSpPr/>
+          <p:nvPr/>
+        </p:nvGrpSpPr>
+        <p:grpSpPr>
+          <a:xfrm>
+            <a:off x="1" y="0"/>
+            <a:ext cx="3600000" cy="3600000"/>
+            <a:chOff x="1996751" y="1091682"/>
+            <a:chExt cx="3600000" cy="3600000"/>
+          </a:xfrm>
+        </p:grpSpPr>
+        <p:grpSp>
+          <p:nvGrpSpPr>
+            <p:cNvPr id="5" name="Groupe 4">
+              <a:extLst>
+                <a:ext uri="{FF2B5EF4-FFF2-40B4-BE49-F238E27FC236}">
+                  <a16:creationId xmlns:a16="http://schemas.microsoft.com/office/drawing/2014/main" id="{19E30667-E35F-4B86-881E-572F4AA4321C}"/>
+                </a:ext>
+              </a:extLst>
+            </p:cNvPr>
+            <p:cNvGrpSpPr/>
+            <p:nvPr/>
+          </p:nvGrpSpPr>
+          <p:grpSpPr>
+            <a:xfrm>
+              <a:off x="1996751" y="1091682"/>
+              <a:ext cx="3600000" cy="3600000"/>
+              <a:chOff x="1996751" y="1091682"/>
+              <a:chExt cx="3600000" cy="3600000"/>
+            </a:xfrm>
+          </p:grpSpPr>
+          <p:sp>
+            <p:nvSpPr>
+              <p:cNvPr id="10" name="Rectangle : coins arrondis 9">
+                <a:extLst>
+                  <a:ext uri="{FF2B5EF4-FFF2-40B4-BE49-F238E27FC236}">
+                    <a16:creationId xmlns:a16="http://schemas.microsoft.com/office/drawing/2014/main" id="{D238F1DF-4410-4EC3-820E-B69B6367C0EA}"/>
+                  </a:ext>
+                </a:extLst>
+              </p:cNvPr>
+              <p:cNvSpPr/>
+              <p:nvPr/>
+            </p:nvSpPr>
+            <p:spPr>
+              <a:xfrm>
+                <a:off x="1996751" y="1091682"/>
+                <a:ext cx="3600000" cy="3600000"/>
+              </a:xfrm>
+              <a:prstGeom prst="roundRect">
+                <a:avLst/>
+              </a:prstGeom>
+            </p:spPr>
+            <p:style>
+              <a:lnRef idx="3">
+                <a:schemeClr val="lt1"/>
+              </a:lnRef>
+              <a:fillRef idx="1">
+                <a:schemeClr val="accent3"/>
+              </a:fillRef>
+              <a:effectRef idx="1">
+                <a:schemeClr val="accent3"/>
+              </a:effectRef>
+              <a:fontRef idx="minor">
+                <a:schemeClr val="lt1"/>
+              </a:fontRef>
+            </p:style>
+            <p:txBody>
+              <a:bodyPr rtlCol="0" anchor="ctr"/>
+              <a:lstStyle/>
+              <a:p>
+                <a:pPr algn="ctr"/>
+                <a:endParaRPr lang="fr-FR"/>
+              </a:p>
+            </p:txBody>
+          </p:sp>
+          <p:sp>
+            <p:nvSpPr>
+              <p:cNvPr id="11" name="Rectangle : coins arrondis 10">
+                <a:extLst>
+                  <a:ext uri="{FF2B5EF4-FFF2-40B4-BE49-F238E27FC236}">
+                    <a16:creationId xmlns:a16="http://schemas.microsoft.com/office/drawing/2014/main" id="{48042FF7-836C-48A9-BE94-767AAB030C23}"/>
+                  </a:ext>
+                </a:extLst>
+              </p:cNvPr>
+              <p:cNvSpPr/>
+              <p:nvPr/>
+            </p:nvSpPr>
+            <p:spPr>
+              <a:xfrm>
+                <a:off x="2086751" y="1181682"/>
+                <a:ext cx="3420000" cy="3420000"/>
+              </a:xfrm>
+              <a:prstGeom prst="roundRect">
+                <a:avLst/>
+              </a:prstGeom>
+              <a:solidFill>
+                <a:schemeClr val="tx1"/>
+              </a:solidFill>
+              <a:ln>
+                <a:noFill/>
+              </a:ln>
+            </p:spPr>
+            <p:style>
+              <a:lnRef idx="3">
+                <a:schemeClr val="lt1"/>
+              </a:lnRef>
+              <a:fillRef idx="1">
+                <a:schemeClr val="accent3"/>
+              </a:fillRef>
+              <a:effectRef idx="1">
+                <a:schemeClr val="accent3"/>
+              </a:effectRef>
+              <a:fontRef idx="minor">
+                <a:schemeClr val="lt1"/>
+              </a:fontRef>
+            </p:style>
+            <p:txBody>
+              <a:bodyPr rtlCol="0" anchor="ctr"/>
+              <a:lstStyle/>
+              <a:p>
+                <a:pPr algn="ctr"/>
+                <a:endParaRPr lang="fr-FR"/>
+              </a:p>
+            </p:txBody>
+          </p:sp>
+        </p:grpSp>
+        <p:sp>
+          <p:nvSpPr>
+            <p:cNvPr id="6" name="Rectangle : coins arrondis 5">
+              <a:extLst>
+                <a:ext uri="{FF2B5EF4-FFF2-40B4-BE49-F238E27FC236}">
+                  <a16:creationId xmlns:a16="http://schemas.microsoft.com/office/drawing/2014/main" id="{C9B203F2-151E-455E-A639-E6E6025293DA}"/>
+                </a:ext>
+              </a:extLst>
+            </p:cNvPr>
+            <p:cNvSpPr/>
+            <p:nvPr/>
+          </p:nvSpPr>
+          <p:spPr>
+            <a:xfrm>
+              <a:off x="4260012" y="4086808"/>
+              <a:ext cx="522318" cy="298580"/>
+            </a:xfrm>
+            <a:prstGeom prst="roundRect">
+              <a:avLst/>
+            </a:prstGeom>
+            <a:ln/>
+          </p:spPr>
+          <p:style>
+            <a:lnRef idx="1">
+              <a:schemeClr val="accent3"/>
+            </a:lnRef>
+            <a:fillRef idx="2">
+              <a:schemeClr val="accent3"/>
+            </a:fillRef>
+            <a:effectRef idx="1">
+              <a:schemeClr val="accent3"/>
+            </a:effectRef>
+            <a:fontRef idx="minor">
+              <a:schemeClr val="dk1"/>
+            </a:fontRef>
+          </p:style>
+          <p:txBody>
+            <a:bodyPr rtlCol="0" anchor="ctr"/>
+            <a:lstStyle/>
+            <a:p>
+              <a:pPr algn="ctr"/>
+              <a:endParaRPr lang="fr-FR"/>
+            </a:p>
+          </p:txBody>
+        </p:sp>
+        <p:sp>
+          <p:nvSpPr>
+            <p:cNvPr id="7" name="Rectangle : coins arrondis 6">
+              <a:extLst>
+                <a:ext uri="{FF2B5EF4-FFF2-40B4-BE49-F238E27FC236}">
+                  <a16:creationId xmlns:a16="http://schemas.microsoft.com/office/drawing/2014/main" id="{506B0956-513D-4961-8C72-EE54CAFD8056}"/>
+                </a:ext>
+              </a:extLst>
+            </p:cNvPr>
+            <p:cNvSpPr/>
+            <p:nvPr/>
+          </p:nvSpPr>
+          <p:spPr>
+            <a:xfrm>
+              <a:off x="3535592" y="4086808"/>
+              <a:ext cx="522318" cy="298580"/>
+            </a:xfrm>
+            <a:prstGeom prst="roundRect">
+              <a:avLst/>
+            </a:prstGeom>
+            <a:ln/>
+          </p:spPr>
+          <p:style>
+            <a:lnRef idx="1">
+              <a:schemeClr val="accent3"/>
+            </a:lnRef>
+            <a:fillRef idx="2">
+              <a:schemeClr val="accent3"/>
+            </a:fillRef>
+            <a:effectRef idx="1">
+              <a:schemeClr val="accent3"/>
+            </a:effectRef>
+            <a:fontRef idx="minor">
+              <a:schemeClr val="dk1"/>
+            </a:fontRef>
+          </p:style>
+          <p:txBody>
+            <a:bodyPr rtlCol="0" anchor="ctr"/>
+            <a:lstStyle/>
+            <a:p>
+              <a:pPr algn="ctr"/>
+              <a:endParaRPr lang="fr-FR"/>
+            </a:p>
+          </p:txBody>
+        </p:sp>
+        <p:sp>
+          <p:nvSpPr>
+            <p:cNvPr id="8" name="Rectangle : coins arrondis 7">
+              <a:extLst>
+                <a:ext uri="{FF2B5EF4-FFF2-40B4-BE49-F238E27FC236}">
+                  <a16:creationId xmlns:a16="http://schemas.microsoft.com/office/drawing/2014/main" id="{80EC27A6-A200-48BB-95C7-7F69581AFBC9}"/>
+                </a:ext>
+              </a:extLst>
+            </p:cNvPr>
+            <p:cNvSpPr/>
+            <p:nvPr/>
+          </p:nvSpPr>
+          <p:spPr>
+            <a:xfrm>
+              <a:off x="2811171" y="4086808"/>
+              <a:ext cx="522318" cy="298580"/>
+            </a:xfrm>
+            <a:prstGeom prst="roundRect">
+              <a:avLst/>
+            </a:prstGeom>
+            <a:ln/>
+          </p:spPr>
+          <p:style>
+            <a:lnRef idx="1">
+              <a:schemeClr val="accent3"/>
+            </a:lnRef>
+            <a:fillRef idx="2">
+              <a:schemeClr val="accent3"/>
+            </a:fillRef>
+            <a:effectRef idx="1">
+              <a:schemeClr val="accent3"/>
+            </a:effectRef>
+            <a:fontRef idx="minor">
+              <a:schemeClr val="dk1"/>
+            </a:fontRef>
+          </p:style>
+          <p:txBody>
+            <a:bodyPr rtlCol="0" anchor="ctr"/>
+            <a:lstStyle/>
+            <a:p>
+              <a:pPr algn="ctr"/>
+              <a:endParaRPr lang="fr-FR"/>
+            </a:p>
+          </p:txBody>
+        </p:sp>
+        <p:sp>
+          <p:nvSpPr>
+            <p:cNvPr id="9" name="Rectangle 8">
+              <a:extLst>
+                <a:ext uri="{FF2B5EF4-FFF2-40B4-BE49-F238E27FC236}">
+                  <a16:creationId xmlns:a16="http://schemas.microsoft.com/office/drawing/2014/main" id="{DCD15076-9A93-4198-A93C-1F22B23FEF20}"/>
+                </a:ext>
+              </a:extLst>
+            </p:cNvPr>
+            <p:cNvSpPr/>
+            <p:nvPr/>
+          </p:nvSpPr>
+          <p:spPr>
+            <a:xfrm>
+              <a:off x="2286000" y="1772817"/>
+              <a:ext cx="3013788" cy="2097697"/>
+            </a:xfrm>
+            <a:prstGeom prst="rect">
+              <a:avLst/>
+            </a:prstGeom>
+            <a:solidFill>
+              <a:schemeClr val="tx1">
+                <a:lumMod val="85000"/>
+                <a:lumOff val="15000"/>
+              </a:schemeClr>
+            </a:solidFill>
+            <a:ln>
+              <a:noFill/>
+            </a:ln>
+          </p:spPr>
+          <p:style>
+            <a:lnRef idx="2">
+              <a:schemeClr val="accent1">
+                <a:shade val="50000"/>
+              </a:schemeClr>
+            </a:lnRef>
+            <a:fillRef idx="1">
+              <a:schemeClr val="accent1"/>
+            </a:fillRef>
+            <a:effectRef idx="0">
+              <a:schemeClr val="accent1"/>
+            </a:effectRef>
+            <a:fontRef idx="minor">
+              <a:schemeClr val="lt1"/>
+            </a:fontRef>
+          </p:style>
+          <p:txBody>
+            <a:bodyPr rtlCol="0" anchor="ctr"/>
+            <a:lstStyle/>
+            <a:p>
+              <a:pPr algn="ctr"/>
+              <a:endParaRPr lang="fr-FR"/>
+            </a:p>
+          </p:txBody>
+        </p:sp>
+      </p:grpSp>
+      <p:sp>
+        <p:nvSpPr>
+          <p:cNvPr id="12" name="Rectangle 11">
+            <a:extLst>
+              <a:ext uri="{FF2B5EF4-FFF2-40B4-BE49-F238E27FC236}">
+                <a16:creationId xmlns:a16="http://schemas.microsoft.com/office/drawing/2014/main" id="{6081F7F8-D157-45C8-9BA3-CCCB49C64596}"/>
+              </a:ext>
+            </a:extLst>
+          </p:cNvPr>
+          <p:cNvSpPr/>
+          <p:nvPr/>
+        </p:nvSpPr>
+        <p:spPr>
+          <a:xfrm>
+            <a:off x="289250" y="681135"/>
+            <a:ext cx="3013788" cy="340529"/>
+          </a:xfrm>
+          <a:prstGeom prst="rect">
+            <a:avLst/>
+          </a:prstGeom>
+          <a:solidFill>
+            <a:schemeClr val="tx1">
+              <a:lumMod val="85000"/>
+              <a:lumOff val="15000"/>
+            </a:schemeClr>
+          </a:solidFill>
+          <a:ln>
+            <a:noFill/>
+          </a:ln>
+        </p:spPr>
+        <p:style>
+          <a:lnRef idx="2">
+            <a:schemeClr val="accent1">
+              <a:shade val="50000"/>
+            </a:schemeClr>
+          </a:lnRef>
+          <a:fillRef idx="1">
+            <a:schemeClr val="accent1"/>
+          </a:fillRef>
+          <a:effectRef idx="0">
+            <a:schemeClr val="accent1"/>
+          </a:effectRef>
+          <a:fontRef idx="minor">
+            <a:schemeClr val="lt1"/>
+          </a:fontRef>
+        </p:style>
+        <p:txBody>
+          <a:bodyPr rtlCol="0" anchor="ctr"/>
+          <a:lstStyle/>
+          <a:p>
+            <a:pPr algn="ctr"/>
+            <a:r>
+              <a:rPr lang="fr-FR" dirty="0"/>
+              <a:t>OPTION :</a:t>
+            </a:r>
+          </a:p>
+        </p:txBody>
+      </p:sp>
+      <p:sp>
+        <p:nvSpPr>
+          <p:cNvPr id="13" name="Rectangle : coins arrondis 12">
+            <a:extLst>
+              <a:ext uri="{FF2B5EF4-FFF2-40B4-BE49-F238E27FC236}">
+                <a16:creationId xmlns:a16="http://schemas.microsoft.com/office/drawing/2014/main" id="{39D12DB0-F034-4F9A-9586-2B3C031D533A}"/>
+              </a:ext>
+            </a:extLst>
+          </p:cNvPr>
+          <p:cNvSpPr/>
+          <p:nvPr/>
+        </p:nvSpPr>
+        <p:spPr>
+          <a:xfrm>
+            <a:off x="428980" y="962175"/>
+            <a:ext cx="2333430" cy="340529"/>
+          </a:xfrm>
+          <a:prstGeom prst="roundRect">
+            <a:avLst/>
+          </a:prstGeom>
+          <a:ln/>
+        </p:spPr>
+        <p:style>
+          <a:lnRef idx="1">
+            <a:schemeClr val="accent3"/>
+          </a:lnRef>
+          <a:fillRef idx="2">
+            <a:schemeClr val="accent3"/>
+          </a:fillRef>
+          <a:effectRef idx="1">
+            <a:schemeClr val="accent3"/>
+          </a:effectRef>
+          <a:fontRef idx="minor">
+            <a:schemeClr val="dk1"/>
+          </a:fontRef>
+        </p:style>
+        <p:txBody>
+          <a:bodyPr rtlCol="0" anchor="ctr"/>
+          <a:lstStyle/>
+          <a:p>
+            <a:pPr algn="ctr"/>
+            <a:endParaRPr lang="fr-FR"/>
+          </a:p>
+        </p:txBody>
+      </p:sp>
+      <p:sp>
+        <p:nvSpPr>
+          <p:cNvPr id="14" name="Rectangle : coins arrondis 13">
+            <a:extLst>
+              <a:ext uri="{FF2B5EF4-FFF2-40B4-BE49-F238E27FC236}">
+                <a16:creationId xmlns:a16="http://schemas.microsoft.com/office/drawing/2014/main" id="{6D31AFD3-A39D-4F58-9292-12F54CF0A0CA}"/>
+              </a:ext>
+            </a:extLst>
+          </p:cNvPr>
+          <p:cNvSpPr/>
+          <p:nvPr/>
+        </p:nvSpPr>
+        <p:spPr>
+          <a:xfrm>
+            <a:off x="452148" y="1299211"/>
+            <a:ext cx="2287099" cy="301777"/>
+          </a:xfrm>
+          <a:prstGeom prst="roundRect">
+            <a:avLst/>
+          </a:prstGeom>
+          <a:solidFill>
+            <a:schemeClr val="tx1">
+              <a:lumMod val="75000"/>
+              <a:lumOff val="25000"/>
+            </a:schemeClr>
+          </a:solidFill>
+          <a:ln>
+            <a:noFill/>
+          </a:ln>
+        </p:spPr>
+        <p:style>
+          <a:lnRef idx="1">
+            <a:schemeClr val="accent3"/>
+          </a:lnRef>
+          <a:fillRef idx="2">
+            <a:schemeClr val="accent3"/>
+          </a:fillRef>
+          <a:effectRef idx="1">
+            <a:schemeClr val="accent3"/>
+          </a:effectRef>
+          <a:fontRef idx="minor">
+            <a:schemeClr val="dk1"/>
+          </a:fontRef>
+        </p:style>
+        <p:txBody>
+          <a:bodyPr rtlCol="0" anchor="ctr"/>
+          <a:lstStyle/>
+          <a:p>
+            <a:r>
+              <a:rPr lang="fr-FR" dirty="0">
+                <a:solidFill>
+                  <a:schemeClr val="bg1">
+                    <a:lumMod val="95000"/>
+                  </a:schemeClr>
+                </a:solidFill>
+              </a:rPr>
+              <a:t>Surface limite …</a:t>
+            </a:r>
+          </a:p>
+        </p:txBody>
+      </p:sp>
+      <p:sp>
+        <p:nvSpPr>
+          <p:cNvPr id="15" name="Rectangle : coins arrondis 14">
+            <a:extLst>
+              <a:ext uri="{FF2B5EF4-FFF2-40B4-BE49-F238E27FC236}">
+                <a16:creationId xmlns:a16="http://schemas.microsoft.com/office/drawing/2014/main" id="{D39B4985-CA88-4237-9920-E9B78C81D1A4}"/>
+              </a:ext>
+            </a:extLst>
+          </p:cNvPr>
+          <p:cNvSpPr/>
+          <p:nvPr/>
+        </p:nvSpPr>
+        <p:spPr>
+          <a:xfrm>
+            <a:off x="452148" y="980837"/>
+            <a:ext cx="2287099" cy="301777"/>
+          </a:xfrm>
+          <a:prstGeom prst="roundRect">
+            <a:avLst/>
+          </a:prstGeom>
+          <a:solidFill>
+            <a:schemeClr val="tx1">
+              <a:lumMod val="75000"/>
+              <a:lumOff val="25000"/>
+            </a:schemeClr>
+          </a:solidFill>
+          <a:ln>
+            <a:noFill/>
+          </a:ln>
+        </p:spPr>
+        <p:style>
+          <a:lnRef idx="1">
+            <a:schemeClr val="accent3"/>
+          </a:lnRef>
+          <a:fillRef idx="2">
+            <a:schemeClr val="accent3"/>
+          </a:fillRef>
+          <a:effectRef idx="1">
+            <a:schemeClr val="accent3"/>
+          </a:effectRef>
+          <a:fontRef idx="minor">
+            <a:schemeClr val="dk1"/>
+          </a:fontRef>
+        </p:style>
+        <p:txBody>
+          <a:bodyPr rtlCol="0" anchor="ctr"/>
+          <a:lstStyle/>
+          <a:p>
+            <a:r>
+              <a:rPr lang="fr-FR" dirty="0">
+                <a:solidFill>
+                  <a:schemeClr val="bg1">
+                    <a:lumMod val="95000"/>
+                  </a:schemeClr>
+                </a:solidFill>
+              </a:rPr>
+              <a:t>compte auto : </a:t>
+            </a:r>
+            <a:r>
+              <a:rPr lang="fr-FR" dirty="0" err="1">
+                <a:solidFill>
+                  <a:srgbClr val="00B050"/>
+                </a:solidFill>
+              </a:rPr>
+              <a:t>true</a:t>
+            </a:r>
+            <a:endParaRPr lang="fr-FR" dirty="0">
+              <a:solidFill>
+                <a:srgbClr val="00B050"/>
+              </a:solidFill>
+            </a:endParaRPr>
+          </a:p>
+        </p:txBody>
+      </p:sp>
+      <p:sp>
+        <p:nvSpPr>
+          <p:cNvPr id="16" name="Rectangle : coins arrondis 15">
+            <a:extLst>
+              <a:ext uri="{FF2B5EF4-FFF2-40B4-BE49-F238E27FC236}">
+                <a16:creationId xmlns:a16="http://schemas.microsoft.com/office/drawing/2014/main" id="{B1801034-A101-48B2-8E84-80A98D72FED2}"/>
+              </a:ext>
+            </a:extLst>
+          </p:cNvPr>
+          <p:cNvSpPr/>
+          <p:nvPr/>
+        </p:nvSpPr>
+        <p:spPr>
+          <a:xfrm>
+            <a:off x="452147" y="1621771"/>
+            <a:ext cx="2287099" cy="301777"/>
+          </a:xfrm>
+          <a:prstGeom prst="roundRect">
+            <a:avLst/>
+          </a:prstGeom>
+          <a:solidFill>
+            <a:schemeClr val="tx1">
+              <a:lumMod val="75000"/>
+              <a:lumOff val="25000"/>
+            </a:schemeClr>
+          </a:solidFill>
+          <a:ln>
+            <a:noFill/>
+          </a:ln>
+        </p:spPr>
+        <p:style>
+          <a:lnRef idx="1">
+            <a:schemeClr val="accent3"/>
+          </a:lnRef>
+          <a:fillRef idx="2">
+            <a:schemeClr val="accent3"/>
+          </a:fillRef>
+          <a:effectRef idx="1">
+            <a:schemeClr val="accent3"/>
+          </a:effectRef>
+          <a:fontRef idx="minor">
+            <a:schemeClr val="dk1"/>
+          </a:fontRef>
+        </p:style>
+        <p:txBody>
+          <a:bodyPr rtlCol="0" anchor="ctr"/>
+          <a:lstStyle/>
+          <a:p>
+            <a:r>
+              <a:rPr lang="fr-FR" dirty="0">
+                <a:solidFill>
+                  <a:schemeClr val="bg1">
+                    <a:lumMod val="95000"/>
+                  </a:schemeClr>
+                </a:solidFill>
+              </a:rPr>
+              <a:t>Compteur…</a:t>
+            </a:r>
+          </a:p>
+        </p:txBody>
+      </p:sp>
+      <p:sp>
+        <p:nvSpPr>
+          <p:cNvPr id="17" name="Rectangle : coins arrondis 16">
+            <a:extLst>
+              <a:ext uri="{FF2B5EF4-FFF2-40B4-BE49-F238E27FC236}">
+                <a16:creationId xmlns:a16="http://schemas.microsoft.com/office/drawing/2014/main" id="{CAD55DDA-8671-4A8B-BA9A-B3C391989E55}"/>
+              </a:ext>
+            </a:extLst>
+          </p:cNvPr>
+          <p:cNvSpPr/>
+          <p:nvPr/>
+        </p:nvSpPr>
+        <p:spPr>
+          <a:xfrm>
+            <a:off x="452146" y="1940145"/>
+            <a:ext cx="2287099" cy="301777"/>
+          </a:xfrm>
+          <a:prstGeom prst="roundRect">
+            <a:avLst/>
+          </a:prstGeom>
+          <a:solidFill>
+            <a:schemeClr val="tx1">
+              <a:lumMod val="75000"/>
+              <a:lumOff val="25000"/>
+            </a:schemeClr>
+          </a:solidFill>
+          <a:ln>
+            <a:noFill/>
+          </a:ln>
+        </p:spPr>
+        <p:style>
+          <a:lnRef idx="1">
+            <a:schemeClr val="accent3"/>
+          </a:lnRef>
+          <a:fillRef idx="2">
+            <a:schemeClr val="accent3"/>
+          </a:fillRef>
+          <a:effectRef idx="1">
+            <a:schemeClr val="accent3"/>
+          </a:effectRef>
+          <a:fontRef idx="minor">
+            <a:schemeClr val="dk1"/>
+          </a:fontRef>
+        </p:style>
+        <p:txBody>
+          <a:bodyPr rtlCol="0" anchor="ctr"/>
+          <a:lstStyle/>
+          <a:p>
+            <a:r>
+              <a:rPr lang="fr-FR" dirty="0">
+                <a:solidFill>
+                  <a:schemeClr val="bg1">
+                    <a:lumMod val="95000"/>
+                  </a:schemeClr>
+                </a:solidFill>
+              </a:rPr>
+              <a:t>Distance…</a:t>
+            </a:r>
+          </a:p>
+        </p:txBody>
+      </p:sp>
+      <p:sp>
+        <p:nvSpPr>
+          <p:cNvPr id="18" name="Rectangle : coins arrondis 17">
+            <a:extLst>
+              <a:ext uri="{FF2B5EF4-FFF2-40B4-BE49-F238E27FC236}">
+                <a16:creationId xmlns:a16="http://schemas.microsoft.com/office/drawing/2014/main" id="{5982092B-DD43-43B7-9AE1-BCE0310D05C5}"/>
+              </a:ext>
+            </a:extLst>
+          </p:cNvPr>
+          <p:cNvSpPr/>
+          <p:nvPr/>
+        </p:nvSpPr>
+        <p:spPr>
+          <a:xfrm>
+            <a:off x="814421" y="2429025"/>
+            <a:ext cx="515128" cy="301777"/>
+          </a:xfrm>
+          <a:prstGeom prst="roundRect">
+            <a:avLst/>
+          </a:prstGeom>
+          <a:solidFill>
+            <a:schemeClr val="tx1">
+              <a:lumMod val="75000"/>
+              <a:lumOff val="25000"/>
+            </a:schemeClr>
+          </a:solidFill>
+          <a:ln>
+            <a:noFill/>
+          </a:ln>
+        </p:spPr>
+        <p:style>
+          <a:lnRef idx="1">
+            <a:schemeClr val="accent3"/>
+          </a:lnRef>
+          <a:fillRef idx="2">
+            <a:schemeClr val="accent3"/>
+          </a:fillRef>
+          <a:effectRef idx="1">
+            <a:schemeClr val="accent3"/>
+          </a:effectRef>
+          <a:fontRef idx="minor">
+            <a:schemeClr val="dk1"/>
+          </a:fontRef>
+        </p:style>
+        <p:txBody>
+          <a:bodyPr rtlCol="0" anchor="ctr"/>
+          <a:lstStyle/>
+          <a:p>
+            <a:pPr algn="ctr"/>
+            <a:r>
+              <a:rPr lang="fr-FR" sz="1200" dirty="0" err="1">
+                <a:solidFill>
+                  <a:schemeClr val="bg1">
+                    <a:lumMod val="95000"/>
+                  </a:schemeClr>
+                </a:solidFill>
+              </a:rPr>
+              <a:t>Suiv</a:t>
+            </a:r>
+            <a:r>
+              <a:rPr lang="fr-FR" sz="1200" dirty="0">
+                <a:solidFill>
+                  <a:schemeClr val="bg1">
+                    <a:lumMod val="95000"/>
+                  </a:schemeClr>
+                </a:solidFill>
+              </a:rPr>
+              <a:t>.</a:t>
+            </a:r>
+          </a:p>
+        </p:txBody>
+      </p:sp>
+      <p:sp>
+        <p:nvSpPr>
+          <p:cNvPr id="19" name="Rectangle : coins arrondis 18">
+            <a:extLst>
+              <a:ext uri="{FF2B5EF4-FFF2-40B4-BE49-F238E27FC236}">
+                <a16:creationId xmlns:a16="http://schemas.microsoft.com/office/drawing/2014/main" id="{2DFE718D-13B9-482C-BC07-2AD192615E73}"/>
+              </a:ext>
+            </a:extLst>
+          </p:cNvPr>
+          <p:cNvSpPr/>
+          <p:nvPr/>
+        </p:nvSpPr>
+        <p:spPr>
+          <a:xfrm>
+            <a:off x="1552774" y="2429025"/>
+            <a:ext cx="515128" cy="301777"/>
+          </a:xfrm>
+          <a:prstGeom prst="roundRect">
+            <a:avLst/>
+          </a:prstGeom>
+          <a:solidFill>
+            <a:schemeClr val="tx1">
+              <a:lumMod val="75000"/>
+              <a:lumOff val="25000"/>
+            </a:schemeClr>
+          </a:solidFill>
+          <a:ln>
+            <a:noFill/>
+          </a:ln>
+        </p:spPr>
+        <p:style>
+          <a:lnRef idx="1">
+            <a:schemeClr val="accent3"/>
+          </a:lnRef>
+          <a:fillRef idx="2">
+            <a:schemeClr val="accent3"/>
+          </a:fillRef>
+          <a:effectRef idx="1">
+            <a:schemeClr val="accent3"/>
+          </a:effectRef>
+          <a:fontRef idx="minor">
+            <a:schemeClr val="dk1"/>
+          </a:fontRef>
+        </p:style>
+        <p:txBody>
+          <a:bodyPr rtlCol="0" anchor="ctr"/>
+          <a:lstStyle/>
+          <a:p>
+            <a:pPr algn="ctr"/>
+            <a:r>
+              <a:rPr lang="fr-FR" sz="1200" dirty="0">
+                <a:solidFill>
+                  <a:schemeClr val="bg1">
+                    <a:lumMod val="95000"/>
+                  </a:schemeClr>
+                </a:solidFill>
+              </a:rPr>
+              <a:t>OK</a:t>
+            </a:r>
+          </a:p>
+        </p:txBody>
+      </p:sp>
+      <p:sp>
+        <p:nvSpPr>
+          <p:cNvPr id="20" name="Rectangle : coins arrondis 19">
+            <a:extLst>
+              <a:ext uri="{FF2B5EF4-FFF2-40B4-BE49-F238E27FC236}">
+                <a16:creationId xmlns:a16="http://schemas.microsoft.com/office/drawing/2014/main" id="{0E0C6291-5821-44E5-944F-ECD4EE51B50D}"/>
+              </a:ext>
+            </a:extLst>
+          </p:cNvPr>
+          <p:cNvSpPr/>
+          <p:nvPr/>
+        </p:nvSpPr>
+        <p:spPr>
+          <a:xfrm>
+            <a:off x="2270452" y="2429025"/>
+            <a:ext cx="515128" cy="301777"/>
+          </a:xfrm>
+          <a:prstGeom prst="roundRect">
+            <a:avLst/>
+          </a:prstGeom>
+          <a:solidFill>
+            <a:schemeClr val="tx1">
+              <a:lumMod val="75000"/>
+              <a:lumOff val="25000"/>
+            </a:schemeClr>
+          </a:solidFill>
+          <a:ln>
+            <a:noFill/>
+          </a:ln>
+        </p:spPr>
+        <p:style>
+          <a:lnRef idx="1">
+            <a:schemeClr val="accent3"/>
+          </a:lnRef>
+          <a:fillRef idx="2">
+            <a:schemeClr val="accent3"/>
+          </a:fillRef>
+          <a:effectRef idx="1">
+            <a:schemeClr val="accent3"/>
+          </a:effectRef>
+          <a:fontRef idx="minor">
+            <a:schemeClr val="dk1"/>
+          </a:fontRef>
+        </p:style>
+        <p:txBody>
+          <a:bodyPr rtlCol="0" anchor="ctr"/>
+          <a:lstStyle/>
+          <a:p>
+            <a:pPr algn="ctr"/>
+            <a:endParaRPr lang="fr-FR"/>
+          </a:p>
+        </p:txBody>
+      </p:sp>
+      <p:grpSp>
+        <p:nvGrpSpPr>
+          <p:cNvPr id="21" name="Groupe 20">
+            <a:extLst>
+              <a:ext uri="{FF2B5EF4-FFF2-40B4-BE49-F238E27FC236}">
+                <a16:creationId xmlns:a16="http://schemas.microsoft.com/office/drawing/2014/main" id="{2820FCC1-EB94-4C97-BBB2-9D2972497774}"/>
+              </a:ext>
+            </a:extLst>
+          </p:cNvPr>
+          <p:cNvGrpSpPr/>
+          <p:nvPr/>
+        </p:nvGrpSpPr>
+        <p:grpSpPr>
+          <a:xfrm>
+            <a:off x="0" y="3649283"/>
+            <a:ext cx="3600000" cy="3600000"/>
+            <a:chOff x="1996751" y="1091682"/>
+            <a:chExt cx="3600000" cy="3600000"/>
+          </a:xfrm>
+        </p:grpSpPr>
+        <p:grpSp>
+          <p:nvGrpSpPr>
+            <p:cNvPr id="22" name="Groupe 21">
+              <a:extLst>
+                <a:ext uri="{FF2B5EF4-FFF2-40B4-BE49-F238E27FC236}">
+                  <a16:creationId xmlns:a16="http://schemas.microsoft.com/office/drawing/2014/main" id="{83486C5D-902D-451C-BCD3-9B836C28487D}"/>
+                </a:ext>
+              </a:extLst>
+            </p:cNvPr>
+            <p:cNvGrpSpPr/>
+            <p:nvPr/>
+          </p:nvGrpSpPr>
+          <p:grpSpPr>
+            <a:xfrm>
+              <a:off x="1996751" y="1091682"/>
+              <a:ext cx="3600000" cy="3600000"/>
+              <a:chOff x="1996751" y="1091682"/>
+              <a:chExt cx="3600000" cy="3600000"/>
+            </a:xfrm>
+          </p:grpSpPr>
+          <p:sp>
+            <p:nvSpPr>
+              <p:cNvPr id="27" name="Rectangle : coins arrondis 26">
+                <a:extLst>
+                  <a:ext uri="{FF2B5EF4-FFF2-40B4-BE49-F238E27FC236}">
+                    <a16:creationId xmlns:a16="http://schemas.microsoft.com/office/drawing/2014/main" id="{556AD7EA-FAA0-43B3-A2AD-D304DA44D6A2}"/>
+                  </a:ext>
+                </a:extLst>
+              </p:cNvPr>
+              <p:cNvSpPr/>
+              <p:nvPr/>
+            </p:nvSpPr>
+            <p:spPr>
+              <a:xfrm>
+                <a:off x="1996751" y="1091682"/>
+                <a:ext cx="3600000" cy="3600000"/>
+              </a:xfrm>
+              <a:prstGeom prst="roundRect">
+                <a:avLst/>
+              </a:prstGeom>
+            </p:spPr>
+            <p:style>
+              <a:lnRef idx="3">
+                <a:schemeClr val="lt1"/>
+              </a:lnRef>
+              <a:fillRef idx="1">
+                <a:schemeClr val="accent3"/>
+              </a:fillRef>
+              <a:effectRef idx="1">
+                <a:schemeClr val="accent3"/>
+              </a:effectRef>
+              <a:fontRef idx="minor">
+                <a:schemeClr val="lt1"/>
+              </a:fontRef>
+            </p:style>
+            <p:txBody>
+              <a:bodyPr rtlCol="0" anchor="ctr"/>
+              <a:lstStyle/>
+              <a:p>
+                <a:pPr algn="ctr"/>
+                <a:endParaRPr lang="fr-FR"/>
+              </a:p>
+            </p:txBody>
+          </p:sp>
+          <p:sp>
+            <p:nvSpPr>
+              <p:cNvPr id="28" name="Rectangle : coins arrondis 27">
+                <a:extLst>
+                  <a:ext uri="{FF2B5EF4-FFF2-40B4-BE49-F238E27FC236}">
+                    <a16:creationId xmlns:a16="http://schemas.microsoft.com/office/drawing/2014/main" id="{FC7C10AE-4CA7-42C5-A085-A0AA171A1AB1}"/>
+                  </a:ext>
+                </a:extLst>
+              </p:cNvPr>
+              <p:cNvSpPr/>
+              <p:nvPr/>
+            </p:nvSpPr>
+            <p:spPr>
+              <a:xfrm>
+                <a:off x="2086751" y="1181682"/>
+                <a:ext cx="3420000" cy="3420000"/>
+              </a:xfrm>
+              <a:prstGeom prst="roundRect">
+                <a:avLst/>
+              </a:prstGeom>
+              <a:solidFill>
+                <a:schemeClr val="tx1"/>
+              </a:solidFill>
+              <a:ln>
+                <a:noFill/>
+              </a:ln>
+            </p:spPr>
+            <p:style>
+              <a:lnRef idx="3">
+                <a:schemeClr val="lt1"/>
+              </a:lnRef>
+              <a:fillRef idx="1">
+                <a:schemeClr val="accent3"/>
+              </a:fillRef>
+              <a:effectRef idx="1">
+                <a:schemeClr val="accent3"/>
+              </a:effectRef>
+              <a:fontRef idx="minor">
+                <a:schemeClr val="lt1"/>
+              </a:fontRef>
+            </p:style>
+            <p:txBody>
+              <a:bodyPr rtlCol="0" anchor="ctr"/>
+              <a:lstStyle/>
+              <a:p>
+                <a:pPr algn="ctr"/>
+                <a:endParaRPr lang="fr-FR"/>
+              </a:p>
+            </p:txBody>
+          </p:sp>
+        </p:grpSp>
+        <p:sp>
+          <p:nvSpPr>
+            <p:cNvPr id="23" name="Rectangle : coins arrondis 22">
+              <a:extLst>
+                <a:ext uri="{FF2B5EF4-FFF2-40B4-BE49-F238E27FC236}">
+                  <a16:creationId xmlns:a16="http://schemas.microsoft.com/office/drawing/2014/main" id="{E7C9CB7D-A320-4EF1-A753-8D93A8C504DD}"/>
+                </a:ext>
+              </a:extLst>
+            </p:cNvPr>
+            <p:cNvSpPr/>
+            <p:nvPr/>
+          </p:nvSpPr>
+          <p:spPr>
+            <a:xfrm>
+              <a:off x="4260012" y="4086808"/>
+              <a:ext cx="522318" cy="298580"/>
+            </a:xfrm>
+            <a:prstGeom prst="roundRect">
+              <a:avLst/>
+            </a:prstGeom>
+            <a:ln/>
+          </p:spPr>
+          <p:style>
+            <a:lnRef idx="1">
+              <a:schemeClr val="accent3"/>
+            </a:lnRef>
+            <a:fillRef idx="2">
+              <a:schemeClr val="accent3"/>
+            </a:fillRef>
+            <a:effectRef idx="1">
+              <a:schemeClr val="accent3"/>
+            </a:effectRef>
+            <a:fontRef idx="minor">
+              <a:schemeClr val="dk1"/>
+            </a:fontRef>
+          </p:style>
+          <p:txBody>
+            <a:bodyPr rtlCol="0" anchor="ctr"/>
+            <a:lstStyle/>
+            <a:p>
+              <a:pPr algn="ctr"/>
+              <a:endParaRPr lang="fr-FR"/>
+            </a:p>
+          </p:txBody>
+        </p:sp>
+        <p:sp>
+          <p:nvSpPr>
+            <p:cNvPr id="24" name="Rectangle : coins arrondis 23">
+              <a:extLst>
+                <a:ext uri="{FF2B5EF4-FFF2-40B4-BE49-F238E27FC236}">
+                  <a16:creationId xmlns:a16="http://schemas.microsoft.com/office/drawing/2014/main" id="{A52BFC30-B9BB-40DB-BAA7-D5F191B21998}"/>
+                </a:ext>
+              </a:extLst>
+            </p:cNvPr>
+            <p:cNvSpPr/>
+            <p:nvPr/>
+          </p:nvSpPr>
+          <p:spPr>
+            <a:xfrm>
+              <a:off x="3535592" y="4086808"/>
+              <a:ext cx="522318" cy="298580"/>
+            </a:xfrm>
+            <a:prstGeom prst="roundRect">
+              <a:avLst/>
+            </a:prstGeom>
+            <a:ln/>
+          </p:spPr>
+          <p:style>
+            <a:lnRef idx="1">
+              <a:schemeClr val="accent3"/>
+            </a:lnRef>
+            <a:fillRef idx="2">
+              <a:schemeClr val="accent3"/>
+            </a:fillRef>
+            <a:effectRef idx="1">
+              <a:schemeClr val="accent3"/>
+            </a:effectRef>
+            <a:fontRef idx="minor">
+              <a:schemeClr val="dk1"/>
+            </a:fontRef>
+          </p:style>
+          <p:txBody>
+            <a:bodyPr rtlCol="0" anchor="ctr"/>
+            <a:lstStyle/>
+            <a:p>
+              <a:pPr algn="ctr"/>
+              <a:endParaRPr lang="fr-FR"/>
+            </a:p>
+          </p:txBody>
+        </p:sp>
+        <p:sp>
+          <p:nvSpPr>
+            <p:cNvPr id="25" name="Rectangle : coins arrondis 24">
+              <a:extLst>
+                <a:ext uri="{FF2B5EF4-FFF2-40B4-BE49-F238E27FC236}">
+                  <a16:creationId xmlns:a16="http://schemas.microsoft.com/office/drawing/2014/main" id="{B4139E1D-ECF0-49F0-9853-0CA809F6EF44}"/>
+                </a:ext>
+              </a:extLst>
+            </p:cNvPr>
+            <p:cNvSpPr/>
+            <p:nvPr/>
+          </p:nvSpPr>
+          <p:spPr>
+            <a:xfrm>
+              <a:off x="2811171" y="4086808"/>
+              <a:ext cx="522318" cy="298580"/>
+            </a:xfrm>
+            <a:prstGeom prst="roundRect">
+              <a:avLst/>
+            </a:prstGeom>
+            <a:ln/>
+          </p:spPr>
+          <p:style>
+            <a:lnRef idx="1">
+              <a:schemeClr val="accent3"/>
+            </a:lnRef>
+            <a:fillRef idx="2">
+              <a:schemeClr val="accent3"/>
+            </a:fillRef>
+            <a:effectRef idx="1">
+              <a:schemeClr val="accent3"/>
+            </a:effectRef>
+            <a:fontRef idx="minor">
+              <a:schemeClr val="dk1"/>
+            </a:fontRef>
+          </p:style>
+          <p:txBody>
+            <a:bodyPr rtlCol="0" anchor="ctr"/>
+            <a:lstStyle/>
+            <a:p>
+              <a:pPr algn="ctr"/>
+              <a:endParaRPr lang="fr-FR"/>
+            </a:p>
+          </p:txBody>
+        </p:sp>
+        <p:sp>
+          <p:nvSpPr>
+            <p:cNvPr id="26" name="Rectangle 25">
+              <a:extLst>
+                <a:ext uri="{FF2B5EF4-FFF2-40B4-BE49-F238E27FC236}">
+                  <a16:creationId xmlns:a16="http://schemas.microsoft.com/office/drawing/2014/main" id="{B4325B02-71A8-4550-8FDC-04812CB27234}"/>
+                </a:ext>
+              </a:extLst>
+            </p:cNvPr>
+            <p:cNvSpPr/>
+            <p:nvPr/>
+          </p:nvSpPr>
+          <p:spPr>
+            <a:xfrm>
+              <a:off x="2286000" y="1772817"/>
+              <a:ext cx="3013788" cy="2097697"/>
+            </a:xfrm>
+            <a:prstGeom prst="rect">
+              <a:avLst/>
+            </a:prstGeom>
+            <a:solidFill>
+              <a:schemeClr val="tx1">
+                <a:lumMod val="85000"/>
+                <a:lumOff val="15000"/>
+              </a:schemeClr>
+            </a:solidFill>
+            <a:ln>
+              <a:noFill/>
+            </a:ln>
+          </p:spPr>
+          <p:style>
+            <a:lnRef idx="2">
+              <a:schemeClr val="accent1">
+                <a:shade val="50000"/>
+              </a:schemeClr>
+            </a:lnRef>
+            <a:fillRef idx="1">
+              <a:schemeClr val="accent1"/>
+            </a:fillRef>
+            <a:effectRef idx="0">
+              <a:schemeClr val="accent1"/>
+            </a:effectRef>
+            <a:fontRef idx="minor">
+              <a:schemeClr val="lt1"/>
+            </a:fontRef>
+          </p:style>
+          <p:txBody>
+            <a:bodyPr rtlCol="0" anchor="ctr"/>
+            <a:lstStyle/>
+            <a:p>
+              <a:pPr algn="ctr"/>
+              <a:endParaRPr lang="fr-FR"/>
+            </a:p>
+          </p:txBody>
+        </p:sp>
+      </p:grpSp>
+      <p:sp>
+        <p:nvSpPr>
+          <p:cNvPr id="29" name="Rectangle 28">
+            <a:extLst>
+              <a:ext uri="{FF2B5EF4-FFF2-40B4-BE49-F238E27FC236}">
+                <a16:creationId xmlns:a16="http://schemas.microsoft.com/office/drawing/2014/main" id="{E66A3591-7B23-457A-8CE7-8983F0AD4C59}"/>
+              </a:ext>
+            </a:extLst>
+          </p:cNvPr>
+          <p:cNvSpPr/>
+          <p:nvPr/>
+        </p:nvSpPr>
+        <p:spPr>
+          <a:xfrm>
+            <a:off x="289249" y="4330418"/>
+            <a:ext cx="3013788" cy="340529"/>
+          </a:xfrm>
+          <a:prstGeom prst="rect">
+            <a:avLst/>
+          </a:prstGeom>
+          <a:solidFill>
+            <a:schemeClr val="tx1">
+              <a:lumMod val="85000"/>
+              <a:lumOff val="15000"/>
+            </a:schemeClr>
+          </a:solidFill>
+          <a:ln>
+            <a:noFill/>
+          </a:ln>
+        </p:spPr>
+        <p:style>
+          <a:lnRef idx="2">
+            <a:schemeClr val="accent1">
+              <a:shade val="50000"/>
+            </a:schemeClr>
+          </a:lnRef>
+          <a:fillRef idx="1">
+            <a:schemeClr val="accent1"/>
+          </a:fillRef>
+          <a:effectRef idx="0">
+            <a:schemeClr val="accent1"/>
+          </a:effectRef>
+          <a:fontRef idx="minor">
+            <a:schemeClr val="lt1"/>
+          </a:fontRef>
+        </p:style>
+        <p:txBody>
+          <a:bodyPr rtlCol="0" anchor="ctr"/>
+          <a:lstStyle/>
+          <a:p>
+            <a:pPr algn="ctr"/>
+            <a:r>
+              <a:rPr lang="fr-FR" dirty="0"/>
+              <a:t>OPTION :</a:t>
+            </a:r>
+          </a:p>
+        </p:txBody>
+      </p:sp>
+      <p:sp>
+        <p:nvSpPr>
+          <p:cNvPr id="30" name="Rectangle : coins arrondis 29">
+            <a:extLst>
+              <a:ext uri="{FF2B5EF4-FFF2-40B4-BE49-F238E27FC236}">
+                <a16:creationId xmlns:a16="http://schemas.microsoft.com/office/drawing/2014/main" id="{8D0615AB-430E-42C0-AA0C-AD9D79BE517A}"/>
+              </a:ext>
+            </a:extLst>
+          </p:cNvPr>
+          <p:cNvSpPr/>
+          <p:nvPr/>
+        </p:nvSpPr>
+        <p:spPr>
+          <a:xfrm>
+            <a:off x="428979" y="4928692"/>
+            <a:ext cx="2333430" cy="340529"/>
+          </a:xfrm>
+          <a:prstGeom prst="roundRect">
+            <a:avLst/>
+          </a:prstGeom>
+          <a:ln/>
+        </p:spPr>
+        <p:style>
+          <a:lnRef idx="1">
+            <a:schemeClr val="accent3"/>
+          </a:lnRef>
+          <a:fillRef idx="2">
+            <a:schemeClr val="accent3"/>
+          </a:fillRef>
+          <a:effectRef idx="1">
+            <a:schemeClr val="accent3"/>
+          </a:effectRef>
+          <a:fontRef idx="minor">
+            <a:schemeClr val="dk1"/>
+          </a:fontRef>
+        </p:style>
+        <p:txBody>
+          <a:bodyPr rtlCol="0" anchor="ctr"/>
+          <a:lstStyle/>
+          <a:p>
+            <a:pPr algn="ctr"/>
+            <a:endParaRPr lang="fr-FR"/>
+          </a:p>
+        </p:txBody>
+      </p:sp>
+      <p:sp>
+        <p:nvSpPr>
+          <p:cNvPr id="31" name="Rectangle : coins arrondis 30">
+            <a:extLst>
+              <a:ext uri="{FF2B5EF4-FFF2-40B4-BE49-F238E27FC236}">
+                <a16:creationId xmlns:a16="http://schemas.microsoft.com/office/drawing/2014/main" id="{0C114034-1372-4B96-A66E-0759E65AB17E}"/>
+              </a:ext>
+            </a:extLst>
+          </p:cNvPr>
+          <p:cNvSpPr/>
+          <p:nvPr/>
+        </p:nvSpPr>
+        <p:spPr>
+          <a:xfrm>
+            <a:off x="452147" y="4948494"/>
+            <a:ext cx="2287099" cy="301777"/>
+          </a:xfrm>
+          <a:prstGeom prst="roundRect">
+            <a:avLst/>
+          </a:prstGeom>
+          <a:solidFill>
+            <a:schemeClr val="tx1">
+              <a:lumMod val="75000"/>
+              <a:lumOff val="25000"/>
+            </a:schemeClr>
+          </a:solidFill>
+          <a:ln>
+            <a:noFill/>
+          </a:ln>
+        </p:spPr>
+        <p:style>
+          <a:lnRef idx="1">
+            <a:schemeClr val="accent3"/>
+          </a:lnRef>
+          <a:fillRef idx="2">
+            <a:schemeClr val="accent3"/>
+          </a:fillRef>
+          <a:effectRef idx="1">
+            <a:schemeClr val="accent3"/>
+          </a:effectRef>
+          <a:fontRef idx="minor">
+            <a:schemeClr val="dk1"/>
+          </a:fontRef>
+        </p:style>
+        <p:txBody>
+          <a:bodyPr rtlCol="0" anchor="ctr"/>
+          <a:lstStyle/>
+          <a:p>
+            <a:r>
+              <a:rPr lang="fr-FR" dirty="0">
+                <a:solidFill>
+                  <a:schemeClr val="bg1">
+                    <a:lumMod val="95000"/>
+                  </a:schemeClr>
+                </a:solidFill>
+              </a:rPr>
+              <a:t>Surface limite …</a:t>
+            </a:r>
+          </a:p>
+        </p:txBody>
+      </p:sp>
+      <p:sp>
+        <p:nvSpPr>
+          <p:cNvPr id="32" name="Rectangle : coins arrondis 31">
+            <a:extLst>
+              <a:ext uri="{FF2B5EF4-FFF2-40B4-BE49-F238E27FC236}">
+                <a16:creationId xmlns:a16="http://schemas.microsoft.com/office/drawing/2014/main" id="{A079ADEF-2E45-440D-910D-DA308701D926}"/>
+              </a:ext>
+            </a:extLst>
+          </p:cNvPr>
+          <p:cNvSpPr/>
+          <p:nvPr/>
+        </p:nvSpPr>
+        <p:spPr>
+          <a:xfrm>
+            <a:off x="452147" y="4630120"/>
+            <a:ext cx="2287099" cy="301777"/>
+          </a:xfrm>
+          <a:prstGeom prst="roundRect">
+            <a:avLst/>
+          </a:prstGeom>
+          <a:solidFill>
+            <a:schemeClr val="tx1">
+              <a:lumMod val="75000"/>
+              <a:lumOff val="25000"/>
+            </a:schemeClr>
+          </a:solidFill>
+          <a:ln>
+            <a:noFill/>
+          </a:ln>
+        </p:spPr>
+        <p:style>
+          <a:lnRef idx="1">
+            <a:schemeClr val="accent3"/>
+          </a:lnRef>
+          <a:fillRef idx="2">
+            <a:schemeClr val="accent3"/>
+          </a:fillRef>
+          <a:effectRef idx="1">
+            <a:schemeClr val="accent3"/>
+          </a:effectRef>
+          <a:fontRef idx="minor">
+            <a:schemeClr val="dk1"/>
+          </a:fontRef>
+        </p:style>
+        <p:txBody>
+          <a:bodyPr rtlCol="0" anchor="ctr"/>
+          <a:lstStyle/>
+          <a:p>
+            <a:r>
+              <a:rPr lang="fr-FR" dirty="0">
+                <a:solidFill>
+                  <a:schemeClr val="bg1">
+                    <a:lumMod val="95000"/>
+                  </a:schemeClr>
+                </a:solidFill>
+              </a:rPr>
+              <a:t>compte auto : </a:t>
+            </a:r>
+            <a:r>
+              <a:rPr lang="fr-FR" dirty="0" err="1">
+                <a:solidFill>
+                  <a:srgbClr val="00B050"/>
+                </a:solidFill>
+              </a:rPr>
+              <a:t>true</a:t>
+            </a:r>
+            <a:endParaRPr lang="fr-FR" dirty="0">
+              <a:solidFill>
+                <a:srgbClr val="00B050"/>
+              </a:solidFill>
+            </a:endParaRPr>
+          </a:p>
+        </p:txBody>
+      </p:sp>
+      <p:sp>
+        <p:nvSpPr>
+          <p:cNvPr id="33" name="Rectangle : coins arrondis 32">
+            <a:extLst>
+              <a:ext uri="{FF2B5EF4-FFF2-40B4-BE49-F238E27FC236}">
+                <a16:creationId xmlns:a16="http://schemas.microsoft.com/office/drawing/2014/main" id="{278134D1-32CD-49C6-BB6D-B0811A959929}"/>
+              </a:ext>
+            </a:extLst>
+          </p:cNvPr>
+          <p:cNvSpPr/>
+          <p:nvPr/>
+        </p:nvSpPr>
+        <p:spPr>
+          <a:xfrm>
+            <a:off x="452146" y="5271054"/>
+            <a:ext cx="2287099" cy="301777"/>
+          </a:xfrm>
+          <a:prstGeom prst="roundRect">
+            <a:avLst/>
+          </a:prstGeom>
+          <a:solidFill>
+            <a:schemeClr val="tx1">
+              <a:lumMod val="75000"/>
+              <a:lumOff val="25000"/>
+            </a:schemeClr>
+          </a:solidFill>
+          <a:ln>
+            <a:noFill/>
+          </a:ln>
+        </p:spPr>
+        <p:style>
+          <a:lnRef idx="1">
+            <a:schemeClr val="accent3"/>
+          </a:lnRef>
+          <a:fillRef idx="2">
+            <a:schemeClr val="accent3"/>
+          </a:fillRef>
+          <a:effectRef idx="1">
+            <a:schemeClr val="accent3"/>
+          </a:effectRef>
+          <a:fontRef idx="minor">
+            <a:schemeClr val="dk1"/>
+          </a:fontRef>
+        </p:style>
+        <p:txBody>
+          <a:bodyPr rtlCol="0" anchor="ctr"/>
+          <a:lstStyle/>
+          <a:p>
+            <a:r>
+              <a:rPr lang="fr-FR" dirty="0">
+                <a:solidFill>
+                  <a:schemeClr val="bg1">
+                    <a:lumMod val="95000"/>
+                  </a:schemeClr>
+                </a:solidFill>
+              </a:rPr>
+              <a:t>Compteur…</a:t>
+            </a:r>
+          </a:p>
+        </p:txBody>
+      </p:sp>
+      <p:sp>
+        <p:nvSpPr>
+          <p:cNvPr id="34" name="Rectangle : coins arrondis 33">
+            <a:extLst>
+              <a:ext uri="{FF2B5EF4-FFF2-40B4-BE49-F238E27FC236}">
+                <a16:creationId xmlns:a16="http://schemas.microsoft.com/office/drawing/2014/main" id="{A3F95451-A78C-4E13-BA02-9FAF3D5B8377}"/>
+              </a:ext>
+            </a:extLst>
+          </p:cNvPr>
+          <p:cNvSpPr/>
+          <p:nvPr/>
+        </p:nvSpPr>
+        <p:spPr>
+          <a:xfrm>
+            <a:off x="452145" y="5589428"/>
+            <a:ext cx="2287099" cy="301777"/>
+          </a:xfrm>
+          <a:prstGeom prst="roundRect">
+            <a:avLst/>
+          </a:prstGeom>
+          <a:solidFill>
+            <a:schemeClr val="tx1">
+              <a:lumMod val="75000"/>
+              <a:lumOff val="25000"/>
+            </a:schemeClr>
+          </a:solidFill>
+          <a:ln>
+            <a:noFill/>
+          </a:ln>
+        </p:spPr>
+        <p:style>
+          <a:lnRef idx="1">
+            <a:schemeClr val="accent3"/>
+          </a:lnRef>
+          <a:fillRef idx="2">
+            <a:schemeClr val="accent3"/>
+          </a:fillRef>
+          <a:effectRef idx="1">
+            <a:schemeClr val="accent3"/>
+          </a:effectRef>
+          <a:fontRef idx="minor">
+            <a:schemeClr val="dk1"/>
+          </a:fontRef>
+        </p:style>
+        <p:txBody>
+          <a:bodyPr rtlCol="0" anchor="ctr"/>
+          <a:lstStyle/>
+          <a:p>
+            <a:r>
+              <a:rPr lang="fr-FR" dirty="0">
+                <a:solidFill>
+                  <a:schemeClr val="bg1">
+                    <a:lumMod val="95000"/>
+                  </a:schemeClr>
+                </a:solidFill>
+              </a:rPr>
+              <a:t>Distance…</a:t>
+            </a:r>
+          </a:p>
+        </p:txBody>
+      </p:sp>
+      <p:sp>
+        <p:nvSpPr>
+          <p:cNvPr id="35" name="Rectangle : coins arrondis 34">
+            <a:extLst>
+              <a:ext uri="{FF2B5EF4-FFF2-40B4-BE49-F238E27FC236}">
+                <a16:creationId xmlns:a16="http://schemas.microsoft.com/office/drawing/2014/main" id="{DED094F3-3A26-4E9A-9FD4-C6EF1620906F}"/>
+              </a:ext>
+            </a:extLst>
+          </p:cNvPr>
+          <p:cNvSpPr/>
+          <p:nvPr/>
+        </p:nvSpPr>
+        <p:spPr>
+          <a:xfrm>
+            <a:off x="814420" y="6078308"/>
+            <a:ext cx="515128" cy="301777"/>
+          </a:xfrm>
+          <a:prstGeom prst="roundRect">
+            <a:avLst/>
+          </a:prstGeom>
+          <a:solidFill>
+            <a:schemeClr val="tx1">
+              <a:lumMod val="75000"/>
+              <a:lumOff val="25000"/>
+            </a:schemeClr>
+          </a:solidFill>
+          <a:ln>
+            <a:noFill/>
+          </a:ln>
+        </p:spPr>
+        <p:style>
+          <a:lnRef idx="1">
+            <a:schemeClr val="accent3"/>
+          </a:lnRef>
+          <a:fillRef idx="2">
+            <a:schemeClr val="accent3"/>
+          </a:fillRef>
+          <a:effectRef idx="1">
+            <a:schemeClr val="accent3"/>
+          </a:effectRef>
+          <a:fontRef idx="minor">
+            <a:schemeClr val="dk1"/>
+          </a:fontRef>
+        </p:style>
+        <p:txBody>
+          <a:bodyPr rtlCol="0" anchor="ctr"/>
+          <a:lstStyle/>
+          <a:p>
+            <a:pPr algn="ctr"/>
+            <a:r>
+              <a:rPr lang="fr-FR" sz="1200" dirty="0" err="1">
+                <a:solidFill>
+                  <a:schemeClr val="bg1">
+                    <a:lumMod val="95000"/>
+                  </a:schemeClr>
+                </a:solidFill>
+              </a:rPr>
+              <a:t>Suiv</a:t>
+            </a:r>
+            <a:r>
+              <a:rPr lang="fr-FR" sz="1200" dirty="0">
+                <a:solidFill>
+                  <a:schemeClr val="bg1">
+                    <a:lumMod val="95000"/>
+                  </a:schemeClr>
+                </a:solidFill>
+              </a:rPr>
+              <a:t>.</a:t>
+            </a:r>
+          </a:p>
+        </p:txBody>
+      </p:sp>
+      <p:sp>
+        <p:nvSpPr>
+          <p:cNvPr id="36" name="Rectangle : coins arrondis 35">
+            <a:extLst>
+              <a:ext uri="{FF2B5EF4-FFF2-40B4-BE49-F238E27FC236}">
+                <a16:creationId xmlns:a16="http://schemas.microsoft.com/office/drawing/2014/main" id="{828211E2-9EDF-405E-A494-7942EB0CDEC4}"/>
+              </a:ext>
+            </a:extLst>
+          </p:cNvPr>
+          <p:cNvSpPr/>
+          <p:nvPr/>
+        </p:nvSpPr>
+        <p:spPr>
+          <a:xfrm>
+            <a:off x="1552773" y="6078308"/>
+            <a:ext cx="515128" cy="301777"/>
+          </a:xfrm>
+          <a:prstGeom prst="roundRect">
+            <a:avLst/>
+          </a:prstGeom>
+          <a:solidFill>
+            <a:schemeClr val="tx1">
+              <a:lumMod val="75000"/>
+              <a:lumOff val="25000"/>
+            </a:schemeClr>
+          </a:solidFill>
+          <a:ln>
+            <a:noFill/>
+          </a:ln>
+        </p:spPr>
+        <p:style>
+          <a:lnRef idx="1">
+            <a:schemeClr val="accent3"/>
+          </a:lnRef>
+          <a:fillRef idx="2">
+            <a:schemeClr val="accent3"/>
+          </a:fillRef>
+          <a:effectRef idx="1">
+            <a:schemeClr val="accent3"/>
+          </a:effectRef>
+          <a:fontRef idx="minor">
+            <a:schemeClr val="dk1"/>
+          </a:fontRef>
+        </p:style>
+        <p:txBody>
+          <a:bodyPr rtlCol="0" anchor="ctr"/>
+          <a:lstStyle/>
+          <a:p>
+            <a:pPr algn="ctr"/>
+            <a:r>
+              <a:rPr lang="fr-FR" sz="1200" dirty="0">
+                <a:solidFill>
+                  <a:schemeClr val="bg1">
+                    <a:lumMod val="95000"/>
+                  </a:schemeClr>
+                </a:solidFill>
+              </a:rPr>
+              <a:t>OK</a:t>
+            </a:r>
+          </a:p>
+        </p:txBody>
+      </p:sp>
+      <p:sp>
+        <p:nvSpPr>
+          <p:cNvPr id="37" name="Rectangle : coins arrondis 36">
+            <a:extLst>
+              <a:ext uri="{FF2B5EF4-FFF2-40B4-BE49-F238E27FC236}">
+                <a16:creationId xmlns:a16="http://schemas.microsoft.com/office/drawing/2014/main" id="{B8EB1CE4-8920-42C5-9B1D-19E4B024A7FE}"/>
+              </a:ext>
+            </a:extLst>
+          </p:cNvPr>
+          <p:cNvSpPr/>
+          <p:nvPr/>
+        </p:nvSpPr>
+        <p:spPr>
+          <a:xfrm>
+            <a:off x="2270451" y="6078308"/>
+            <a:ext cx="515128" cy="301777"/>
+          </a:xfrm>
+          <a:prstGeom prst="roundRect">
+            <a:avLst/>
+          </a:prstGeom>
+          <a:solidFill>
+            <a:schemeClr val="tx1">
+              <a:lumMod val="75000"/>
+              <a:lumOff val="25000"/>
+            </a:schemeClr>
+          </a:solidFill>
+          <a:ln>
+            <a:noFill/>
+          </a:ln>
+        </p:spPr>
+        <p:style>
+          <a:lnRef idx="1">
+            <a:schemeClr val="accent3"/>
+          </a:lnRef>
+          <a:fillRef idx="2">
+            <a:schemeClr val="accent3"/>
+          </a:fillRef>
+          <a:effectRef idx="1">
+            <a:schemeClr val="accent3"/>
+          </a:effectRef>
+          <a:fontRef idx="minor">
+            <a:schemeClr val="dk1"/>
+          </a:fontRef>
+        </p:style>
+        <p:txBody>
+          <a:bodyPr rtlCol="0" anchor="ctr"/>
+          <a:lstStyle/>
+          <a:p>
+            <a:pPr algn="ctr"/>
+            <a:endParaRPr lang="fr-FR"/>
+          </a:p>
+        </p:txBody>
+      </p:sp>
+      <p:grpSp>
+        <p:nvGrpSpPr>
+          <p:cNvPr id="38" name="Groupe 37">
+            <a:extLst>
+              <a:ext uri="{FF2B5EF4-FFF2-40B4-BE49-F238E27FC236}">
+                <a16:creationId xmlns:a16="http://schemas.microsoft.com/office/drawing/2014/main" id="{CEFC7BA7-5850-4D19-AA98-EFDC3506323A}"/>
+              </a:ext>
+            </a:extLst>
+          </p:cNvPr>
+          <p:cNvGrpSpPr/>
+          <p:nvPr/>
+        </p:nvGrpSpPr>
+        <p:grpSpPr>
+          <a:xfrm>
+            <a:off x="3672897" y="0"/>
+            <a:ext cx="3600000" cy="3600000"/>
+            <a:chOff x="1996751" y="1091682"/>
+            <a:chExt cx="3600000" cy="3600000"/>
+          </a:xfrm>
+        </p:grpSpPr>
+        <p:grpSp>
+          <p:nvGrpSpPr>
+            <p:cNvPr id="39" name="Groupe 38">
+              <a:extLst>
+                <a:ext uri="{FF2B5EF4-FFF2-40B4-BE49-F238E27FC236}">
+                  <a16:creationId xmlns:a16="http://schemas.microsoft.com/office/drawing/2014/main" id="{6C8E6BB7-EFF1-4098-99E8-323919C0AAF6}"/>
+                </a:ext>
+              </a:extLst>
+            </p:cNvPr>
+            <p:cNvGrpSpPr/>
+            <p:nvPr/>
+          </p:nvGrpSpPr>
+          <p:grpSpPr>
+            <a:xfrm>
+              <a:off x="1996751" y="1091682"/>
+              <a:ext cx="3600000" cy="3600000"/>
+              <a:chOff x="1996751" y="1091682"/>
+              <a:chExt cx="3600000" cy="3600000"/>
+            </a:xfrm>
+          </p:grpSpPr>
+          <p:sp>
+            <p:nvSpPr>
+              <p:cNvPr id="44" name="Rectangle : coins arrondis 43">
+                <a:extLst>
+                  <a:ext uri="{FF2B5EF4-FFF2-40B4-BE49-F238E27FC236}">
+                    <a16:creationId xmlns:a16="http://schemas.microsoft.com/office/drawing/2014/main" id="{D8719F71-F82B-4054-BE18-7C936BFF1791}"/>
+                  </a:ext>
+                </a:extLst>
+              </p:cNvPr>
+              <p:cNvSpPr/>
+              <p:nvPr/>
+            </p:nvSpPr>
+            <p:spPr>
+              <a:xfrm>
+                <a:off x="1996751" y="1091682"/>
+                <a:ext cx="3600000" cy="3600000"/>
+              </a:xfrm>
+              <a:prstGeom prst="roundRect">
+                <a:avLst/>
+              </a:prstGeom>
+            </p:spPr>
+            <p:style>
+              <a:lnRef idx="3">
+                <a:schemeClr val="lt1"/>
+              </a:lnRef>
+              <a:fillRef idx="1">
+                <a:schemeClr val="accent3"/>
+              </a:fillRef>
+              <a:effectRef idx="1">
+                <a:schemeClr val="accent3"/>
+              </a:effectRef>
+              <a:fontRef idx="minor">
+                <a:schemeClr val="lt1"/>
+              </a:fontRef>
+            </p:style>
+            <p:txBody>
+              <a:bodyPr rtlCol="0" anchor="ctr"/>
+              <a:lstStyle/>
+              <a:p>
+                <a:pPr algn="ctr"/>
+                <a:endParaRPr lang="fr-FR"/>
+              </a:p>
+            </p:txBody>
+          </p:sp>
+          <p:sp>
+            <p:nvSpPr>
+              <p:cNvPr id="45" name="Rectangle : coins arrondis 44">
+                <a:extLst>
+                  <a:ext uri="{FF2B5EF4-FFF2-40B4-BE49-F238E27FC236}">
+                    <a16:creationId xmlns:a16="http://schemas.microsoft.com/office/drawing/2014/main" id="{DA22486E-DF91-4B4F-B9FB-01D826D26C90}"/>
+                  </a:ext>
+                </a:extLst>
+              </p:cNvPr>
+              <p:cNvSpPr/>
+              <p:nvPr/>
+            </p:nvSpPr>
+            <p:spPr>
+              <a:xfrm>
+                <a:off x="2086751" y="1181682"/>
+                <a:ext cx="3420000" cy="3420000"/>
+              </a:xfrm>
+              <a:prstGeom prst="roundRect">
+                <a:avLst/>
+              </a:prstGeom>
+              <a:solidFill>
+                <a:schemeClr val="tx1"/>
+              </a:solidFill>
+              <a:ln>
+                <a:noFill/>
+              </a:ln>
+            </p:spPr>
+            <p:style>
+              <a:lnRef idx="3">
+                <a:schemeClr val="lt1"/>
+              </a:lnRef>
+              <a:fillRef idx="1">
+                <a:schemeClr val="accent3"/>
+              </a:fillRef>
+              <a:effectRef idx="1">
+                <a:schemeClr val="accent3"/>
+              </a:effectRef>
+              <a:fontRef idx="minor">
+                <a:schemeClr val="lt1"/>
+              </a:fontRef>
+            </p:style>
+            <p:txBody>
+              <a:bodyPr rtlCol="0" anchor="ctr"/>
+              <a:lstStyle/>
+              <a:p>
+                <a:pPr algn="ctr"/>
+                <a:endParaRPr lang="fr-FR"/>
+              </a:p>
+            </p:txBody>
+          </p:sp>
+        </p:grpSp>
+        <p:sp>
+          <p:nvSpPr>
+            <p:cNvPr id="40" name="Rectangle : coins arrondis 39">
+              <a:extLst>
+                <a:ext uri="{FF2B5EF4-FFF2-40B4-BE49-F238E27FC236}">
+                  <a16:creationId xmlns:a16="http://schemas.microsoft.com/office/drawing/2014/main" id="{74F45574-EA1D-41D3-B97E-3EE8398CC1EB}"/>
+                </a:ext>
+              </a:extLst>
+            </p:cNvPr>
+            <p:cNvSpPr/>
+            <p:nvPr/>
+          </p:nvSpPr>
+          <p:spPr>
+            <a:xfrm>
+              <a:off x="4260012" y="4086808"/>
+              <a:ext cx="522318" cy="298580"/>
+            </a:xfrm>
+            <a:prstGeom prst="roundRect">
+              <a:avLst/>
+            </a:prstGeom>
+            <a:ln/>
+          </p:spPr>
+          <p:style>
+            <a:lnRef idx="1">
+              <a:schemeClr val="accent3"/>
+            </a:lnRef>
+            <a:fillRef idx="2">
+              <a:schemeClr val="accent3"/>
+            </a:fillRef>
+            <a:effectRef idx="1">
+              <a:schemeClr val="accent3"/>
+            </a:effectRef>
+            <a:fontRef idx="minor">
+              <a:schemeClr val="dk1"/>
+            </a:fontRef>
+          </p:style>
+          <p:txBody>
+            <a:bodyPr rtlCol="0" anchor="ctr"/>
+            <a:lstStyle/>
+            <a:p>
+              <a:pPr algn="ctr"/>
+              <a:endParaRPr lang="fr-FR"/>
+            </a:p>
+          </p:txBody>
+        </p:sp>
+        <p:sp>
+          <p:nvSpPr>
+            <p:cNvPr id="41" name="Rectangle : coins arrondis 40">
+              <a:extLst>
+                <a:ext uri="{FF2B5EF4-FFF2-40B4-BE49-F238E27FC236}">
+                  <a16:creationId xmlns:a16="http://schemas.microsoft.com/office/drawing/2014/main" id="{616C6695-8173-4B90-AE5E-903079DC44CC}"/>
+                </a:ext>
+              </a:extLst>
+            </p:cNvPr>
+            <p:cNvSpPr/>
+            <p:nvPr/>
+          </p:nvSpPr>
+          <p:spPr>
+            <a:xfrm>
+              <a:off x="3535592" y="4086808"/>
+              <a:ext cx="522318" cy="298580"/>
+            </a:xfrm>
+            <a:prstGeom prst="roundRect">
+              <a:avLst/>
+            </a:prstGeom>
+            <a:ln/>
+          </p:spPr>
+          <p:style>
+            <a:lnRef idx="1">
+              <a:schemeClr val="accent3"/>
+            </a:lnRef>
+            <a:fillRef idx="2">
+              <a:schemeClr val="accent3"/>
+            </a:fillRef>
+            <a:effectRef idx="1">
+              <a:schemeClr val="accent3"/>
+            </a:effectRef>
+            <a:fontRef idx="minor">
+              <a:schemeClr val="dk1"/>
+            </a:fontRef>
+          </p:style>
+          <p:txBody>
+            <a:bodyPr rtlCol="0" anchor="ctr"/>
+            <a:lstStyle/>
+            <a:p>
+              <a:pPr algn="ctr"/>
+              <a:endParaRPr lang="fr-FR"/>
+            </a:p>
+          </p:txBody>
+        </p:sp>
+        <p:sp>
+          <p:nvSpPr>
+            <p:cNvPr id="42" name="Rectangle : coins arrondis 41">
+              <a:extLst>
+                <a:ext uri="{FF2B5EF4-FFF2-40B4-BE49-F238E27FC236}">
+                  <a16:creationId xmlns:a16="http://schemas.microsoft.com/office/drawing/2014/main" id="{1E262A45-EC91-4B7F-8B03-F6AD1BA7BAB5}"/>
+                </a:ext>
+              </a:extLst>
+            </p:cNvPr>
+            <p:cNvSpPr/>
+            <p:nvPr/>
+          </p:nvSpPr>
+          <p:spPr>
+            <a:xfrm>
+              <a:off x="2811171" y="4086808"/>
+              <a:ext cx="522318" cy="298580"/>
+            </a:xfrm>
+            <a:prstGeom prst="roundRect">
+              <a:avLst/>
+            </a:prstGeom>
+            <a:ln/>
+          </p:spPr>
+          <p:style>
+            <a:lnRef idx="1">
+              <a:schemeClr val="accent3"/>
+            </a:lnRef>
+            <a:fillRef idx="2">
+              <a:schemeClr val="accent3"/>
+            </a:fillRef>
+            <a:effectRef idx="1">
+              <a:schemeClr val="accent3"/>
+            </a:effectRef>
+            <a:fontRef idx="minor">
+              <a:schemeClr val="dk1"/>
+            </a:fontRef>
+          </p:style>
+          <p:txBody>
+            <a:bodyPr rtlCol="0" anchor="ctr"/>
+            <a:lstStyle/>
+            <a:p>
+              <a:pPr algn="ctr"/>
+              <a:endParaRPr lang="fr-FR"/>
+            </a:p>
+          </p:txBody>
+        </p:sp>
+        <p:sp>
+          <p:nvSpPr>
+            <p:cNvPr id="43" name="Rectangle 42">
+              <a:extLst>
+                <a:ext uri="{FF2B5EF4-FFF2-40B4-BE49-F238E27FC236}">
+                  <a16:creationId xmlns:a16="http://schemas.microsoft.com/office/drawing/2014/main" id="{18CAB6A6-8816-436A-8101-40B105A767CB}"/>
+                </a:ext>
+              </a:extLst>
+            </p:cNvPr>
+            <p:cNvSpPr/>
+            <p:nvPr/>
+          </p:nvSpPr>
+          <p:spPr>
+            <a:xfrm>
+              <a:off x="2286000" y="1772817"/>
+              <a:ext cx="3013788" cy="2097697"/>
+            </a:xfrm>
+            <a:prstGeom prst="rect">
+              <a:avLst/>
+            </a:prstGeom>
+            <a:solidFill>
+              <a:schemeClr val="tx1">
+                <a:lumMod val="85000"/>
+                <a:lumOff val="15000"/>
+              </a:schemeClr>
+            </a:solidFill>
+            <a:ln>
+              <a:noFill/>
+            </a:ln>
+          </p:spPr>
+          <p:style>
+            <a:lnRef idx="2">
+              <a:schemeClr val="accent1">
+                <a:shade val="50000"/>
+              </a:schemeClr>
+            </a:lnRef>
+            <a:fillRef idx="1">
+              <a:schemeClr val="accent1"/>
+            </a:fillRef>
+            <a:effectRef idx="0">
+              <a:schemeClr val="accent1"/>
+            </a:effectRef>
+            <a:fontRef idx="minor">
+              <a:schemeClr val="lt1"/>
+            </a:fontRef>
+          </p:style>
+          <p:txBody>
+            <a:bodyPr rtlCol="0" anchor="ctr"/>
+            <a:lstStyle/>
+            <a:p>
+              <a:pPr algn="ctr"/>
+              <a:endParaRPr lang="fr-FR"/>
+            </a:p>
+          </p:txBody>
+        </p:sp>
+      </p:grpSp>
+      <p:sp>
+        <p:nvSpPr>
+          <p:cNvPr id="46" name="Rectangle 45">
+            <a:extLst>
+              <a:ext uri="{FF2B5EF4-FFF2-40B4-BE49-F238E27FC236}">
+                <a16:creationId xmlns:a16="http://schemas.microsoft.com/office/drawing/2014/main" id="{30EB6473-EDAA-4FF6-8AE2-BA8001901354}"/>
+              </a:ext>
+            </a:extLst>
+          </p:cNvPr>
+          <p:cNvSpPr/>
+          <p:nvPr/>
+        </p:nvSpPr>
+        <p:spPr>
+          <a:xfrm>
+            <a:off x="3962146" y="681135"/>
+            <a:ext cx="3013788" cy="340529"/>
+          </a:xfrm>
+          <a:prstGeom prst="rect">
+            <a:avLst/>
+          </a:prstGeom>
+          <a:solidFill>
+            <a:schemeClr val="tx1">
+              <a:lumMod val="85000"/>
+              <a:lumOff val="15000"/>
+            </a:schemeClr>
+          </a:solidFill>
+          <a:ln>
+            <a:noFill/>
+          </a:ln>
+        </p:spPr>
+        <p:style>
+          <a:lnRef idx="2">
+            <a:schemeClr val="accent1">
+              <a:shade val="50000"/>
+            </a:schemeClr>
+          </a:lnRef>
+          <a:fillRef idx="1">
+            <a:schemeClr val="accent1"/>
+          </a:fillRef>
+          <a:effectRef idx="0">
+            <a:schemeClr val="accent1"/>
+          </a:effectRef>
+          <a:fontRef idx="minor">
+            <a:schemeClr val="lt1"/>
+          </a:fontRef>
+        </p:style>
+        <p:txBody>
+          <a:bodyPr rtlCol="0" anchor="ctr"/>
+          <a:lstStyle/>
+          <a:p>
+            <a:pPr algn="ctr"/>
+            <a:r>
+              <a:rPr lang="fr-FR" dirty="0"/>
+              <a:t>OPTION :</a:t>
+            </a:r>
+          </a:p>
+        </p:txBody>
+      </p:sp>
+      <p:grpSp>
+        <p:nvGrpSpPr>
+          <p:cNvPr id="55" name="Groupe 54">
+            <a:extLst>
+              <a:ext uri="{FF2B5EF4-FFF2-40B4-BE49-F238E27FC236}">
+                <a16:creationId xmlns:a16="http://schemas.microsoft.com/office/drawing/2014/main" id="{7964321B-4F58-4C46-838E-0E4DD9C48F5A}"/>
+              </a:ext>
+            </a:extLst>
+          </p:cNvPr>
+          <p:cNvGrpSpPr/>
+          <p:nvPr/>
+        </p:nvGrpSpPr>
+        <p:grpSpPr>
+          <a:xfrm>
+            <a:off x="7345793" y="-90000"/>
+            <a:ext cx="3600000" cy="3600000"/>
+            <a:chOff x="1996751" y="1091682"/>
+            <a:chExt cx="3600000" cy="3600000"/>
+          </a:xfrm>
+        </p:grpSpPr>
+        <p:grpSp>
+          <p:nvGrpSpPr>
+            <p:cNvPr id="56" name="Groupe 55">
+              <a:extLst>
+                <a:ext uri="{FF2B5EF4-FFF2-40B4-BE49-F238E27FC236}">
+                  <a16:creationId xmlns:a16="http://schemas.microsoft.com/office/drawing/2014/main" id="{3362464D-60FF-4E4A-82FC-FBBB0ABE6657}"/>
+                </a:ext>
+              </a:extLst>
+            </p:cNvPr>
+            <p:cNvGrpSpPr/>
+            <p:nvPr/>
+          </p:nvGrpSpPr>
+          <p:grpSpPr>
+            <a:xfrm>
+              <a:off x="1996751" y="1091682"/>
+              <a:ext cx="3600000" cy="3600000"/>
+              <a:chOff x="1996751" y="1091682"/>
+              <a:chExt cx="3600000" cy="3600000"/>
+            </a:xfrm>
+          </p:grpSpPr>
+          <p:sp>
+            <p:nvSpPr>
+              <p:cNvPr id="61" name="Rectangle : coins arrondis 60">
+                <a:extLst>
+                  <a:ext uri="{FF2B5EF4-FFF2-40B4-BE49-F238E27FC236}">
+                    <a16:creationId xmlns:a16="http://schemas.microsoft.com/office/drawing/2014/main" id="{2387043A-2ADF-408B-AB95-E3AB3D08814F}"/>
+                  </a:ext>
+                </a:extLst>
+              </p:cNvPr>
+              <p:cNvSpPr/>
+              <p:nvPr/>
+            </p:nvSpPr>
+            <p:spPr>
+              <a:xfrm>
+                <a:off x="1996751" y="1091682"/>
+                <a:ext cx="3600000" cy="3600000"/>
+              </a:xfrm>
+              <a:prstGeom prst="roundRect">
+                <a:avLst/>
+              </a:prstGeom>
+            </p:spPr>
+            <p:style>
+              <a:lnRef idx="3">
+                <a:schemeClr val="lt1"/>
+              </a:lnRef>
+              <a:fillRef idx="1">
+                <a:schemeClr val="accent3"/>
+              </a:fillRef>
+              <a:effectRef idx="1">
+                <a:schemeClr val="accent3"/>
+              </a:effectRef>
+              <a:fontRef idx="minor">
+                <a:schemeClr val="lt1"/>
+              </a:fontRef>
+            </p:style>
+            <p:txBody>
+              <a:bodyPr rtlCol="0" anchor="ctr"/>
+              <a:lstStyle/>
+              <a:p>
+                <a:pPr algn="ctr"/>
+                <a:endParaRPr lang="fr-FR"/>
+              </a:p>
+            </p:txBody>
+          </p:sp>
+          <p:sp>
+            <p:nvSpPr>
+              <p:cNvPr id="62" name="Rectangle : coins arrondis 61">
+                <a:extLst>
+                  <a:ext uri="{FF2B5EF4-FFF2-40B4-BE49-F238E27FC236}">
+                    <a16:creationId xmlns:a16="http://schemas.microsoft.com/office/drawing/2014/main" id="{740CDA58-83DB-411C-A20A-761EB0366F0D}"/>
+                  </a:ext>
+                </a:extLst>
+              </p:cNvPr>
+              <p:cNvSpPr/>
+              <p:nvPr/>
+            </p:nvSpPr>
+            <p:spPr>
+              <a:xfrm>
+                <a:off x="2086751" y="1181682"/>
+                <a:ext cx="3420000" cy="3420000"/>
+              </a:xfrm>
+              <a:prstGeom prst="roundRect">
+                <a:avLst/>
+              </a:prstGeom>
+              <a:solidFill>
+                <a:schemeClr val="tx1"/>
+              </a:solidFill>
+              <a:ln>
+                <a:noFill/>
+              </a:ln>
+            </p:spPr>
+            <p:style>
+              <a:lnRef idx="3">
+                <a:schemeClr val="lt1"/>
+              </a:lnRef>
+              <a:fillRef idx="1">
+                <a:schemeClr val="accent3"/>
+              </a:fillRef>
+              <a:effectRef idx="1">
+                <a:schemeClr val="accent3"/>
+              </a:effectRef>
+              <a:fontRef idx="minor">
+                <a:schemeClr val="lt1"/>
+              </a:fontRef>
+            </p:style>
+            <p:txBody>
+              <a:bodyPr rtlCol="0" anchor="ctr"/>
+              <a:lstStyle/>
+              <a:p>
+                <a:pPr algn="ctr"/>
+                <a:endParaRPr lang="fr-FR"/>
+              </a:p>
+            </p:txBody>
+          </p:sp>
+        </p:grpSp>
+        <p:sp>
+          <p:nvSpPr>
+            <p:cNvPr id="57" name="Rectangle : coins arrondis 56">
+              <a:extLst>
+                <a:ext uri="{FF2B5EF4-FFF2-40B4-BE49-F238E27FC236}">
+                  <a16:creationId xmlns:a16="http://schemas.microsoft.com/office/drawing/2014/main" id="{EFE68998-ED18-41EF-96A8-F6A4B561C826}"/>
+                </a:ext>
+              </a:extLst>
+            </p:cNvPr>
+            <p:cNvSpPr/>
+            <p:nvPr/>
+          </p:nvSpPr>
+          <p:spPr>
+            <a:xfrm>
+              <a:off x="4260012" y="4086808"/>
+              <a:ext cx="522318" cy="298580"/>
+            </a:xfrm>
+            <a:prstGeom prst="roundRect">
+              <a:avLst/>
+            </a:prstGeom>
+            <a:ln/>
+          </p:spPr>
+          <p:style>
+            <a:lnRef idx="1">
+              <a:schemeClr val="accent3"/>
+            </a:lnRef>
+            <a:fillRef idx="2">
+              <a:schemeClr val="accent3"/>
+            </a:fillRef>
+            <a:effectRef idx="1">
+              <a:schemeClr val="accent3"/>
+            </a:effectRef>
+            <a:fontRef idx="minor">
+              <a:schemeClr val="dk1"/>
+            </a:fontRef>
+          </p:style>
+          <p:txBody>
+            <a:bodyPr rtlCol="0" anchor="ctr"/>
+            <a:lstStyle/>
+            <a:p>
+              <a:pPr algn="ctr"/>
+              <a:endParaRPr lang="fr-FR"/>
+            </a:p>
+          </p:txBody>
+        </p:sp>
+        <p:sp>
+          <p:nvSpPr>
+            <p:cNvPr id="58" name="Rectangle : coins arrondis 57">
+              <a:extLst>
+                <a:ext uri="{FF2B5EF4-FFF2-40B4-BE49-F238E27FC236}">
+                  <a16:creationId xmlns:a16="http://schemas.microsoft.com/office/drawing/2014/main" id="{28020CA2-AD35-4E69-AC92-9299C52DBAA4}"/>
+                </a:ext>
+              </a:extLst>
+            </p:cNvPr>
+            <p:cNvSpPr/>
+            <p:nvPr/>
+          </p:nvSpPr>
+          <p:spPr>
+            <a:xfrm>
+              <a:off x="3535592" y="4086808"/>
+              <a:ext cx="522318" cy="298580"/>
+            </a:xfrm>
+            <a:prstGeom prst="roundRect">
+              <a:avLst/>
+            </a:prstGeom>
+            <a:ln/>
+          </p:spPr>
+          <p:style>
+            <a:lnRef idx="1">
+              <a:schemeClr val="accent3"/>
+            </a:lnRef>
+            <a:fillRef idx="2">
+              <a:schemeClr val="accent3"/>
+            </a:fillRef>
+            <a:effectRef idx="1">
+              <a:schemeClr val="accent3"/>
+            </a:effectRef>
+            <a:fontRef idx="minor">
+              <a:schemeClr val="dk1"/>
+            </a:fontRef>
+          </p:style>
+          <p:txBody>
+            <a:bodyPr rtlCol="0" anchor="ctr"/>
+            <a:lstStyle/>
+            <a:p>
+              <a:pPr algn="ctr"/>
+              <a:endParaRPr lang="fr-FR"/>
+            </a:p>
+          </p:txBody>
+        </p:sp>
+        <p:sp>
+          <p:nvSpPr>
+            <p:cNvPr id="59" name="Rectangle : coins arrondis 58">
+              <a:extLst>
+                <a:ext uri="{FF2B5EF4-FFF2-40B4-BE49-F238E27FC236}">
+                  <a16:creationId xmlns:a16="http://schemas.microsoft.com/office/drawing/2014/main" id="{86C7A373-F563-46E9-9D75-B6DFE0FA3F16}"/>
+                </a:ext>
+              </a:extLst>
+            </p:cNvPr>
+            <p:cNvSpPr/>
+            <p:nvPr/>
+          </p:nvSpPr>
+          <p:spPr>
+            <a:xfrm>
+              <a:off x="2811171" y="4086808"/>
+              <a:ext cx="522318" cy="298580"/>
+            </a:xfrm>
+            <a:prstGeom prst="roundRect">
+              <a:avLst/>
+            </a:prstGeom>
+            <a:ln/>
+          </p:spPr>
+          <p:style>
+            <a:lnRef idx="1">
+              <a:schemeClr val="accent3"/>
+            </a:lnRef>
+            <a:fillRef idx="2">
+              <a:schemeClr val="accent3"/>
+            </a:fillRef>
+            <a:effectRef idx="1">
+              <a:schemeClr val="accent3"/>
+            </a:effectRef>
+            <a:fontRef idx="minor">
+              <a:schemeClr val="dk1"/>
+            </a:fontRef>
+          </p:style>
+          <p:txBody>
+            <a:bodyPr rtlCol="0" anchor="ctr"/>
+            <a:lstStyle/>
+            <a:p>
+              <a:pPr algn="ctr"/>
+              <a:endParaRPr lang="fr-FR"/>
+            </a:p>
+          </p:txBody>
+        </p:sp>
+        <p:sp>
+          <p:nvSpPr>
+            <p:cNvPr id="60" name="Rectangle 59">
+              <a:extLst>
+                <a:ext uri="{FF2B5EF4-FFF2-40B4-BE49-F238E27FC236}">
+                  <a16:creationId xmlns:a16="http://schemas.microsoft.com/office/drawing/2014/main" id="{CA55518F-43DC-4D62-AB68-DB55C5FE039D}"/>
+                </a:ext>
+              </a:extLst>
+            </p:cNvPr>
+            <p:cNvSpPr/>
+            <p:nvPr/>
+          </p:nvSpPr>
+          <p:spPr>
+            <a:xfrm>
+              <a:off x="2286000" y="1772817"/>
+              <a:ext cx="3013788" cy="2097697"/>
+            </a:xfrm>
+            <a:prstGeom prst="rect">
+              <a:avLst/>
+            </a:prstGeom>
+            <a:solidFill>
+              <a:schemeClr val="tx1">
+                <a:lumMod val="85000"/>
+                <a:lumOff val="15000"/>
+              </a:schemeClr>
+            </a:solidFill>
+            <a:ln>
+              <a:noFill/>
+            </a:ln>
+          </p:spPr>
+          <p:style>
+            <a:lnRef idx="2">
+              <a:schemeClr val="accent1">
+                <a:shade val="50000"/>
+              </a:schemeClr>
+            </a:lnRef>
+            <a:fillRef idx="1">
+              <a:schemeClr val="accent1"/>
+            </a:fillRef>
+            <a:effectRef idx="0">
+              <a:schemeClr val="accent1"/>
+            </a:effectRef>
+            <a:fontRef idx="minor">
+              <a:schemeClr val="lt1"/>
+            </a:fontRef>
+          </p:style>
+          <p:txBody>
+            <a:bodyPr rtlCol="0" anchor="ctr"/>
+            <a:lstStyle/>
+            <a:p>
+              <a:pPr algn="ctr"/>
+              <a:endParaRPr lang="fr-FR"/>
+            </a:p>
+          </p:txBody>
+        </p:sp>
+      </p:grpSp>
+      <p:sp>
+        <p:nvSpPr>
+          <p:cNvPr id="63" name="Rectangle 62">
+            <a:extLst>
+              <a:ext uri="{FF2B5EF4-FFF2-40B4-BE49-F238E27FC236}">
+                <a16:creationId xmlns:a16="http://schemas.microsoft.com/office/drawing/2014/main" id="{B14B919B-AAF0-4E1C-BB6C-05E1CC3CEC91}"/>
+              </a:ext>
+            </a:extLst>
+          </p:cNvPr>
+          <p:cNvSpPr/>
+          <p:nvPr/>
+        </p:nvSpPr>
+        <p:spPr>
+          <a:xfrm>
+            <a:off x="7635042" y="591135"/>
+            <a:ext cx="3013788" cy="340529"/>
+          </a:xfrm>
+          <a:prstGeom prst="rect">
+            <a:avLst/>
+          </a:prstGeom>
+          <a:solidFill>
+            <a:schemeClr val="tx1">
+              <a:lumMod val="85000"/>
+              <a:lumOff val="15000"/>
+            </a:schemeClr>
+          </a:solidFill>
+          <a:ln>
+            <a:noFill/>
+          </a:ln>
+        </p:spPr>
+        <p:style>
+          <a:lnRef idx="2">
+            <a:schemeClr val="accent1">
+              <a:shade val="50000"/>
+            </a:schemeClr>
+          </a:lnRef>
+          <a:fillRef idx="1">
+            <a:schemeClr val="accent1"/>
+          </a:fillRef>
+          <a:effectRef idx="0">
+            <a:schemeClr val="accent1"/>
+          </a:effectRef>
+          <a:fontRef idx="minor">
+            <a:schemeClr val="lt1"/>
+          </a:fontRef>
+        </p:style>
+        <p:txBody>
+          <a:bodyPr rtlCol="0" anchor="ctr"/>
+          <a:lstStyle/>
+          <a:p>
+            <a:pPr algn="ctr"/>
+            <a:r>
+              <a:rPr lang="fr-FR" dirty="0"/>
+              <a:t>OPTION :</a:t>
+            </a:r>
+          </a:p>
+        </p:txBody>
+      </p:sp>
+      <p:sp>
+        <p:nvSpPr>
+          <p:cNvPr id="64" name="Rectangle : coins arrondis 63">
+            <a:extLst>
+              <a:ext uri="{FF2B5EF4-FFF2-40B4-BE49-F238E27FC236}">
+                <a16:creationId xmlns:a16="http://schemas.microsoft.com/office/drawing/2014/main" id="{A193CCB7-6513-4BEA-8299-FC36EE58BA8E}"/>
+              </a:ext>
+            </a:extLst>
+          </p:cNvPr>
+          <p:cNvSpPr/>
+          <p:nvPr/>
+        </p:nvSpPr>
+        <p:spPr>
+          <a:xfrm>
+            <a:off x="7774772" y="1189409"/>
+            <a:ext cx="2333430" cy="340529"/>
+          </a:xfrm>
+          <a:prstGeom prst="roundRect">
+            <a:avLst/>
+          </a:prstGeom>
+          <a:ln/>
+        </p:spPr>
+        <p:style>
+          <a:lnRef idx="1">
+            <a:schemeClr val="accent3"/>
+          </a:lnRef>
+          <a:fillRef idx="2">
+            <a:schemeClr val="accent3"/>
+          </a:fillRef>
+          <a:effectRef idx="1">
+            <a:schemeClr val="accent3"/>
+          </a:effectRef>
+          <a:fontRef idx="minor">
+            <a:schemeClr val="dk1"/>
+          </a:fontRef>
+        </p:style>
+        <p:txBody>
+          <a:bodyPr rtlCol="0" anchor="ctr"/>
+          <a:lstStyle/>
+          <a:p>
+            <a:pPr algn="ctr"/>
+            <a:endParaRPr lang="fr-FR"/>
+          </a:p>
+        </p:txBody>
+      </p:sp>
+      <p:sp>
+        <p:nvSpPr>
+          <p:cNvPr id="65" name="Rectangle : coins arrondis 64">
+            <a:extLst>
+              <a:ext uri="{FF2B5EF4-FFF2-40B4-BE49-F238E27FC236}">
+                <a16:creationId xmlns:a16="http://schemas.microsoft.com/office/drawing/2014/main" id="{863006BE-116E-4699-BE93-463FD0337AA0}"/>
+              </a:ext>
+            </a:extLst>
+          </p:cNvPr>
+          <p:cNvSpPr/>
+          <p:nvPr/>
+        </p:nvSpPr>
+        <p:spPr>
+          <a:xfrm>
+            <a:off x="7797940" y="1209211"/>
+            <a:ext cx="2287099" cy="301777"/>
+          </a:xfrm>
+          <a:prstGeom prst="roundRect">
+            <a:avLst/>
+          </a:prstGeom>
+          <a:solidFill>
+            <a:schemeClr val="tx1">
+              <a:lumMod val="75000"/>
+              <a:lumOff val="25000"/>
+            </a:schemeClr>
+          </a:solidFill>
+          <a:ln>
+            <a:noFill/>
+          </a:ln>
+        </p:spPr>
+        <p:style>
+          <a:lnRef idx="1">
+            <a:schemeClr val="accent3"/>
+          </a:lnRef>
+          <a:fillRef idx="2">
+            <a:schemeClr val="accent3"/>
+          </a:fillRef>
+          <a:effectRef idx="1">
+            <a:schemeClr val="accent3"/>
+          </a:effectRef>
+          <a:fontRef idx="minor">
+            <a:schemeClr val="dk1"/>
+          </a:fontRef>
+        </p:style>
+        <p:txBody>
+          <a:bodyPr rtlCol="0" anchor="ctr"/>
+          <a:lstStyle/>
+          <a:p>
+            <a:r>
+              <a:rPr lang="fr-FR" dirty="0">
+                <a:solidFill>
+                  <a:schemeClr val="bg1">
+                    <a:lumMod val="95000"/>
+                  </a:schemeClr>
+                </a:solidFill>
+              </a:rPr>
+              <a:t>Surface limite …</a:t>
+            </a:r>
+          </a:p>
+        </p:txBody>
+      </p:sp>
+      <p:sp>
+        <p:nvSpPr>
+          <p:cNvPr id="66" name="Rectangle : coins arrondis 65">
+            <a:extLst>
+              <a:ext uri="{FF2B5EF4-FFF2-40B4-BE49-F238E27FC236}">
+                <a16:creationId xmlns:a16="http://schemas.microsoft.com/office/drawing/2014/main" id="{22DC71DD-A956-421E-AF2C-2B30E43ADF44}"/>
+              </a:ext>
+            </a:extLst>
+          </p:cNvPr>
+          <p:cNvSpPr/>
+          <p:nvPr/>
+        </p:nvSpPr>
+        <p:spPr>
+          <a:xfrm>
+            <a:off x="7797940" y="890837"/>
+            <a:ext cx="2287099" cy="301777"/>
+          </a:xfrm>
+          <a:prstGeom prst="roundRect">
+            <a:avLst/>
+          </a:prstGeom>
+          <a:solidFill>
+            <a:schemeClr val="tx1">
+              <a:lumMod val="75000"/>
+              <a:lumOff val="25000"/>
+            </a:schemeClr>
+          </a:solidFill>
+          <a:ln>
+            <a:noFill/>
+          </a:ln>
+        </p:spPr>
+        <p:style>
+          <a:lnRef idx="1">
+            <a:schemeClr val="accent3"/>
+          </a:lnRef>
+          <a:fillRef idx="2">
+            <a:schemeClr val="accent3"/>
+          </a:fillRef>
+          <a:effectRef idx="1">
+            <a:schemeClr val="accent3"/>
+          </a:effectRef>
+          <a:fontRef idx="minor">
+            <a:schemeClr val="dk1"/>
+          </a:fontRef>
+        </p:style>
+        <p:txBody>
+          <a:bodyPr rtlCol="0" anchor="ctr"/>
+          <a:lstStyle/>
+          <a:p>
+            <a:r>
+              <a:rPr lang="fr-FR" dirty="0">
+                <a:solidFill>
+                  <a:schemeClr val="bg1">
+                    <a:lumMod val="95000"/>
+                  </a:schemeClr>
+                </a:solidFill>
+              </a:rPr>
+              <a:t>compte auto : </a:t>
+            </a:r>
+            <a:r>
+              <a:rPr lang="fr-FR" dirty="0" err="1">
+                <a:solidFill>
+                  <a:srgbClr val="00B050"/>
+                </a:solidFill>
+              </a:rPr>
+              <a:t>true</a:t>
+            </a:r>
+            <a:endParaRPr lang="fr-FR" dirty="0">
+              <a:solidFill>
+                <a:srgbClr val="00B050"/>
+              </a:solidFill>
+            </a:endParaRPr>
+          </a:p>
+        </p:txBody>
+      </p:sp>
+      <p:sp>
+        <p:nvSpPr>
+          <p:cNvPr id="67" name="Rectangle : coins arrondis 66">
+            <a:extLst>
+              <a:ext uri="{FF2B5EF4-FFF2-40B4-BE49-F238E27FC236}">
+                <a16:creationId xmlns:a16="http://schemas.microsoft.com/office/drawing/2014/main" id="{2C7A9476-8A0D-47FE-9C4A-768B67C5F627}"/>
+              </a:ext>
+            </a:extLst>
+          </p:cNvPr>
+          <p:cNvSpPr/>
+          <p:nvPr/>
+        </p:nvSpPr>
+        <p:spPr>
+          <a:xfrm>
+            <a:off x="7797939" y="1531771"/>
+            <a:ext cx="2287099" cy="301777"/>
+          </a:xfrm>
+          <a:prstGeom prst="roundRect">
+            <a:avLst/>
+          </a:prstGeom>
+          <a:solidFill>
+            <a:schemeClr val="tx1">
+              <a:lumMod val="75000"/>
+              <a:lumOff val="25000"/>
+            </a:schemeClr>
+          </a:solidFill>
+          <a:ln>
+            <a:noFill/>
+          </a:ln>
+        </p:spPr>
+        <p:style>
+          <a:lnRef idx="1">
+            <a:schemeClr val="accent3"/>
+          </a:lnRef>
+          <a:fillRef idx="2">
+            <a:schemeClr val="accent3"/>
+          </a:fillRef>
+          <a:effectRef idx="1">
+            <a:schemeClr val="accent3"/>
+          </a:effectRef>
+          <a:fontRef idx="minor">
+            <a:schemeClr val="dk1"/>
+          </a:fontRef>
+        </p:style>
+        <p:txBody>
+          <a:bodyPr rtlCol="0" anchor="ctr"/>
+          <a:lstStyle/>
+          <a:p>
+            <a:r>
+              <a:rPr lang="fr-FR" dirty="0">
+                <a:solidFill>
+                  <a:schemeClr val="bg1">
+                    <a:lumMod val="95000"/>
+                  </a:schemeClr>
+                </a:solidFill>
+              </a:rPr>
+              <a:t>Compteur…</a:t>
+            </a:r>
+          </a:p>
+        </p:txBody>
+      </p:sp>
+      <p:sp>
+        <p:nvSpPr>
+          <p:cNvPr id="68" name="Rectangle : coins arrondis 67">
+            <a:extLst>
+              <a:ext uri="{FF2B5EF4-FFF2-40B4-BE49-F238E27FC236}">
+                <a16:creationId xmlns:a16="http://schemas.microsoft.com/office/drawing/2014/main" id="{3E4D2B06-E7E5-4966-A78A-4F5B601C8E4D}"/>
+              </a:ext>
+            </a:extLst>
+          </p:cNvPr>
+          <p:cNvSpPr/>
+          <p:nvPr/>
+        </p:nvSpPr>
+        <p:spPr>
+          <a:xfrm>
+            <a:off x="7797938" y="1850145"/>
+            <a:ext cx="2287099" cy="301777"/>
+          </a:xfrm>
+          <a:prstGeom prst="roundRect">
+            <a:avLst/>
+          </a:prstGeom>
+          <a:solidFill>
+            <a:schemeClr val="tx1">
+              <a:lumMod val="75000"/>
+              <a:lumOff val="25000"/>
+            </a:schemeClr>
+          </a:solidFill>
+          <a:ln>
+            <a:noFill/>
+          </a:ln>
+        </p:spPr>
+        <p:style>
+          <a:lnRef idx="1">
+            <a:schemeClr val="accent3"/>
+          </a:lnRef>
+          <a:fillRef idx="2">
+            <a:schemeClr val="accent3"/>
+          </a:fillRef>
+          <a:effectRef idx="1">
+            <a:schemeClr val="accent3"/>
+          </a:effectRef>
+          <a:fontRef idx="minor">
+            <a:schemeClr val="dk1"/>
+          </a:fontRef>
+        </p:style>
+        <p:txBody>
+          <a:bodyPr rtlCol="0" anchor="ctr"/>
+          <a:lstStyle/>
+          <a:p>
+            <a:r>
+              <a:rPr lang="fr-FR" dirty="0">
+                <a:solidFill>
+                  <a:schemeClr val="bg1">
+                    <a:lumMod val="95000"/>
+                  </a:schemeClr>
+                </a:solidFill>
+              </a:rPr>
+              <a:t>Distance…</a:t>
+            </a:r>
+          </a:p>
+        </p:txBody>
+      </p:sp>
+    </p:spTree>
+    <p:extLst>
+      <p:ext uri="{BB962C8B-B14F-4D97-AF65-F5344CB8AC3E}">
+        <p14:creationId xmlns:p14="http://schemas.microsoft.com/office/powerpoint/2010/main" val="1840360750"/>
       </p:ext>
     </p:extLst>
   </p:cSld>
